--- a/output_figures/Algorithm Figures.pptx
+++ b/output_figures/Algorithm Figures.pptx
@@ -11,6 +11,7 @@
     <p:sldId id="259" r:id="rId5"/>
     <p:sldId id="260" r:id="rId6"/>
     <p:sldId id="261" r:id="rId7"/>
+    <p:sldId id="262" r:id="rId8"/>
   </p:sldIdLst>
   <p:sldSz cx="12192000" cy="6858000"/>
   <p:notesSz cx="6858000" cy="9144000"/>
@@ -127,142 +128,6 @@
 
 <file path=ppt/changesInfos/changesInfo1.xml><?xml version="1.0" encoding="utf-8"?>
 <pc:chgInfo xmlns:a="http://schemas.openxmlformats.org/drawingml/2006/main" xmlns:r="http://schemas.openxmlformats.org/officeDocument/2006/relationships" xmlns:ac="http://schemas.microsoft.com/office/drawing/2013/main/command" xmlns:pc="http://schemas.microsoft.com/office/powerpoint/2013/main/command">
-  <pc:docChgLst>
-    <pc:chgData name="Randolph Bushman" userId="e6da14881a47e0b6" providerId="Windows Live" clId="Web-{34320C06-5D85-49E5-A19A-0819E74E725D}"/>
-    <pc:docChg chg="modSld">
-      <pc:chgData name="Randolph Bushman" userId="e6da14881a47e0b6" providerId="Windows Live" clId="Web-{34320C06-5D85-49E5-A19A-0819E74E725D}" dt="2024-01-28T20:50:28.992" v="15" actId="1076"/>
-      <pc:docMkLst>
-        <pc:docMk/>
-      </pc:docMkLst>
-      <pc:sldChg chg="modSp">
-        <pc:chgData name="Randolph Bushman" userId="e6da14881a47e0b6" providerId="Windows Live" clId="Web-{34320C06-5D85-49E5-A19A-0819E74E725D}" dt="2024-01-28T20:50:28.992" v="15" actId="1076"/>
-        <pc:sldMkLst>
-          <pc:docMk/>
-          <pc:sldMk cId="3807839515" sldId="258"/>
-        </pc:sldMkLst>
-        <pc:spChg chg="mod">
-          <ac:chgData name="Randolph Bushman" userId="e6da14881a47e0b6" providerId="Windows Live" clId="Web-{34320C06-5D85-49E5-A19A-0819E74E725D}" dt="2024-01-28T20:50:28.992" v="15" actId="1076"/>
-          <ac:spMkLst>
-            <pc:docMk/>
-            <pc:sldMk cId="3807839515" sldId="258"/>
-            <ac:spMk id="153" creationId="{7FCCCF6E-EDC5-CC33-DD25-B2D8BA2B84EF}"/>
-          </ac:spMkLst>
-        </pc:spChg>
-        <pc:spChg chg="mod">
-          <ac:chgData name="Randolph Bushman" userId="e6da14881a47e0b6" providerId="Windows Live" clId="Web-{34320C06-5D85-49E5-A19A-0819E74E725D}" dt="2024-01-28T20:50:28.992" v="14" actId="1076"/>
-          <ac:spMkLst>
-            <pc:docMk/>
-            <pc:sldMk cId="3807839515" sldId="258"/>
-            <ac:spMk id="154" creationId="{A93D5C4F-0A5B-BB33-C1A4-61552B008882}"/>
-          </ac:spMkLst>
-        </pc:spChg>
-        <pc:spChg chg="mod">
-          <ac:chgData name="Randolph Bushman" userId="e6da14881a47e0b6" providerId="Windows Live" clId="Web-{34320C06-5D85-49E5-A19A-0819E74E725D}" dt="2024-01-28T20:50:28.992" v="13" actId="1076"/>
-          <ac:spMkLst>
-            <pc:docMk/>
-            <pc:sldMk cId="3807839515" sldId="258"/>
-            <ac:spMk id="155" creationId="{7C610C7E-73CF-DCF6-DC80-F91FEB76DA9A}"/>
-          </ac:spMkLst>
-        </pc:spChg>
-        <pc:spChg chg="mod">
-          <ac:chgData name="Randolph Bushman" userId="e6da14881a47e0b6" providerId="Windows Live" clId="Web-{34320C06-5D85-49E5-A19A-0819E74E725D}" dt="2024-01-28T20:50:28.992" v="12" actId="1076"/>
-          <ac:spMkLst>
-            <pc:docMk/>
-            <pc:sldMk cId="3807839515" sldId="258"/>
-            <ac:spMk id="156" creationId="{38B6E886-DBCE-AB1E-6ADE-1C949D8E324C}"/>
-          </ac:spMkLst>
-        </pc:spChg>
-        <pc:spChg chg="mod">
-          <ac:chgData name="Randolph Bushman" userId="e6da14881a47e0b6" providerId="Windows Live" clId="Web-{34320C06-5D85-49E5-A19A-0819E74E725D}" dt="2024-01-28T20:50:28.992" v="11" actId="1076"/>
-          <ac:spMkLst>
-            <pc:docMk/>
-            <pc:sldMk cId="3807839515" sldId="258"/>
-            <ac:spMk id="157" creationId="{7446BA8E-C69C-1037-A382-9DF9391CFCBD}"/>
-          </ac:spMkLst>
-        </pc:spChg>
-        <pc:spChg chg="mod">
-          <ac:chgData name="Randolph Bushman" userId="e6da14881a47e0b6" providerId="Windows Live" clId="Web-{34320C06-5D85-49E5-A19A-0819E74E725D}" dt="2024-01-28T20:50:28.992" v="10" actId="1076"/>
-          <ac:spMkLst>
-            <pc:docMk/>
-            <pc:sldMk cId="3807839515" sldId="258"/>
-            <ac:spMk id="158" creationId="{97D93BB8-EFB0-D475-09D5-257FCD5D17E3}"/>
-          </ac:spMkLst>
-        </pc:spChg>
-        <pc:spChg chg="mod">
-          <ac:chgData name="Randolph Bushman" userId="e6da14881a47e0b6" providerId="Windows Live" clId="Web-{34320C06-5D85-49E5-A19A-0819E74E725D}" dt="2024-01-28T20:50:28.992" v="9" actId="1076"/>
-          <ac:spMkLst>
-            <pc:docMk/>
-            <pc:sldMk cId="3807839515" sldId="258"/>
-            <ac:spMk id="159" creationId="{56E0C26C-E899-4619-3100-4BDB4D53052C}"/>
-          </ac:spMkLst>
-        </pc:spChg>
-        <pc:spChg chg="mod">
-          <ac:chgData name="Randolph Bushman" userId="e6da14881a47e0b6" providerId="Windows Live" clId="Web-{34320C06-5D85-49E5-A19A-0819E74E725D}" dt="2024-01-28T20:50:28.992" v="8" actId="1076"/>
-          <ac:spMkLst>
-            <pc:docMk/>
-            <pc:sldMk cId="3807839515" sldId="258"/>
-            <ac:spMk id="292" creationId="{693E2A00-333E-B55C-A5BE-EC28E298BAA5}"/>
-          </ac:spMkLst>
-        </pc:spChg>
-        <pc:cxnChg chg="mod">
-          <ac:chgData name="Randolph Bushman" userId="e6da14881a47e0b6" providerId="Windows Live" clId="Web-{34320C06-5D85-49E5-A19A-0819E74E725D}" dt="2024-01-28T20:50:28.992" v="15" actId="1076"/>
-          <ac:cxnSpMkLst>
-            <pc:docMk/>
-            <pc:sldMk cId="3807839515" sldId="258"/>
-            <ac:cxnSpMk id="169" creationId="{B368F8C2-F4B1-F8E7-A9FE-42E792864A84}"/>
-          </ac:cxnSpMkLst>
-        </pc:cxnChg>
-        <pc:cxnChg chg="mod">
-          <ac:chgData name="Randolph Bushman" userId="e6da14881a47e0b6" providerId="Windows Live" clId="Web-{34320C06-5D85-49E5-A19A-0819E74E725D}" dt="2024-01-28T20:50:28.992" v="14" actId="1076"/>
-          <ac:cxnSpMkLst>
-            <pc:docMk/>
-            <pc:sldMk cId="3807839515" sldId="258"/>
-            <ac:cxnSpMk id="170" creationId="{DA247647-1E9A-D743-7F06-4FB326B2135A}"/>
-          </ac:cxnSpMkLst>
-        </pc:cxnChg>
-        <pc:cxnChg chg="mod">
-          <ac:chgData name="Randolph Bushman" userId="e6da14881a47e0b6" providerId="Windows Live" clId="Web-{34320C06-5D85-49E5-A19A-0819E74E725D}" dt="2024-01-28T20:50:28.992" v="13" actId="1076"/>
-          <ac:cxnSpMkLst>
-            <pc:docMk/>
-            <pc:sldMk cId="3807839515" sldId="258"/>
-            <ac:cxnSpMk id="171" creationId="{5868083D-B19C-0488-D26F-6A7CF9091199}"/>
-          </ac:cxnSpMkLst>
-        </pc:cxnChg>
-        <pc:cxnChg chg="mod">
-          <ac:chgData name="Randolph Bushman" userId="e6da14881a47e0b6" providerId="Windows Live" clId="Web-{34320C06-5D85-49E5-A19A-0819E74E725D}" dt="2024-01-28T20:50:28.992" v="12" actId="1076"/>
-          <ac:cxnSpMkLst>
-            <pc:docMk/>
-            <pc:sldMk cId="3807839515" sldId="258"/>
-            <ac:cxnSpMk id="172" creationId="{ACF21BAD-C088-81C9-AAB0-4304C2B829AA}"/>
-          </ac:cxnSpMkLst>
-        </pc:cxnChg>
-        <pc:cxnChg chg="mod">
-          <ac:chgData name="Randolph Bushman" userId="e6da14881a47e0b6" providerId="Windows Live" clId="Web-{34320C06-5D85-49E5-A19A-0819E74E725D}" dt="2024-01-28T20:50:28.992" v="11" actId="1076"/>
-          <ac:cxnSpMkLst>
-            <pc:docMk/>
-            <pc:sldMk cId="3807839515" sldId="258"/>
-            <ac:cxnSpMk id="175" creationId="{459B9B3C-DBEE-DCAF-4B2D-78634623261F}"/>
-          </ac:cxnSpMkLst>
-        </pc:cxnChg>
-        <pc:cxnChg chg="mod">
-          <ac:chgData name="Randolph Bushman" userId="e6da14881a47e0b6" providerId="Windows Live" clId="Web-{34320C06-5D85-49E5-A19A-0819E74E725D}" dt="2024-01-28T20:50:28.992" v="10" actId="1076"/>
-          <ac:cxnSpMkLst>
-            <pc:docMk/>
-            <pc:sldMk cId="3807839515" sldId="258"/>
-            <ac:cxnSpMk id="178" creationId="{C2737DB4-EC29-2D05-EB75-4ED0F3423F63}"/>
-          </ac:cxnSpMkLst>
-        </pc:cxnChg>
-        <pc:cxnChg chg="mod">
-          <ac:chgData name="Randolph Bushman" userId="e6da14881a47e0b6" providerId="Windows Live" clId="Web-{34320C06-5D85-49E5-A19A-0819E74E725D}" dt="2024-01-28T20:50:28.992" v="9" actId="1076"/>
-          <ac:cxnSpMkLst>
-            <pc:docMk/>
-            <pc:sldMk cId="3807839515" sldId="258"/>
-            <ac:cxnSpMk id="181" creationId="{A46DEC2F-A705-0E11-7C34-645ABD4EDDC1}"/>
-          </ac:cxnSpMkLst>
-        </pc:cxnChg>
-      </pc:sldChg>
-    </pc:docChg>
-  </pc:docChgLst>
   <pc:docChgLst>
     <pc:chgData name="Randolph Bushman" userId="e6da14881a47e0b6" providerId="LiveId" clId="{5220B377-6BF7-4CC8-BCD2-2186662ED1AC}"/>
     <pc:docChg chg="undo custSel addSld modSld">
@@ -2226,6 +2091,142 @@
       </pc:sldChg>
     </pc:docChg>
   </pc:docChgLst>
+  <pc:docChgLst>
+    <pc:chgData name="Randolph Bushman" userId="e6da14881a47e0b6" providerId="Windows Live" clId="Web-{34320C06-5D85-49E5-A19A-0819E74E725D}"/>
+    <pc:docChg chg="modSld">
+      <pc:chgData name="Randolph Bushman" userId="e6da14881a47e0b6" providerId="Windows Live" clId="Web-{34320C06-5D85-49E5-A19A-0819E74E725D}" dt="2024-01-28T20:50:28.992" v="15" actId="1076"/>
+      <pc:docMkLst>
+        <pc:docMk/>
+      </pc:docMkLst>
+      <pc:sldChg chg="modSp">
+        <pc:chgData name="Randolph Bushman" userId="e6da14881a47e0b6" providerId="Windows Live" clId="Web-{34320C06-5D85-49E5-A19A-0819E74E725D}" dt="2024-01-28T20:50:28.992" v="15" actId="1076"/>
+        <pc:sldMkLst>
+          <pc:docMk/>
+          <pc:sldMk cId="3807839515" sldId="258"/>
+        </pc:sldMkLst>
+        <pc:spChg chg="mod">
+          <ac:chgData name="Randolph Bushman" userId="e6da14881a47e0b6" providerId="Windows Live" clId="Web-{34320C06-5D85-49E5-A19A-0819E74E725D}" dt="2024-01-28T20:50:28.992" v="15" actId="1076"/>
+          <ac:spMkLst>
+            <pc:docMk/>
+            <pc:sldMk cId="3807839515" sldId="258"/>
+            <ac:spMk id="153" creationId="{7FCCCF6E-EDC5-CC33-DD25-B2D8BA2B84EF}"/>
+          </ac:spMkLst>
+        </pc:spChg>
+        <pc:spChg chg="mod">
+          <ac:chgData name="Randolph Bushman" userId="e6da14881a47e0b6" providerId="Windows Live" clId="Web-{34320C06-5D85-49E5-A19A-0819E74E725D}" dt="2024-01-28T20:50:28.992" v="14" actId="1076"/>
+          <ac:spMkLst>
+            <pc:docMk/>
+            <pc:sldMk cId="3807839515" sldId="258"/>
+            <ac:spMk id="154" creationId="{A93D5C4F-0A5B-BB33-C1A4-61552B008882}"/>
+          </ac:spMkLst>
+        </pc:spChg>
+        <pc:spChg chg="mod">
+          <ac:chgData name="Randolph Bushman" userId="e6da14881a47e0b6" providerId="Windows Live" clId="Web-{34320C06-5D85-49E5-A19A-0819E74E725D}" dt="2024-01-28T20:50:28.992" v="13" actId="1076"/>
+          <ac:spMkLst>
+            <pc:docMk/>
+            <pc:sldMk cId="3807839515" sldId="258"/>
+            <ac:spMk id="155" creationId="{7C610C7E-73CF-DCF6-DC80-F91FEB76DA9A}"/>
+          </ac:spMkLst>
+        </pc:spChg>
+        <pc:spChg chg="mod">
+          <ac:chgData name="Randolph Bushman" userId="e6da14881a47e0b6" providerId="Windows Live" clId="Web-{34320C06-5D85-49E5-A19A-0819E74E725D}" dt="2024-01-28T20:50:28.992" v="12" actId="1076"/>
+          <ac:spMkLst>
+            <pc:docMk/>
+            <pc:sldMk cId="3807839515" sldId="258"/>
+            <ac:spMk id="156" creationId="{38B6E886-DBCE-AB1E-6ADE-1C949D8E324C}"/>
+          </ac:spMkLst>
+        </pc:spChg>
+        <pc:spChg chg="mod">
+          <ac:chgData name="Randolph Bushman" userId="e6da14881a47e0b6" providerId="Windows Live" clId="Web-{34320C06-5D85-49E5-A19A-0819E74E725D}" dt="2024-01-28T20:50:28.992" v="11" actId="1076"/>
+          <ac:spMkLst>
+            <pc:docMk/>
+            <pc:sldMk cId="3807839515" sldId="258"/>
+            <ac:spMk id="157" creationId="{7446BA8E-C69C-1037-A382-9DF9391CFCBD}"/>
+          </ac:spMkLst>
+        </pc:spChg>
+        <pc:spChg chg="mod">
+          <ac:chgData name="Randolph Bushman" userId="e6da14881a47e0b6" providerId="Windows Live" clId="Web-{34320C06-5D85-49E5-A19A-0819E74E725D}" dt="2024-01-28T20:50:28.992" v="10" actId="1076"/>
+          <ac:spMkLst>
+            <pc:docMk/>
+            <pc:sldMk cId="3807839515" sldId="258"/>
+            <ac:spMk id="158" creationId="{97D93BB8-EFB0-D475-09D5-257FCD5D17E3}"/>
+          </ac:spMkLst>
+        </pc:spChg>
+        <pc:spChg chg="mod">
+          <ac:chgData name="Randolph Bushman" userId="e6da14881a47e0b6" providerId="Windows Live" clId="Web-{34320C06-5D85-49E5-A19A-0819E74E725D}" dt="2024-01-28T20:50:28.992" v="9" actId="1076"/>
+          <ac:spMkLst>
+            <pc:docMk/>
+            <pc:sldMk cId="3807839515" sldId="258"/>
+            <ac:spMk id="159" creationId="{56E0C26C-E899-4619-3100-4BDB4D53052C}"/>
+          </ac:spMkLst>
+        </pc:spChg>
+        <pc:spChg chg="mod">
+          <ac:chgData name="Randolph Bushman" userId="e6da14881a47e0b6" providerId="Windows Live" clId="Web-{34320C06-5D85-49E5-A19A-0819E74E725D}" dt="2024-01-28T20:50:28.992" v="8" actId="1076"/>
+          <ac:spMkLst>
+            <pc:docMk/>
+            <pc:sldMk cId="3807839515" sldId="258"/>
+            <ac:spMk id="292" creationId="{693E2A00-333E-B55C-A5BE-EC28E298BAA5}"/>
+          </ac:spMkLst>
+        </pc:spChg>
+        <pc:cxnChg chg="mod">
+          <ac:chgData name="Randolph Bushman" userId="e6da14881a47e0b6" providerId="Windows Live" clId="Web-{34320C06-5D85-49E5-A19A-0819E74E725D}" dt="2024-01-28T20:50:28.992" v="15" actId="1076"/>
+          <ac:cxnSpMkLst>
+            <pc:docMk/>
+            <pc:sldMk cId="3807839515" sldId="258"/>
+            <ac:cxnSpMk id="169" creationId="{B368F8C2-F4B1-F8E7-A9FE-42E792864A84}"/>
+          </ac:cxnSpMkLst>
+        </pc:cxnChg>
+        <pc:cxnChg chg="mod">
+          <ac:chgData name="Randolph Bushman" userId="e6da14881a47e0b6" providerId="Windows Live" clId="Web-{34320C06-5D85-49E5-A19A-0819E74E725D}" dt="2024-01-28T20:50:28.992" v="14" actId="1076"/>
+          <ac:cxnSpMkLst>
+            <pc:docMk/>
+            <pc:sldMk cId="3807839515" sldId="258"/>
+            <ac:cxnSpMk id="170" creationId="{DA247647-1E9A-D743-7F06-4FB326B2135A}"/>
+          </ac:cxnSpMkLst>
+        </pc:cxnChg>
+        <pc:cxnChg chg="mod">
+          <ac:chgData name="Randolph Bushman" userId="e6da14881a47e0b6" providerId="Windows Live" clId="Web-{34320C06-5D85-49E5-A19A-0819E74E725D}" dt="2024-01-28T20:50:28.992" v="13" actId="1076"/>
+          <ac:cxnSpMkLst>
+            <pc:docMk/>
+            <pc:sldMk cId="3807839515" sldId="258"/>
+            <ac:cxnSpMk id="171" creationId="{5868083D-B19C-0488-D26F-6A7CF9091199}"/>
+          </ac:cxnSpMkLst>
+        </pc:cxnChg>
+        <pc:cxnChg chg="mod">
+          <ac:chgData name="Randolph Bushman" userId="e6da14881a47e0b6" providerId="Windows Live" clId="Web-{34320C06-5D85-49E5-A19A-0819E74E725D}" dt="2024-01-28T20:50:28.992" v="12" actId="1076"/>
+          <ac:cxnSpMkLst>
+            <pc:docMk/>
+            <pc:sldMk cId="3807839515" sldId="258"/>
+            <ac:cxnSpMk id="172" creationId="{ACF21BAD-C088-81C9-AAB0-4304C2B829AA}"/>
+          </ac:cxnSpMkLst>
+        </pc:cxnChg>
+        <pc:cxnChg chg="mod">
+          <ac:chgData name="Randolph Bushman" userId="e6da14881a47e0b6" providerId="Windows Live" clId="Web-{34320C06-5D85-49E5-A19A-0819E74E725D}" dt="2024-01-28T20:50:28.992" v="11" actId="1076"/>
+          <ac:cxnSpMkLst>
+            <pc:docMk/>
+            <pc:sldMk cId="3807839515" sldId="258"/>
+            <ac:cxnSpMk id="175" creationId="{459B9B3C-DBEE-DCAF-4B2D-78634623261F}"/>
+          </ac:cxnSpMkLst>
+        </pc:cxnChg>
+        <pc:cxnChg chg="mod">
+          <ac:chgData name="Randolph Bushman" userId="e6da14881a47e0b6" providerId="Windows Live" clId="Web-{34320C06-5D85-49E5-A19A-0819E74E725D}" dt="2024-01-28T20:50:28.992" v="10" actId="1076"/>
+          <ac:cxnSpMkLst>
+            <pc:docMk/>
+            <pc:sldMk cId="3807839515" sldId="258"/>
+            <ac:cxnSpMk id="178" creationId="{C2737DB4-EC29-2D05-EB75-4ED0F3423F63}"/>
+          </ac:cxnSpMkLst>
+        </pc:cxnChg>
+        <pc:cxnChg chg="mod">
+          <ac:chgData name="Randolph Bushman" userId="e6da14881a47e0b6" providerId="Windows Live" clId="Web-{34320C06-5D85-49E5-A19A-0819E74E725D}" dt="2024-01-28T20:50:28.992" v="9" actId="1076"/>
+          <ac:cxnSpMkLst>
+            <pc:docMk/>
+            <pc:sldMk cId="3807839515" sldId="258"/>
+            <ac:cxnSpMk id="181" creationId="{A46DEC2F-A705-0E11-7C34-645ABD4EDDC1}"/>
+          </ac:cxnSpMkLst>
+        </pc:cxnChg>
+      </pc:sldChg>
+    </pc:docChg>
+  </pc:docChgLst>
 </pc:chgInfo>
 </file>
 
@@ -2376,7 +2377,7 @@
           <a:p>
             <a:fld id="{B172FF0F-BF65-4409-ACA3-091EE74CBEF8}" type="datetimeFigureOut">
               <a:rPr lang="en-US" smtClean="0"/>
-              <a:t>1/29/2024</a:t>
+              <a:t>3/9/2024</a:t>
             </a:fld>
             <a:endParaRPr lang="en-US"/>
           </a:p>
@@ -2574,7 +2575,7 @@
           <a:p>
             <a:fld id="{B172FF0F-BF65-4409-ACA3-091EE74CBEF8}" type="datetimeFigureOut">
               <a:rPr lang="en-US" smtClean="0"/>
-              <a:t>1/29/2024</a:t>
+              <a:t>3/9/2024</a:t>
             </a:fld>
             <a:endParaRPr lang="en-US"/>
           </a:p>
@@ -2782,7 +2783,7 @@
           <a:p>
             <a:fld id="{B172FF0F-BF65-4409-ACA3-091EE74CBEF8}" type="datetimeFigureOut">
               <a:rPr lang="en-US" smtClean="0"/>
-              <a:t>1/29/2024</a:t>
+              <a:t>3/9/2024</a:t>
             </a:fld>
             <a:endParaRPr lang="en-US"/>
           </a:p>
@@ -2980,7 +2981,7 @@
           <a:p>
             <a:fld id="{B172FF0F-BF65-4409-ACA3-091EE74CBEF8}" type="datetimeFigureOut">
               <a:rPr lang="en-US" smtClean="0"/>
-              <a:t>1/29/2024</a:t>
+              <a:t>3/9/2024</a:t>
             </a:fld>
             <a:endParaRPr lang="en-US"/>
           </a:p>
@@ -3255,7 +3256,7 @@
           <a:p>
             <a:fld id="{B172FF0F-BF65-4409-ACA3-091EE74CBEF8}" type="datetimeFigureOut">
               <a:rPr lang="en-US" smtClean="0"/>
-              <a:t>1/29/2024</a:t>
+              <a:t>3/9/2024</a:t>
             </a:fld>
             <a:endParaRPr lang="en-US"/>
           </a:p>
@@ -3520,7 +3521,7 @@
           <a:p>
             <a:fld id="{B172FF0F-BF65-4409-ACA3-091EE74CBEF8}" type="datetimeFigureOut">
               <a:rPr lang="en-US" smtClean="0"/>
-              <a:t>1/29/2024</a:t>
+              <a:t>3/9/2024</a:t>
             </a:fld>
             <a:endParaRPr lang="en-US"/>
           </a:p>
@@ -3932,7 +3933,7 @@
           <a:p>
             <a:fld id="{B172FF0F-BF65-4409-ACA3-091EE74CBEF8}" type="datetimeFigureOut">
               <a:rPr lang="en-US" smtClean="0"/>
-              <a:t>1/29/2024</a:t>
+              <a:t>3/9/2024</a:t>
             </a:fld>
             <a:endParaRPr lang="en-US"/>
           </a:p>
@@ -4073,7 +4074,7 @@
           <a:p>
             <a:fld id="{B172FF0F-BF65-4409-ACA3-091EE74CBEF8}" type="datetimeFigureOut">
               <a:rPr lang="en-US" smtClean="0"/>
-              <a:t>1/29/2024</a:t>
+              <a:t>3/9/2024</a:t>
             </a:fld>
             <a:endParaRPr lang="en-US"/>
           </a:p>
@@ -4186,7 +4187,7 @@
           <a:p>
             <a:fld id="{B172FF0F-BF65-4409-ACA3-091EE74CBEF8}" type="datetimeFigureOut">
               <a:rPr lang="en-US" smtClean="0"/>
-              <a:t>1/29/2024</a:t>
+              <a:t>3/9/2024</a:t>
             </a:fld>
             <a:endParaRPr lang="en-US"/>
           </a:p>
@@ -4497,7 +4498,7 @@
           <a:p>
             <a:fld id="{B172FF0F-BF65-4409-ACA3-091EE74CBEF8}" type="datetimeFigureOut">
               <a:rPr lang="en-US" smtClean="0"/>
-              <a:t>1/29/2024</a:t>
+              <a:t>3/9/2024</a:t>
             </a:fld>
             <a:endParaRPr lang="en-US"/>
           </a:p>
@@ -4785,7 +4786,7 @@
           <a:p>
             <a:fld id="{B172FF0F-BF65-4409-ACA3-091EE74CBEF8}" type="datetimeFigureOut">
               <a:rPr lang="en-US" smtClean="0"/>
-              <a:t>1/29/2024</a:t>
+              <a:t>3/9/2024</a:t>
             </a:fld>
             <a:endParaRPr lang="en-US"/>
           </a:p>
@@ -5026,7 +5027,7 @@
           <a:p>
             <a:fld id="{B172FF0F-BF65-4409-ACA3-091EE74CBEF8}" type="datetimeFigureOut">
               <a:rPr lang="en-US" smtClean="0"/>
-              <a:t>1/29/2024</a:t>
+              <a:t>3/9/2024</a:t>
             </a:fld>
             <a:endParaRPr lang="en-US"/>
           </a:p>
@@ -38957,6 +38958,4862 @@
     <p:extLst>
       <p:ext uri="{BB962C8B-B14F-4D97-AF65-F5344CB8AC3E}">
         <p14:creationId xmlns:p14="http://schemas.microsoft.com/office/powerpoint/2010/main" val="210209119"/>
+      </p:ext>
+    </p:extLst>
+  </p:cSld>
+  <p:clrMapOvr>
+    <a:masterClrMapping/>
+  </p:clrMapOvr>
+</p:sld>
+</file>
+
+<file path=ppt/slides/slide7.xml><?xml version="1.0" encoding="utf-8"?>
+<p:sld xmlns:a="http://schemas.openxmlformats.org/drawingml/2006/main" xmlns:r="http://schemas.openxmlformats.org/officeDocument/2006/relationships" xmlns:p="http://schemas.openxmlformats.org/presentationml/2006/main">
+  <p:cSld>
+    <p:spTree>
+      <p:nvGrpSpPr>
+        <p:cNvPr id="1" name=""/>
+        <p:cNvGrpSpPr/>
+        <p:nvPr/>
+      </p:nvGrpSpPr>
+      <p:grpSpPr>
+        <a:xfrm>
+          <a:off x="0" y="0"/>
+          <a:ext cx="0" cy="0"/>
+          <a:chOff x="0" y="0"/>
+          <a:chExt cx="0" cy="0"/>
+        </a:xfrm>
+      </p:grpSpPr>
+      <p:sp>
+        <p:nvSpPr>
+          <p:cNvPr id="4" name="Rectangle 3">
+            <a:extLst>
+              <a:ext uri="{FF2B5EF4-FFF2-40B4-BE49-F238E27FC236}">
+                <a16:creationId xmlns:a16="http://schemas.microsoft.com/office/drawing/2014/main" id="{F7E4B34F-8ED0-D1FA-CDBB-DE5B6FD0DB04}"/>
+              </a:ext>
+            </a:extLst>
+          </p:cNvPr>
+          <p:cNvSpPr/>
+          <p:nvPr/>
+        </p:nvSpPr>
+        <p:spPr>
+          <a:xfrm>
+            <a:off x="3893636" y="1048040"/>
+            <a:ext cx="497338" cy="262831"/>
+          </a:xfrm>
+          <a:prstGeom prst="rect">
+            <a:avLst/>
+          </a:prstGeom>
+          <a:noFill/>
+        </p:spPr>
+        <p:style>
+          <a:lnRef idx="2">
+            <a:schemeClr val="accent1">
+              <a:shade val="15000"/>
+            </a:schemeClr>
+          </a:lnRef>
+          <a:fillRef idx="1">
+            <a:schemeClr val="accent1"/>
+          </a:fillRef>
+          <a:effectRef idx="0">
+            <a:schemeClr val="accent1"/>
+          </a:effectRef>
+          <a:fontRef idx="minor">
+            <a:schemeClr val="lt1"/>
+          </a:fontRef>
+        </p:style>
+        <p:txBody>
+          <a:bodyPr rtlCol="0" anchor="ctr"/>
+          <a:lstStyle/>
+          <a:p>
+            <a:pPr algn="ctr"/>
+            <a:r>
+              <a:rPr lang="en-US" sz="1000" dirty="0">
+                <a:solidFill>
+                  <a:schemeClr val="tx1"/>
+                </a:solidFill>
+              </a:rPr>
+              <a:t>35</a:t>
+            </a:r>
+          </a:p>
+        </p:txBody>
+      </p:sp>
+      <p:sp>
+        <p:nvSpPr>
+          <p:cNvPr id="5" name="Rectangle 4">
+            <a:extLst>
+              <a:ext uri="{FF2B5EF4-FFF2-40B4-BE49-F238E27FC236}">
+                <a16:creationId xmlns:a16="http://schemas.microsoft.com/office/drawing/2014/main" id="{47266202-3455-3539-BCF3-EE8FAF2F30B6}"/>
+              </a:ext>
+            </a:extLst>
+          </p:cNvPr>
+          <p:cNvSpPr/>
+          <p:nvPr/>
+        </p:nvSpPr>
+        <p:spPr>
+          <a:xfrm>
+            <a:off x="4390974" y="1048039"/>
+            <a:ext cx="497338" cy="262831"/>
+          </a:xfrm>
+          <a:prstGeom prst="rect">
+            <a:avLst/>
+          </a:prstGeom>
+          <a:noFill/>
+        </p:spPr>
+        <p:style>
+          <a:lnRef idx="2">
+            <a:schemeClr val="accent1">
+              <a:shade val="15000"/>
+            </a:schemeClr>
+          </a:lnRef>
+          <a:fillRef idx="1">
+            <a:schemeClr val="accent1"/>
+          </a:fillRef>
+          <a:effectRef idx="0">
+            <a:schemeClr val="accent1"/>
+          </a:effectRef>
+          <a:fontRef idx="minor">
+            <a:schemeClr val="lt1"/>
+          </a:fontRef>
+        </p:style>
+        <p:txBody>
+          <a:bodyPr rtlCol="0" anchor="ctr"/>
+          <a:lstStyle/>
+          <a:p>
+            <a:pPr algn="ctr"/>
+            <a:r>
+              <a:rPr lang="en-US" sz="1000" dirty="0">
+                <a:solidFill>
+                  <a:schemeClr val="tx1"/>
+                </a:solidFill>
+              </a:rPr>
+              <a:t>42</a:t>
+            </a:r>
+          </a:p>
+        </p:txBody>
+      </p:sp>
+      <p:sp>
+        <p:nvSpPr>
+          <p:cNvPr id="6" name="Rectangle 5">
+            <a:extLst>
+              <a:ext uri="{FF2B5EF4-FFF2-40B4-BE49-F238E27FC236}">
+                <a16:creationId xmlns:a16="http://schemas.microsoft.com/office/drawing/2014/main" id="{86F6B5C3-5CC7-510C-3ED1-DA8941D69196}"/>
+              </a:ext>
+            </a:extLst>
+          </p:cNvPr>
+          <p:cNvSpPr/>
+          <p:nvPr/>
+        </p:nvSpPr>
+        <p:spPr>
+          <a:xfrm>
+            <a:off x="5385650" y="1048039"/>
+            <a:ext cx="497338" cy="262831"/>
+          </a:xfrm>
+          <a:prstGeom prst="rect">
+            <a:avLst/>
+          </a:prstGeom>
+          <a:noFill/>
+        </p:spPr>
+        <p:style>
+          <a:lnRef idx="2">
+            <a:schemeClr val="accent1">
+              <a:shade val="15000"/>
+            </a:schemeClr>
+          </a:lnRef>
+          <a:fillRef idx="1">
+            <a:schemeClr val="accent1"/>
+          </a:fillRef>
+          <a:effectRef idx="0">
+            <a:schemeClr val="accent1"/>
+          </a:effectRef>
+          <a:fontRef idx="minor">
+            <a:schemeClr val="lt1"/>
+          </a:fontRef>
+        </p:style>
+        <p:txBody>
+          <a:bodyPr rtlCol="0" anchor="ctr"/>
+          <a:lstStyle/>
+          <a:p>
+            <a:pPr algn="ctr"/>
+            <a:r>
+              <a:rPr lang="en-US" sz="1000" dirty="0">
+                <a:solidFill>
+                  <a:schemeClr val="tx1"/>
+                </a:solidFill>
+              </a:rPr>
+              <a:t>0</a:t>
+            </a:r>
+          </a:p>
+        </p:txBody>
+      </p:sp>
+      <p:sp>
+        <p:nvSpPr>
+          <p:cNvPr id="7" name="Rectangle 6">
+            <a:extLst>
+              <a:ext uri="{FF2B5EF4-FFF2-40B4-BE49-F238E27FC236}">
+                <a16:creationId xmlns:a16="http://schemas.microsoft.com/office/drawing/2014/main" id="{A5FEB92B-7F92-29C7-D6B1-4BFB3198CB97}"/>
+              </a:ext>
+            </a:extLst>
+          </p:cNvPr>
+          <p:cNvSpPr/>
+          <p:nvPr/>
+        </p:nvSpPr>
+        <p:spPr>
+          <a:xfrm>
+            <a:off x="5882988" y="1048038"/>
+            <a:ext cx="497338" cy="262831"/>
+          </a:xfrm>
+          <a:prstGeom prst="rect">
+            <a:avLst/>
+          </a:prstGeom>
+          <a:noFill/>
+        </p:spPr>
+        <p:style>
+          <a:lnRef idx="2">
+            <a:schemeClr val="accent1">
+              <a:shade val="15000"/>
+            </a:schemeClr>
+          </a:lnRef>
+          <a:fillRef idx="1">
+            <a:schemeClr val="accent1"/>
+          </a:fillRef>
+          <a:effectRef idx="0">
+            <a:schemeClr val="accent1"/>
+          </a:effectRef>
+          <a:fontRef idx="minor">
+            <a:schemeClr val="lt1"/>
+          </a:fontRef>
+        </p:style>
+        <p:txBody>
+          <a:bodyPr rtlCol="0" anchor="ctr"/>
+          <a:lstStyle/>
+          <a:p>
+            <a:pPr algn="ctr"/>
+            <a:r>
+              <a:rPr lang="en-US" sz="1000" dirty="0">
+                <a:solidFill>
+                  <a:schemeClr val="tx1"/>
+                </a:solidFill>
+              </a:rPr>
+              <a:t>19</a:t>
+            </a:r>
+          </a:p>
+        </p:txBody>
+      </p:sp>
+      <p:sp>
+        <p:nvSpPr>
+          <p:cNvPr id="8" name="Rectangle 7">
+            <a:extLst>
+              <a:ext uri="{FF2B5EF4-FFF2-40B4-BE49-F238E27FC236}">
+                <a16:creationId xmlns:a16="http://schemas.microsoft.com/office/drawing/2014/main" id="{E22C298D-CB8A-DEF2-5447-1FCA15797B93}"/>
+              </a:ext>
+            </a:extLst>
+          </p:cNvPr>
+          <p:cNvSpPr/>
+          <p:nvPr/>
+        </p:nvSpPr>
+        <p:spPr>
+          <a:xfrm>
+            <a:off x="6380326" y="1048039"/>
+            <a:ext cx="497338" cy="262831"/>
+          </a:xfrm>
+          <a:prstGeom prst="rect">
+            <a:avLst/>
+          </a:prstGeom>
+          <a:noFill/>
+        </p:spPr>
+        <p:style>
+          <a:lnRef idx="2">
+            <a:schemeClr val="accent1">
+              <a:shade val="15000"/>
+            </a:schemeClr>
+          </a:lnRef>
+          <a:fillRef idx="1">
+            <a:schemeClr val="accent1"/>
+          </a:fillRef>
+          <a:effectRef idx="0">
+            <a:schemeClr val="accent1"/>
+          </a:effectRef>
+          <a:fontRef idx="minor">
+            <a:schemeClr val="lt1"/>
+          </a:fontRef>
+        </p:style>
+        <p:txBody>
+          <a:bodyPr rtlCol="0" anchor="ctr"/>
+          <a:lstStyle/>
+          <a:p>
+            <a:pPr algn="ctr"/>
+            <a:r>
+              <a:rPr lang="en-US" sz="1000" dirty="0">
+                <a:solidFill>
+                  <a:schemeClr val="tx1"/>
+                </a:solidFill>
+              </a:rPr>
+              <a:t>81</a:t>
+            </a:r>
+          </a:p>
+        </p:txBody>
+      </p:sp>
+      <p:sp>
+        <p:nvSpPr>
+          <p:cNvPr id="9" name="Rectangle 8">
+            <a:extLst>
+              <a:ext uri="{FF2B5EF4-FFF2-40B4-BE49-F238E27FC236}">
+                <a16:creationId xmlns:a16="http://schemas.microsoft.com/office/drawing/2014/main" id="{8E9E407C-0090-25E1-CC24-58E50067156F}"/>
+              </a:ext>
+            </a:extLst>
+          </p:cNvPr>
+          <p:cNvSpPr/>
+          <p:nvPr/>
+        </p:nvSpPr>
+        <p:spPr>
+          <a:xfrm>
+            <a:off x="6877664" y="1048038"/>
+            <a:ext cx="497338" cy="262831"/>
+          </a:xfrm>
+          <a:prstGeom prst="rect">
+            <a:avLst/>
+          </a:prstGeom>
+          <a:noFill/>
+        </p:spPr>
+        <p:style>
+          <a:lnRef idx="2">
+            <a:schemeClr val="accent1">
+              <a:shade val="15000"/>
+            </a:schemeClr>
+          </a:lnRef>
+          <a:fillRef idx="1">
+            <a:schemeClr val="accent1"/>
+          </a:fillRef>
+          <a:effectRef idx="0">
+            <a:schemeClr val="accent1"/>
+          </a:effectRef>
+          <a:fontRef idx="minor">
+            <a:schemeClr val="lt1"/>
+          </a:fontRef>
+        </p:style>
+        <p:txBody>
+          <a:bodyPr rtlCol="0" anchor="ctr"/>
+          <a:lstStyle/>
+          <a:p>
+            <a:pPr algn="ctr"/>
+            <a:r>
+              <a:rPr lang="en-US" sz="1000" dirty="0">
+                <a:solidFill>
+                  <a:schemeClr val="tx1"/>
+                </a:solidFill>
+              </a:rPr>
+              <a:t>73</a:t>
+            </a:r>
+          </a:p>
+        </p:txBody>
+      </p:sp>
+      <p:sp>
+        <p:nvSpPr>
+          <p:cNvPr id="10" name="Rectangle 9">
+            <a:extLst>
+              <a:ext uri="{FF2B5EF4-FFF2-40B4-BE49-F238E27FC236}">
+                <a16:creationId xmlns:a16="http://schemas.microsoft.com/office/drawing/2014/main" id="{97C3851F-D0B4-93BA-91D6-301C4E6663DF}"/>
+              </a:ext>
+            </a:extLst>
+          </p:cNvPr>
+          <p:cNvSpPr/>
+          <p:nvPr/>
+        </p:nvSpPr>
+        <p:spPr>
+          <a:xfrm>
+            <a:off x="7375002" y="1048039"/>
+            <a:ext cx="497338" cy="262831"/>
+          </a:xfrm>
+          <a:prstGeom prst="rect">
+            <a:avLst/>
+          </a:prstGeom>
+          <a:noFill/>
+        </p:spPr>
+        <p:style>
+          <a:lnRef idx="2">
+            <a:schemeClr val="accent1">
+              <a:shade val="15000"/>
+            </a:schemeClr>
+          </a:lnRef>
+          <a:fillRef idx="1">
+            <a:schemeClr val="accent1"/>
+          </a:fillRef>
+          <a:effectRef idx="0">
+            <a:schemeClr val="accent1"/>
+          </a:effectRef>
+          <a:fontRef idx="minor">
+            <a:schemeClr val="lt1"/>
+          </a:fontRef>
+        </p:style>
+        <p:txBody>
+          <a:bodyPr rtlCol="0" anchor="ctr"/>
+          <a:lstStyle/>
+          <a:p>
+            <a:pPr algn="ctr"/>
+            <a:r>
+              <a:rPr lang="en-US" sz="1000" dirty="0">
+                <a:solidFill>
+                  <a:schemeClr val="tx1"/>
+                </a:solidFill>
+              </a:rPr>
+              <a:t>53</a:t>
+            </a:r>
+          </a:p>
+        </p:txBody>
+      </p:sp>
+      <mc:AlternateContent xmlns:mc="http://schemas.openxmlformats.org/markup-compatibility/2006">
+        <mc:Choice xmlns:a14="http://schemas.microsoft.com/office/drawing/2010/main" Requires="a14">
+          <p:sp>
+            <p:nvSpPr>
+              <p:cNvPr id="12" name="Rectangle 11">
+                <a:extLst>
+                  <a:ext uri="{FF2B5EF4-FFF2-40B4-BE49-F238E27FC236}">
+                    <a16:creationId xmlns:a16="http://schemas.microsoft.com/office/drawing/2014/main" id="{D01C09AD-D063-CB7F-B2D9-F5825427D582}"/>
+                  </a:ext>
+                </a:extLst>
+              </p:cNvPr>
+              <p:cNvSpPr/>
+              <p:nvPr/>
+            </p:nvSpPr>
+            <p:spPr>
+              <a:xfrm>
+                <a:off x="1368963" y="1008334"/>
+                <a:ext cx="1811278" cy="262831"/>
+              </a:xfrm>
+              <a:prstGeom prst="rect">
+                <a:avLst/>
+              </a:prstGeom>
+              <a:noFill/>
+              <a:ln>
+                <a:noFill/>
+              </a:ln>
+            </p:spPr>
+            <p:style>
+              <a:lnRef idx="2">
+                <a:schemeClr val="accent1">
+                  <a:shade val="15000"/>
+                </a:schemeClr>
+              </a:lnRef>
+              <a:fillRef idx="1">
+                <a:schemeClr val="accent1"/>
+              </a:fillRef>
+              <a:effectRef idx="0">
+                <a:schemeClr val="accent1"/>
+              </a:effectRef>
+              <a:fontRef idx="minor">
+                <a:schemeClr val="lt1"/>
+              </a:fontRef>
+            </p:style>
+            <p:txBody>
+              <a:bodyPr rtlCol="0" anchor="ctr"/>
+              <a:lstStyle/>
+              <a:p>
+                <a:r>
+                  <a:rPr lang="en-US" sz="1000" b="1" i="1" dirty="0">
+                    <a:solidFill>
+                      <a:schemeClr val="tx1"/>
+                    </a:solidFill>
+                  </a:rPr>
+                  <a:t>Unsorted Array </a:t>
+                </a:r>
+                <a14:m>
+                  <m:oMath xmlns:m="http://schemas.openxmlformats.org/officeDocument/2006/math">
+                    <m:r>
+                      <a:rPr lang="en-US" sz="1000" b="1" i="1" dirty="0" smtClean="0">
+                        <a:solidFill>
+                          <a:schemeClr val="tx1"/>
+                        </a:solidFill>
+                        <a:latin typeface="Cambria Math" panose="02040503050406030204" pitchFamily="18" charset="0"/>
+                      </a:rPr>
+                      <m:t>𝑨</m:t>
+                    </m:r>
+                  </m:oMath>
+                </a14:m>
+                <a:endParaRPr lang="en-US" sz="1000" b="1" i="1" dirty="0">
+                  <a:solidFill>
+                    <a:schemeClr val="tx1"/>
+                  </a:solidFill>
+                </a:endParaRPr>
+              </a:p>
+            </p:txBody>
+          </p:sp>
+        </mc:Choice>
+        <mc:Fallback>
+          <p:sp>
+            <p:nvSpPr>
+              <p:cNvPr id="12" name="Rectangle 11">
+                <a:extLst>
+                  <a:ext uri="{FF2B5EF4-FFF2-40B4-BE49-F238E27FC236}">
+                    <a16:creationId xmlns:a16="http://schemas.microsoft.com/office/drawing/2014/main" id="{D01C09AD-D063-CB7F-B2D9-F5825427D582}"/>
+                  </a:ext>
+                </a:extLst>
+              </p:cNvPr>
+              <p:cNvSpPr>
+                <a:spLocks noRot="1" noChangeAspect="1" noMove="1" noResize="1" noEditPoints="1" noAdjustHandles="1" noChangeArrowheads="1" noChangeShapeType="1" noTextEdit="1"/>
+              </p:cNvSpPr>
+              <p:nvPr/>
+            </p:nvSpPr>
+            <p:spPr>
+              <a:xfrm>
+                <a:off x="1368963" y="1008334"/>
+                <a:ext cx="1811278" cy="262831"/>
+              </a:xfrm>
+              <a:prstGeom prst="rect">
+                <a:avLst/>
+              </a:prstGeom>
+              <a:blipFill>
+                <a:blip r:embed="rId2"/>
+                <a:stretch>
+                  <a:fillRect b="-6818"/>
+                </a:stretch>
+              </a:blipFill>
+              <a:ln>
+                <a:noFill/>
+              </a:ln>
+            </p:spPr>
+            <p:txBody>
+              <a:bodyPr/>
+              <a:lstStyle/>
+              <a:p>
+                <a:r>
+                  <a:rPr lang="en-US">
+                    <a:noFill/>
+                  </a:rPr>
+                  <a:t> </a:t>
+                </a:r>
+              </a:p>
+            </p:txBody>
+          </p:sp>
+        </mc:Fallback>
+      </mc:AlternateContent>
+      <p:sp>
+        <p:nvSpPr>
+          <p:cNvPr id="14" name="Rectangle 13">
+            <a:extLst>
+              <a:ext uri="{FF2B5EF4-FFF2-40B4-BE49-F238E27FC236}">
+                <a16:creationId xmlns:a16="http://schemas.microsoft.com/office/drawing/2014/main" id="{A717A064-6677-D8FE-1018-4A26E280CEF6}"/>
+              </a:ext>
+            </a:extLst>
+          </p:cNvPr>
+          <p:cNvSpPr/>
+          <p:nvPr/>
+        </p:nvSpPr>
+        <p:spPr>
+          <a:xfrm>
+            <a:off x="4888312" y="1048039"/>
+            <a:ext cx="497338" cy="262831"/>
+          </a:xfrm>
+          <a:prstGeom prst="rect">
+            <a:avLst/>
+          </a:prstGeom>
+          <a:noFill/>
+        </p:spPr>
+        <p:style>
+          <a:lnRef idx="2">
+            <a:schemeClr val="accent1">
+              <a:shade val="15000"/>
+            </a:schemeClr>
+          </a:lnRef>
+          <a:fillRef idx="1">
+            <a:schemeClr val="accent1"/>
+          </a:fillRef>
+          <a:effectRef idx="0">
+            <a:schemeClr val="accent1"/>
+          </a:effectRef>
+          <a:fontRef idx="minor">
+            <a:schemeClr val="lt1"/>
+          </a:fontRef>
+        </p:style>
+        <p:txBody>
+          <a:bodyPr rtlCol="0" anchor="ctr"/>
+          <a:lstStyle/>
+          <a:p>
+            <a:pPr algn="ctr"/>
+            <a:r>
+              <a:rPr lang="en-US" sz="1000" dirty="0">
+                <a:solidFill>
+                  <a:schemeClr val="tx1"/>
+                </a:solidFill>
+              </a:rPr>
+              <a:t>8</a:t>
+            </a:r>
+          </a:p>
+        </p:txBody>
+      </p:sp>
+      <p:sp>
+        <p:nvSpPr>
+          <p:cNvPr id="15" name="Rectangle 14">
+            <a:extLst>
+              <a:ext uri="{FF2B5EF4-FFF2-40B4-BE49-F238E27FC236}">
+                <a16:creationId xmlns:a16="http://schemas.microsoft.com/office/drawing/2014/main" id="{74EEE75C-EC66-8B12-5D1C-4361C27DDDC7}"/>
+              </a:ext>
+            </a:extLst>
+          </p:cNvPr>
+          <p:cNvSpPr/>
+          <p:nvPr/>
+        </p:nvSpPr>
+        <p:spPr>
+          <a:xfrm>
+            <a:off x="3896812" y="2256185"/>
+            <a:ext cx="497338" cy="262831"/>
+          </a:xfrm>
+          <a:prstGeom prst="rect">
+            <a:avLst/>
+          </a:prstGeom>
+          <a:noFill/>
+        </p:spPr>
+        <p:style>
+          <a:lnRef idx="2">
+            <a:schemeClr val="accent1">
+              <a:shade val="15000"/>
+            </a:schemeClr>
+          </a:lnRef>
+          <a:fillRef idx="1">
+            <a:schemeClr val="accent1"/>
+          </a:fillRef>
+          <a:effectRef idx="0">
+            <a:schemeClr val="accent1"/>
+          </a:effectRef>
+          <a:fontRef idx="minor">
+            <a:schemeClr val="lt1"/>
+          </a:fontRef>
+        </p:style>
+        <p:txBody>
+          <a:bodyPr rtlCol="0" anchor="ctr"/>
+          <a:lstStyle/>
+          <a:p>
+            <a:pPr algn="ctr"/>
+            <a:r>
+              <a:rPr lang="en-US" sz="1000" dirty="0">
+                <a:solidFill>
+                  <a:schemeClr val="tx1"/>
+                </a:solidFill>
+              </a:rPr>
+              <a:t>35</a:t>
+            </a:r>
+            <a:r>
+              <a:rPr lang="en-US" sz="1000" baseline="-25000" dirty="0">
+                <a:solidFill>
+                  <a:srgbClr val="FF0000"/>
+                </a:solidFill>
+              </a:rPr>
+              <a:t>3</a:t>
+            </a:r>
+            <a:r>
+              <a:rPr lang="en-US" sz="1000" baseline="-25000" dirty="0">
+                <a:solidFill>
+                  <a:schemeClr val="tx1"/>
+                </a:solidFill>
+              </a:rPr>
+              <a:t>,4</a:t>
+            </a:r>
+          </a:p>
+        </p:txBody>
+      </p:sp>
+      <p:sp>
+        <p:nvSpPr>
+          <p:cNvPr id="16" name="Rectangle 15">
+            <a:extLst>
+              <a:ext uri="{FF2B5EF4-FFF2-40B4-BE49-F238E27FC236}">
+                <a16:creationId xmlns:a16="http://schemas.microsoft.com/office/drawing/2014/main" id="{0E319930-9390-795A-1773-06D9B0589530}"/>
+              </a:ext>
+            </a:extLst>
+          </p:cNvPr>
+          <p:cNvSpPr/>
+          <p:nvPr/>
+        </p:nvSpPr>
+        <p:spPr>
+          <a:xfrm>
+            <a:off x="4394150" y="2256184"/>
+            <a:ext cx="497338" cy="262831"/>
+          </a:xfrm>
+          <a:prstGeom prst="rect">
+            <a:avLst/>
+          </a:prstGeom>
+          <a:noFill/>
+        </p:spPr>
+        <p:style>
+          <a:lnRef idx="2">
+            <a:schemeClr val="accent1">
+              <a:shade val="15000"/>
+            </a:schemeClr>
+          </a:lnRef>
+          <a:fillRef idx="1">
+            <a:schemeClr val="accent1"/>
+          </a:fillRef>
+          <a:effectRef idx="0">
+            <a:schemeClr val="accent1"/>
+          </a:effectRef>
+          <a:fontRef idx="minor">
+            <a:schemeClr val="lt1"/>
+          </a:fontRef>
+        </p:style>
+        <p:txBody>
+          <a:bodyPr rtlCol="0" anchor="ctr"/>
+          <a:lstStyle/>
+          <a:p>
+            <a:pPr algn="ctr"/>
+            <a:r>
+              <a:rPr lang="en-US" sz="1000" dirty="0">
+                <a:solidFill>
+                  <a:schemeClr val="tx1"/>
+                </a:solidFill>
+              </a:rPr>
+              <a:t>42</a:t>
+            </a:r>
+            <a:r>
+              <a:rPr lang="en-US" sz="1000" baseline="-25000" dirty="0">
+                <a:solidFill>
+                  <a:srgbClr val="FF0000"/>
+                </a:solidFill>
+              </a:rPr>
+              <a:t>2</a:t>
+            </a:r>
+            <a:r>
+              <a:rPr lang="en-US" sz="1000" baseline="-25000" dirty="0">
+                <a:solidFill>
+                  <a:schemeClr val="tx1"/>
+                </a:solidFill>
+              </a:rPr>
+              <a:t>,5</a:t>
+            </a:r>
+          </a:p>
+        </p:txBody>
+      </p:sp>
+      <p:sp>
+        <p:nvSpPr>
+          <p:cNvPr id="17" name="Rectangle 16">
+            <a:extLst>
+              <a:ext uri="{FF2B5EF4-FFF2-40B4-BE49-F238E27FC236}">
+                <a16:creationId xmlns:a16="http://schemas.microsoft.com/office/drawing/2014/main" id="{DD5447E3-F7B1-B752-2724-1E470C11A032}"/>
+              </a:ext>
+            </a:extLst>
+          </p:cNvPr>
+          <p:cNvSpPr/>
+          <p:nvPr/>
+        </p:nvSpPr>
+        <p:spPr>
+          <a:xfrm>
+            <a:off x="5388826" y="2256184"/>
+            <a:ext cx="497338" cy="262831"/>
+          </a:xfrm>
+          <a:prstGeom prst="rect">
+            <a:avLst/>
+          </a:prstGeom>
+          <a:noFill/>
+        </p:spPr>
+        <p:style>
+          <a:lnRef idx="2">
+            <a:schemeClr val="accent1">
+              <a:shade val="15000"/>
+            </a:schemeClr>
+          </a:lnRef>
+          <a:fillRef idx="1">
+            <a:schemeClr val="accent1"/>
+          </a:fillRef>
+          <a:effectRef idx="0">
+            <a:schemeClr val="accent1"/>
+          </a:effectRef>
+          <a:fontRef idx="minor">
+            <a:schemeClr val="lt1"/>
+          </a:fontRef>
+        </p:style>
+        <p:txBody>
+          <a:bodyPr rtlCol="0" anchor="ctr"/>
+          <a:lstStyle/>
+          <a:p>
+            <a:pPr algn="ctr"/>
+            <a:r>
+              <a:rPr lang="en-US" sz="1000" dirty="0">
+                <a:solidFill>
+                  <a:schemeClr val="tx1"/>
+                </a:solidFill>
+              </a:rPr>
+              <a:t>0</a:t>
+            </a:r>
+            <a:r>
+              <a:rPr lang="en-US" sz="1000" baseline="-25000" dirty="0">
+                <a:solidFill>
+                  <a:srgbClr val="FF0000"/>
+                </a:solidFill>
+              </a:rPr>
+              <a:t>0</a:t>
+            </a:r>
+            <a:r>
+              <a:rPr lang="en-US" sz="1000" baseline="-25000" dirty="0">
+                <a:solidFill>
+                  <a:schemeClr val="tx1"/>
+                </a:solidFill>
+              </a:rPr>
+              <a:t>,0</a:t>
+            </a:r>
+            <a:endParaRPr lang="en-US" sz="1000" dirty="0">
+              <a:solidFill>
+                <a:schemeClr val="tx1"/>
+              </a:solidFill>
+            </a:endParaRPr>
+          </a:p>
+        </p:txBody>
+      </p:sp>
+      <p:sp>
+        <p:nvSpPr>
+          <p:cNvPr id="18" name="Rectangle 17">
+            <a:extLst>
+              <a:ext uri="{FF2B5EF4-FFF2-40B4-BE49-F238E27FC236}">
+                <a16:creationId xmlns:a16="http://schemas.microsoft.com/office/drawing/2014/main" id="{2512D605-EFD1-A3A2-F500-7D6767BC993A}"/>
+              </a:ext>
+            </a:extLst>
+          </p:cNvPr>
+          <p:cNvSpPr/>
+          <p:nvPr/>
+        </p:nvSpPr>
+        <p:spPr>
+          <a:xfrm>
+            <a:off x="5886164" y="2256183"/>
+            <a:ext cx="497338" cy="262831"/>
+          </a:xfrm>
+          <a:prstGeom prst="rect">
+            <a:avLst/>
+          </a:prstGeom>
+          <a:noFill/>
+        </p:spPr>
+        <p:style>
+          <a:lnRef idx="2">
+            <a:schemeClr val="accent1">
+              <a:shade val="15000"/>
+            </a:schemeClr>
+          </a:lnRef>
+          <a:fillRef idx="1">
+            <a:schemeClr val="accent1"/>
+          </a:fillRef>
+          <a:effectRef idx="0">
+            <a:schemeClr val="accent1"/>
+          </a:effectRef>
+          <a:fontRef idx="minor">
+            <a:schemeClr val="lt1"/>
+          </a:fontRef>
+        </p:style>
+        <p:txBody>
+          <a:bodyPr rtlCol="0" anchor="ctr"/>
+          <a:lstStyle/>
+          <a:p>
+            <a:pPr algn="ctr"/>
+            <a:r>
+              <a:rPr lang="en-US" sz="1000" dirty="0">
+                <a:solidFill>
+                  <a:schemeClr val="tx1"/>
+                </a:solidFill>
+              </a:rPr>
+              <a:t>19</a:t>
+            </a:r>
+            <a:r>
+              <a:rPr lang="en-US" sz="1000" baseline="-25000" dirty="0">
+                <a:solidFill>
+                  <a:srgbClr val="FF0000"/>
+                </a:solidFill>
+              </a:rPr>
+              <a:t>3</a:t>
+            </a:r>
+            <a:r>
+              <a:rPr lang="en-US" sz="1000" baseline="-25000" dirty="0">
+                <a:solidFill>
+                  <a:schemeClr val="tx1"/>
+                </a:solidFill>
+              </a:rPr>
+              <a:t>,2</a:t>
+            </a:r>
+            <a:endParaRPr lang="en-US" sz="1000" dirty="0">
+              <a:solidFill>
+                <a:schemeClr val="tx1"/>
+              </a:solidFill>
+            </a:endParaRPr>
+          </a:p>
+        </p:txBody>
+      </p:sp>
+      <p:sp>
+        <p:nvSpPr>
+          <p:cNvPr id="19" name="Rectangle 18">
+            <a:extLst>
+              <a:ext uri="{FF2B5EF4-FFF2-40B4-BE49-F238E27FC236}">
+                <a16:creationId xmlns:a16="http://schemas.microsoft.com/office/drawing/2014/main" id="{B6CD81D1-3057-8BB1-667A-8579E62E7502}"/>
+              </a:ext>
+            </a:extLst>
+          </p:cNvPr>
+          <p:cNvSpPr/>
+          <p:nvPr/>
+        </p:nvSpPr>
+        <p:spPr>
+          <a:xfrm>
+            <a:off x="6383502" y="2256184"/>
+            <a:ext cx="497338" cy="262831"/>
+          </a:xfrm>
+          <a:prstGeom prst="rect">
+            <a:avLst/>
+          </a:prstGeom>
+          <a:noFill/>
+        </p:spPr>
+        <p:style>
+          <a:lnRef idx="2">
+            <a:schemeClr val="accent1">
+              <a:shade val="15000"/>
+            </a:schemeClr>
+          </a:lnRef>
+          <a:fillRef idx="1">
+            <a:schemeClr val="accent1"/>
+          </a:fillRef>
+          <a:effectRef idx="0">
+            <a:schemeClr val="accent1"/>
+          </a:effectRef>
+          <a:fontRef idx="minor">
+            <a:schemeClr val="lt1"/>
+          </a:fontRef>
+        </p:style>
+        <p:txBody>
+          <a:bodyPr rtlCol="0" anchor="ctr"/>
+          <a:lstStyle/>
+          <a:p>
+            <a:pPr algn="ctr"/>
+            <a:r>
+              <a:rPr lang="en-US" sz="1000" dirty="0">
+                <a:solidFill>
+                  <a:schemeClr val="tx1"/>
+                </a:solidFill>
+              </a:rPr>
+              <a:t>81</a:t>
+            </a:r>
+            <a:r>
+              <a:rPr lang="en-US" sz="1000" baseline="-25000" dirty="0">
+                <a:solidFill>
+                  <a:srgbClr val="FF0000"/>
+                </a:solidFill>
+              </a:rPr>
+              <a:t>1</a:t>
+            </a:r>
+            <a:r>
+              <a:rPr lang="en-US" sz="1000" baseline="-25000" dirty="0">
+                <a:solidFill>
+                  <a:schemeClr val="tx1"/>
+                </a:solidFill>
+              </a:rPr>
+              <a:t>,10</a:t>
+            </a:r>
+            <a:endParaRPr lang="en-US" sz="1000" dirty="0">
+              <a:solidFill>
+                <a:schemeClr val="tx1"/>
+              </a:solidFill>
+            </a:endParaRPr>
+          </a:p>
+        </p:txBody>
+      </p:sp>
+      <p:sp>
+        <p:nvSpPr>
+          <p:cNvPr id="20" name="Rectangle 19">
+            <a:extLst>
+              <a:ext uri="{FF2B5EF4-FFF2-40B4-BE49-F238E27FC236}">
+                <a16:creationId xmlns:a16="http://schemas.microsoft.com/office/drawing/2014/main" id="{FF61A295-7728-4907-A238-94F856BE646D}"/>
+              </a:ext>
+            </a:extLst>
+          </p:cNvPr>
+          <p:cNvSpPr/>
+          <p:nvPr/>
+        </p:nvSpPr>
+        <p:spPr>
+          <a:xfrm>
+            <a:off x="6880840" y="2256183"/>
+            <a:ext cx="497338" cy="262831"/>
+          </a:xfrm>
+          <a:prstGeom prst="rect">
+            <a:avLst/>
+          </a:prstGeom>
+          <a:noFill/>
+        </p:spPr>
+        <p:style>
+          <a:lnRef idx="2">
+            <a:schemeClr val="accent1">
+              <a:shade val="15000"/>
+            </a:schemeClr>
+          </a:lnRef>
+          <a:fillRef idx="1">
+            <a:schemeClr val="accent1"/>
+          </a:fillRef>
+          <a:effectRef idx="0">
+            <a:schemeClr val="accent1"/>
+          </a:effectRef>
+          <a:fontRef idx="minor">
+            <a:schemeClr val="lt1"/>
+          </a:fontRef>
+        </p:style>
+        <p:txBody>
+          <a:bodyPr rtlCol="0" anchor="ctr"/>
+          <a:lstStyle/>
+          <a:p>
+            <a:pPr algn="ctr"/>
+            <a:r>
+              <a:rPr lang="en-US" sz="1000" dirty="0">
+                <a:solidFill>
+                  <a:schemeClr val="tx1"/>
+                </a:solidFill>
+              </a:rPr>
+              <a:t>73</a:t>
+            </a:r>
+            <a:r>
+              <a:rPr lang="en-US" sz="1000" baseline="-25000" dirty="0">
+                <a:solidFill>
+                  <a:srgbClr val="FF0000"/>
+                </a:solidFill>
+              </a:rPr>
+              <a:t>1</a:t>
+            </a:r>
+            <a:r>
+              <a:rPr lang="en-US" sz="1000" baseline="-25000" dirty="0">
+                <a:solidFill>
+                  <a:schemeClr val="tx1"/>
+                </a:solidFill>
+              </a:rPr>
+              <a:t>,9</a:t>
+            </a:r>
+            <a:endParaRPr lang="en-US" sz="1000" dirty="0">
+              <a:solidFill>
+                <a:schemeClr val="tx1"/>
+              </a:solidFill>
+            </a:endParaRPr>
+          </a:p>
+        </p:txBody>
+      </p:sp>
+      <p:sp>
+        <p:nvSpPr>
+          <p:cNvPr id="21" name="Rectangle 20">
+            <a:extLst>
+              <a:ext uri="{FF2B5EF4-FFF2-40B4-BE49-F238E27FC236}">
+                <a16:creationId xmlns:a16="http://schemas.microsoft.com/office/drawing/2014/main" id="{69D97DB5-50C3-DDE9-0C84-E7CFFD2868E3}"/>
+              </a:ext>
+            </a:extLst>
+          </p:cNvPr>
+          <p:cNvSpPr/>
+          <p:nvPr/>
+        </p:nvSpPr>
+        <p:spPr>
+          <a:xfrm>
+            <a:off x="7378178" y="2256184"/>
+            <a:ext cx="497338" cy="262831"/>
+          </a:xfrm>
+          <a:prstGeom prst="rect">
+            <a:avLst/>
+          </a:prstGeom>
+          <a:noFill/>
+        </p:spPr>
+        <p:style>
+          <a:lnRef idx="2">
+            <a:schemeClr val="accent1">
+              <a:shade val="15000"/>
+            </a:schemeClr>
+          </a:lnRef>
+          <a:fillRef idx="1">
+            <a:schemeClr val="accent1"/>
+          </a:fillRef>
+          <a:effectRef idx="0">
+            <a:schemeClr val="accent1"/>
+          </a:effectRef>
+          <a:fontRef idx="minor">
+            <a:schemeClr val="lt1"/>
+          </a:fontRef>
+        </p:style>
+        <p:txBody>
+          <a:bodyPr rtlCol="0" anchor="ctr"/>
+          <a:lstStyle/>
+          <a:p>
+            <a:pPr algn="ctr"/>
+            <a:r>
+              <a:rPr lang="en-US" sz="1000" dirty="0">
+                <a:solidFill>
+                  <a:schemeClr val="tx1"/>
+                </a:solidFill>
+              </a:rPr>
+              <a:t>53</a:t>
+            </a:r>
+            <a:r>
+              <a:rPr lang="en-US" sz="1000" baseline="-25000" dirty="0">
+                <a:solidFill>
+                  <a:srgbClr val="FF0000"/>
+                </a:solidFill>
+              </a:rPr>
+              <a:t>5</a:t>
+            </a:r>
+            <a:r>
+              <a:rPr lang="en-US" sz="1000" baseline="-25000" dirty="0">
+                <a:solidFill>
+                  <a:schemeClr val="tx1"/>
+                </a:solidFill>
+              </a:rPr>
+              <a:t>,6</a:t>
+            </a:r>
+            <a:endParaRPr lang="en-US" sz="1000" dirty="0">
+              <a:solidFill>
+                <a:schemeClr val="tx1"/>
+              </a:solidFill>
+            </a:endParaRPr>
+          </a:p>
+        </p:txBody>
+      </p:sp>
+      <p:sp>
+        <p:nvSpPr>
+          <p:cNvPr id="22" name="Rectangle 21">
+            <a:extLst>
+              <a:ext uri="{FF2B5EF4-FFF2-40B4-BE49-F238E27FC236}">
+                <a16:creationId xmlns:a16="http://schemas.microsoft.com/office/drawing/2014/main" id="{C3D6A1AC-BFCD-3532-0551-39B79CFD39ED}"/>
+              </a:ext>
+            </a:extLst>
+          </p:cNvPr>
+          <p:cNvSpPr/>
+          <p:nvPr/>
+        </p:nvSpPr>
+        <p:spPr>
+          <a:xfrm>
+            <a:off x="4891488" y="2256184"/>
+            <a:ext cx="497338" cy="262831"/>
+          </a:xfrm>
+          <a:prstGeom prst="rect">
+            <a:avLst/>
+          </a:prstGeom>
+          <a:noFill/>
+        </p:spPr>
+        <p:style>
+          <a:lnRef idx="2">
+            <a:schemeClr val="accent1">
+              <a:shade val="15000"/>
+            </a:schemeClr>
+          </a:lnRef>
+          <a:fillRef idx="1">
+            <a:schemeClr val="accent1"/>
+          </a:fillRef>
+          <a:effectRef idx="0">
+            <a:schemeClr val="accent1"/>
+          </a:effectRef>
+          <a:fontRef idx="minor">
+            <a:schemeClr val="lt1"/>
+          </a:fontRef>
+        </p:style>
+        <p:txBody>
+          <a:bodyPr rtlCol="0" anchor="ctr"/>
+          <a:lstStyle/>
+          <a:p>
+            <a:pPr algn="ctr"/>
+            <a:r>
+              <a:rPr lang="en-US" sz="1000" dirty="0">
+                <a:solidFill>
+                  <a:schemeClr val="tx1"/>
+                </a:solidFill>
+              </a:rPr>
+              <a:t>8</a:t>
+            </a:r>
+            <a:r>
+              <a:rPr lang="en-US" sz="1000" baseline="-25000" dirty="0">
+                <a:solidFill>
+                  <a:srgbClr val="FF0000"/>
+                </a:solidFill>
+              </a:rPr>
+              <a:t>0</a:t>
+            </a:r>
+            <a:r>
+              <a:rPr lang="en-US" sz="1000" baseline="-25000" dirty="0">
+                <a:solidFill>
+                  <a:schemeClr val="tx1"/>
+                </a:solidFill>
+              </a:rPr>
+              <a:t>,1</a:t>
+            </a:r>
+          </a:p>
+        </p:txBody>
+      </p:sp>
+      <p:sp>
+        <p:nvSpPr>
+          <p:cNvPr id="23" name="Rectangle 22">
+            <a:extLst>
+              <a:ext uri="{FF2B5EF4-FFF2-40B4-BE49-F238E27FC236}">
+                <a16:creationId xmlns:a16="http://schemas.microsoft.com/office/drawing/2014/main" id="{9817B3D2-436E-DEC4-2021-4B67FA27A422}"/>
+              </a:ext>
+            </a:extLst>
+          </p:cNvPr>
+          <p:cNvSpPr/>
+          <p:nvPr/>
+        </p:nvSpPr>
+        <p:spPr>
+          <a:xfrm>
+            <a:off x="3896812" y="2684810"/>
+            <a:ext cx="497338" cy="262831"/>
+          </a:xfrm>
+          <a:prstGeom prst="rect">
+            <a:avLst/>
+          </a:prstGeom>
+          <a:noFill/>
+        </p:spPr>
+        <p:style>
+          <a:lnRef idx="2">
+            <a:schemeClr val="accent1">
+              <a:shade val="15000"/>
+            </a:schemeClr>
+          </a:lnRef>
+          <a:fillRef idx="1">
+            <a:schemeClr val="accent1"/>
+          </a:fillRef>
+          <a:effectRef idx="0">
+            <a:schemeClr val="accent1"/>
+          </a:effectRef>
+          <a:fontRef idx="minor">
+            <a:schemeClr val="lt1"/>
+          </a:fontRef>
+        </p:style>
+        <p:txBody>
+          <a:bodyPr rtlCol="0" anchor="ctr"/>
+          <a:lstStyle/>
+          <a:p>
+            <a:pPr algn="ctr"/>
+            <a:r>
+              <a:rPr lang="en-US" sz="1000" dirty="0">
+                <a:solidFill>
+                  <a:schemeClr val="tx1"/>
+                </a:solidFill>
+              </a:rPr>
+              <a:t>8</a:t>
+            </a:r>
+            <a:r>
+              <a:rPr lang="en-US" sz="1000" baseline="-25000" dirty="0">
+                <a:solidFill>
+                  <a:srgbClr val="FF0000"/>
+                </a:solidFill>
+              </a:rPr>
+              <a:t>0</a:t>
+            </a:r>
+            <a:r>
+              <a:rPr lang="en-US" sz="1000" baseline="-25000" dirty="0">
+                <a:solidFill>
+                  <a:schemeClr val="tx1"/>
+                </a:solidFill>
+              </a:rPr>
+              <a:t>,1</a:t>
+            </a:r>
+            <a:endParaRPr lang="en-US" sz="1000" dirty="0">
+              <a:solidFill>
+                <a:schemeClr val="tx1"/>
+              </a:solidFill>
+            </a:endParaRPr>
+          </a:p>
+        </p:txBody>
+      </p:sp>
+      <p:sp>
+        <p:nvSpPr>
+          <p:cNvPr id="24" name="Rectangle 23">
+            <a:extLst>
+              <a:ext uri="{FF2B5EF4-FFF2-40B4-BE49-F238E27FC236}">
+                <a16:creationId xmlns:a16="http://schemas.microsoft.com/office/drawing/2014/main" id="{52A47D5F-0F69-F136-9143-83473DD7222D}"/>
+              </a:ext>
+            </a:extLst>
+          </p:cNvPr>
+          <p:cNvSpPr/>
+          <p:nvPr/>
+        </p:nvSpPr>
+        <p:spPr>
+          <a:xfrm>
+            <a:off x="4394150" y="2684809"/>
+            <a:ext cx="497338" cy="262831"/>
+          </a:xfrm>
+          <a:prstGeom prst="rect">
+            <a:avLst/>
+          </a:prstGeom>
+          <a:noFill/>
+        </p:spPr>
+        <p:style>
+          <a:lnRef idx="2">
+            <a:schemeClr val="accent1">
+              <a:shade val="15000"/>
+            </a:schemeClr>
+          </a:lnRef>
+          <a:fillRef idx="1">
+            <a:schemeClr val="accent1"/>
+          </a:fillRef>
+          <a:effectRef idx="0">
+            <a:schemeClr val="accent1"/>
+          </a:effectRef>
+          <a:fontRef idx="minor">
+            <a:schemeClr val="lt1"/>
+          </a:fontRef>
+        </p:style>
+        <p:txBody>
+          <a:bodyPr rtlCol="0" anchor="ctr"/>
+          <a:lstStyle/>
+          <a:p>
+            <a:pPr algn="ctr"/>
+            <a:r>
+              <a:rPr lang="en-US" sz="1000" dirty="0">
+                <a:solidFill>
+                  <a:schemeClr val="tx1"/>
+                </a:solidFill>
+              </a:rPr>
+              <a:t>0</a:t>
+            </a:r>
+            <a:r>
+              <a:rPr lang="en-US" sz="1000" baseline="-25000" dirty="0">
+                <a:solidFill>
+                  <a:srgbClr val="FF0000"/>
+                </a:solidFill>
+              </a:rPr>
+              <a:t>0</a:t>
+            </a:r>
+            <a:r>
+              <a:rPr lang="en-US" sz="1000" baseline="-25000" dirty="0">
+                <a:solidFill>
+                  <a:schemeClr val="tx1"/>
+                </a:solidFill>
+              </a:rPr>
+              <a:t>,0</a:t>
+            </a:r>
+            <a:endParaRPr lang="en-US" sz="1000" dirty="0">
+              <a:solidFill>
+                <a:schemeClr val="tx1"/>
+              </a:solidFill>
+            </a:endParaRPr>
+          </a:p>
+        </p:txBody>
+      </p:sp>
+      <p:sp>
+        <p:nvSpPr>
+          <p:cNvPr id="25" name="Rectangle 24">
+            <a:extLst>
+              <a:ext uri="{FF2B5EF4-FFF2-40B4-BE49-F238E27FC236}">
+                <a16:creationId xmlns:a16="http://schemas.microsoft.com/office/drawing/2014/main" id="{3101B101-B639-3E84-61EA-4CE0C6A9D106}"/>
+              </a:ext>
+            </a:extLst>
+          </p:cNvPr>
+          <p:cNvSpPr/>
+          <p:nvPr/>
+        </p:nvSpPr>
+        <p:spPr>
+          <a:xfrm>
+            <a:off x="5388826" y="2684809"/>
+            <a:ext cx="497338" cy="262831"/>
+          </a:xfrm>
+          <a:prstGeom prst="rect">
+            <a:avLst/>
+          </a:prstGeom>
+          <a:noFill/>
+        </p:spPr>
+        <p:style>
+          <a:lnRef idx="2">
+            <a:schemeClr val="accent1">
+              <a:shade val="15000"/>
+            </a:schemeClr>
+          </a:lnRef>
+          <a:fillRef idx="1">
+            <a:schemeClr val="accent1"/>
+          </a:fillRef>
+          <a:effectRef idx="0">
+            <a:schemeClr val="accent1"/>
+          </a:effectRef>
+          <a:fontRef idx="minor">
+            <a:schemeClr val="lt1"/>
+          </a:fontRef>
+        </p:style>
+        <p:txBody>
+          <a:bodyPr rtlCol="0" anchor="ctr"/>
+          <a:lstStyle/>
+          <a:p>
+            <a:pPr algn="ctr"/>
+            <a:r>
+              <a:rPr lang="en-US" sz="1000" dirty="0">
+                <a:solidFill>
+                  <a:schemeClr val="tx1"/>
+                </a:solidFill>
+              </a:rPr>
+              <a:t>73</a:t>
+            </a:r>
+            <a:r>
+              <a:rPr lang="en-US" sz="1000" baseline="-25000" dirty="0">
+                <a:solidFill>
+                  <a:srgbClr val="FF0000"/>
+                </a:solidFill>
+              </a:rPr>
+              <a:t>1</a:t>
+            </a:r>
+            <a:r>
+              <a:rPr lang="en-US" sz="1000" baseline="-25000" dirty="0">
+                <a:solidFill>
+                  <a:schemeClr val="tx1"/>
+                </a:solidFill>
+              </a:rPr>
+              <a:t>,9</a:t>
+            </a:r>
+            <a:endParaRPr lang="en-US" sz="1000" dirty="0">
+              <a:solidFill>
+                <a:schemeClr val="tx1"/>
+              </a:solidFill>
+            </a:endParaRPr>
+          </a:p>
+        </p:txBody>
+      </p:sp>
+      <p:sp>
+        <p:nvSpPr>
+          <p:cNvPr id="26" name="Rectangle 25">
+            <a:extLst>
+              <a:ext uri="{FF2B5EF4-FFF2-40B4-BE49-F238E27FC236}">
+                <a16:creationId xmlns:a16="http://schemas.microsoft.com/office/drawing/2014/main" id="{3B820F42-B537-AD1D-5DB9-85B5E55ED501}"/>
+              </a:ext>
+            </a:extLst>
+          </p:cNvPr>
+          <p:cNvSpPr/>
+          <p:nvPr/>
+        </p:nvSpPr>
+        <p:spPr>
+          <a:xfrm>
+            <a:off x="5886164" y="2684808"/>
+            <a:ext cx="497338" cy="262831"/>
+          </a:xfrm>
+          <a:prstGeom prst="rect">
+            <a:avLst/>
+          </a:prstGeom>
+          <a:noFill/>
+        </p:spPr>
+        <p:style>
+          <a:lnRef idx="2">
+            <a:schemeClr val="accent1">
+              <a:shade val="15000"/>
+            </a:schemeClr>
+          </a:lnRef>
+          <a:fillRef idx="1">
+            <a:schemeClr val="accent1"/>
+          </a:fillRef>
+          <a:effectRef idx="0">
+            <a:schemeClr val="accent1"/>
+          </a:effectRef>
+          <a:fontRef idx="minor">
+            <a:schemeClr val="lt1"/>
+          </a:fontRef>
+        </p:style>
+        <p:txBody>
+          <a:bodyPr rtlCol="0" anchor="ctr"/>
+          <a:lstStyle/>
+          <a:p>
+            <a:pPr algn="ctr"/>
+            <a:r>
+              <a:rPr lang="en-US" sz="1000" dirty="0">
+                <a:solidFill>
+                  <a:schemeClr val="tx1"/>
+                </a:solidFill>
+              </a:rPr>
+              <a:t>42</a:t>
+            </a:r>
+            <a:r>
+              <a:rPr lang="en-US" sz="1000" baseline="-25000" dirty="0">
+                <a:solidFill>
+                  <a:srgbClr val="FF0000"/>
+                </a:solidFill>
+              </a:rPr>
+              <a:t>2</a:t>
+            </a:r>
+            <a:r>
+              <a:rPr lang="en-US" sz="1000" baseline="-25000" dirty="0">
+                <a:solidFill>
+                  <a:schemeClr val="tx1"/>
+                </a:solidFill>
+              </a:rPr>
+              <a:t>,5</a:t>
+            </a:r>
+            <a:endParaRPr lang="en-US" sz="1000" dirty="0">
+              <a:solidFill>
+                <a:schemeClr val="tx1"/>
+              </a:solidFill>
+            </a:endParaRPr>
+          </a:p>
+        </p:txBody>
+      </p:sp>
+      <p:sp>
+        <p:nvSpPr>
+          <p:cNvPr id="27" name="Rectangle 26">
+            <a:extLst>
+              <a:ext uri="{FF2B5EF4-FFF2-40B4-BE49-F238E27FC236}">
+                <a16:creationId xmlns:a16="http://schemas.microsoft.com/office/drawing/2014/main" id="{628A2E2F-AC61-BB3D-0F3C-19AEEAB3FC43}"/>
+              </a:ext>
+            </a:extLst>
+          </p:cNvPr>
+          <p:cNvSpPr/>
+          <p:nvPr/>
+        </p:nvSpPr>
+        <p:spPr>
+          <a:xfrm>
+            <a:off x="6383502" y="2684809"/>
+            <a:ext cx="497338" cy="262831"/>
+          </a:xfrm>
+          <a:prstGeom prst="rect">
+            <a:avLst/>
+          </a:prstGeom>
+          <a:noFill/>
+        </p:spPr>
+        <p:style>
+          <a:lnRef idx="2">
+            <a:schemeClr val="accent1">
+              <a:shade val="15000"/>
+            </a:schemeClr>
+          </a:lnRef>
+          <a:fillRef idx="1">
+            <a:schemeClr val="accent1"/>
+          </a:fillRef>
+          <a:effectRef idx="0">
+            <a:schemeClr val="accent1"/>
+          </a:effectRef>
+          <a:fontRef idx="minor">
+            <a:schemeClr val="lt1"/>
+          </a:fontRef>
+        </p:style>
+        <p:txBody>
+          <a:bodyPr rtlCol="0" anchor="ctr"/>
+          <a:lstStyle/>
+          <a:p>
+            <a:pPr algn="ctr"/>
+            <a:r>
+              <a:rPr lang="en-US" sz="1000" dirty="0">
+                <a:solidFill>
+                  <a:schemeClr val="tx1"/>
+                </a:solidFill>
+              </a:rPr>
+              <a:t>35</a:t>
+            </a:r>
+            <a:r>
+              <a:rPr lang="en-US" sz="1000" baseline="-25000" dirty="0">
+                <a:solidFill>
+                  <a:srgbClr val="FF0000"/>
+                </a:solidFill>
+              </a:rPr>
+              <a:t>3</a:t>
+            </a:r>
+            <a:r>
+              <a:rPr lang="en-US" sz="1000" baseline="-25000" dirty="0">
+                <a:solidFill>
+                  <a:schemeClr val="tx1"/>
+                </a:solidFill>
+              </a:rPr>
+              <a:t>,4</a:t>
+            </a:r>
+            <a:endParaRPr lang="en-US" sz="1000" dirty="0">
+              <a:solidFill>
+                <a:schemeClr val="tx1"/>
+              </a:solidFill>
+            </a:endParaRPr>
+          </a:p>
+        </p:txBody>
+      </p:sp>
+      <p:sp>
+        <p:nvSpPr>
+          <p:cNvPr id="28" name="Rectangle 27">
+            <a:extLst>
+              <a:ext uri="{FF2B5EF4-FFF2-40B4-BE49-F238E27FC236}">
+                <a16:creationId xmlns:a16="http://schemas.microsoft.com/office/drawing/2014/main" id="{DABF0606-67FA-C090-87FC-F05ED9237094}"/>
+              </a:ext>
+            </a:extLst>
+          </p:cNvPr>
+          <p:cNvSpPr/>
+          <p:nvPr/>
+        </p:nvSpPr>
+        <p:spPr>
+          <a:xfrm>
+            <a:off x="6880840" y="2684808"/>
+            <a:ext cx="497338" cy="262831"/>
+          </a:xfrm>
+          <a:prstGeom prst="rect">
+            <a:avLst/>
+          </a:prstGeom>
+          <a:noFill/>
+        </p:spPr>
+        <p:style>
+          <a:lnRef idx="2">
+            <a:schemeClr val="accent1">
+              <a:shade val="15000"/>
+            </a:schemeClr>
+          </a:lnRef>
+          <a:fillRef idx="1">
+            <a:schemeClr val="accent1"/>
+          </a:fillRef>
+          <a:effectRef idx="0">
+            <a:schemeClr val="accent1"/>
+          </a:effectRef>
+          <a:fontRef idx="minor">
+            <a:schemeClr val="lt1"/>
+          </a:fontRef>
+        </p:style>
+        <p:txBody>
+          <a:bodyPr rtlCol="0" anchor="ctr"/>
+          <a:lstStyle/>
+          <a:p>
+            <a:pPr algn="ctr"/>
+            <a:r>
+              <a:rPr lang="en-US" sz="1000" dirty="0">
+                <a:solidFill>
+                  <a:schemeClr val="tx1"/>
+                </a:solidFill>
+              </a:rPr>
+              <a:t>19</a:t>
+            </a:r>
+            <a:r>
+              <a:rPr lang="en-US" sz="1000" baseline="-25000" dirty="0">
+                <a:solidFill>
+                  <a:srgbClr val="FF0000"/>
+                </a:solidFill>
+              </a:rPr>
+              <a:t>3</a:t>
+            </a:r>
+            <a:r>
+              <a:rPr lang="en-US" sz="1000" baseline="-25000" dirty="0">
+                <a:solidFill>
+                  <a:schemeClr val="tx1"/>
+                </a:solidFill>
+              </a:rPr>
+              <a:t>,2</a:t>
+            </a:r>
+            <a:endParaRPr lang="en-US" sz="1000" dirty="0">
+              <a:solidFill>
+                <a:schemeClr val="tx1"/>
+              </a:solidFill>
+            </a:endParaRPr>
+          </a:p>
+        </p:txBody>
+      </p:sp>
+      <p:sp>
+        <p:nvSpPr>
+          <p:cNvPr id="29" name="Rectangle 28">
+            <a:extLst>
+              <a:ext uri="{FF2B5EF4-FFF2-40B4-BE49-F238E27FC236}">
+                <a16:creationId xmlns:a16="http://schemas.microsoft.com/office/drawing/2014/main" id="{3CBA2D50-3507-43A2-47FA-41EC3317178A}"/>
+              </a:ext>
+            </a:extLst>
+          </p:cNvPr>
+          <p:cNvSpPr/>
+          <p:nvPr/>
+        </p:nvSpPr>
+        <p:spPr>
+          <a:xfrm>
+            <a:off x="7378178" y="2684809"/>
+            <a:ext cx="497338" cy="262831"/>
+          </a:xfrm>
+          <a:prstGeom prst="rect">
+            <a:avLst/>
+          </a:prstGeom>
+          <a:noFill/>
+        </p:spPr>
+        <p:style>
+          <a:lnRef idx="2">
+            <a:schemeClr val="accent1">
+              <a:shade val="15000"/>
+            </a:schemeClr>
+          </a:lnRef>
+          <a:fillRef idx="1">
+            <a:schemeClr val="accent1"/>
+          </a:fillRef>
+          <a:effectRef idx="0">
+            <a:schemeClr val="accent1"/>
+          </a:effectRef>
+          <a:fontRef idx="minor">
+            <a:schemeClr val="lt1"/>
+          </a:fontRef>
+        </p:style>
+        <p:txBody>
+          <a:bodyPr rtlCol="0" anchor="ctr"/>
+          <a:lstStyle/>
+          <a:p>
+            <a:pPr algn="ctr"/>
+            <a:r>
+              <a:rPr lang="en-US" sz="1000" dirty="0">
+                <a:solidFill>
+                  <a:schemeClr val="tx1"/>
+                </a:solidFill>
+              </a:rPr>
+              <a:t>53</a:t>
+            </a:r>
+            <a:r>
+              <a:rPr lang="en-US" sz="1000" baseline="-25000" dirty="0">
+                <a:solidFill>
+                  <a:srgbClr val="FF0000"/>
+                </a:solidFill>
+              </a:rPr>
+              <a:t>5</a:t>
+            </a:r>
+            <a:r>
+              <a:rPr lang="en-US" sz="1000" baseline="-25000" dirty="0">
+                <a:solidFill>
+                  <a:schemeClr val="tx1"/>
+                </a:solidFill>
+              </a:rPr>
+              <a:t>,6</a:t>
+            </a:r>
+            <a:endParaRPr lang="en-US" sz="1000" dirty="0">
+              <a:solidFill>
+                <a:schemeClr val="tx1"/>
+              </a:solidFill>
+            </a:endParaRPr>
+          </a:p>
+        </p:txBody>
+      </p:sp>
+      <p:sp>
+        <p:nvSpPr>
+          <p:cNvPr id="30" name="Rectangle 29">
+            <a:extLst>
+              <a:ext uri="{FF2B5EF4-FFF2-40B4-BE49-F238E27FC236}">
+                <a16:creationId xmlns:a16="http://schemas.microsoft.com/office/drawing/2014/main" id="{EDA909F5-7CDF-284D-3335-066A5534429D}"/>
+              </a:ext>
+            </a:extLst>
+          </p:cNvPr>
+          <p:cNvSpPr/>
+          <p:nvPr/>
+        </p:nvSpPr>
+        <p:spPr>
+          <a:xfrm>
+            <a:off x="4891488" y="2684809"/>
+            <a:ext cx="497338" cy="262831"/>
+          </a:xfrm>
+          <a:prstGeom prst="rect">
+            <a:avLst/>
+          </a:prstGeom>
+          <a:noFill/>
+        </p:spPr>
+        <p:style>
+          <a:lnRef idx="2">
+            <a:schemeClr val="accent1">
+              <a:shade val="15000"/>
+            </a:schemeClr>
+          </a:lnRef>
+          <a:fillRef idx="1">
+            <a:schemeClr val="accent1"/>
+          </a:fillRef>
+          <a:effectRef idx="0">
+            <a:schemeClr val="accent1"/>
+          </a:effectRef>
+          <a:fontRef idx="minor">
+            <a:schemeClr val="lt1"/>
+          </a:fontRef>
+        </p:style>
+        <p:txBody>
+          <a:bodyPr rtlCol="0" anchor="ctr"/>
+          <a:lstStyle/>
+          <a:p>
+            <a:pPr algn="ctr"/>
+            <a:r>
+              <a:rPr lang="en-US" sz="1000" dirty="0">
+                <a:solidFill>
+                  <a:schemeClr val="tx1"/>
+                </a:solidFill>
+              </a:rPr>
+              <a:t>81</a:t>
+            </a:r>
+            <a:r>
+              <a:rPr lang="en-US" sz="1000" baseline="-25000" dirty="0">
+                <a:solidFill>
+                  <a:srgbClr val="FF0000"/>
+                </a:solidFill>
+              </a:rPr>
+              <a:t>1</a:t>
+            </a:r>
+            <a:r>
+              <a:rPr lang="en-US" sz="1000" baseline="-25000" dirty="0">
+                <a:solidFill>
+                  <a:schemeClr val="tx1"/>
+                </a:solidFill>
+              </a:rPr>
+              <a:t>,10</a:t>
+            </a:r>
+            <a:endParaRPr lang="en-US" sz="1000" dirty="0">
+              <a:solidFill>
+                <a:schemeClr val="tx1"/>
+              </a:solidFill>
+            </a:endParaRPr>
+          </a:p>
+        </p:txBody>
+      </p:sp>
+      <p:sp>
+        <p:nvSpPr>
+          <p:cNvPr id="129" name="Rectangle 128">
+            <a:extLst>
+              <a:ext uri="{FF2B5EF4-FFF2-40B4-BE49-F238E27FC236}">
+                <a16:creationId xmlns:a16="http://schemas.microsoft.com/office/drawing/2014/main" id="{FEE6756F-44E6-7A09-EC2E-E57E025A6ABC}"/>
+              </a:ext>
+            </a:extLst>
+          </p:cNvPr>
+          <p:cNvSpPr/>
+          <p:nvPr/>
+        </p:nvSpPr>
+        <p:spPr>
+          <a:xfrm>
+            <a:off x="3896805" y="3284102"/>
+            <a:ext cx="497338" cy="262831"/>
+          </a:xfrm>
+          <a:prstGeom prst="rect">
+            <a:avLst/>
+          </a:prstGeom>
+          <a:noFill/>
+        </p:spPr>
+        <p:style>
+          <a:lnRef idx="2">
+            <a:schemeClr val="accent1">
+              <a:shade val="15000"/>
+            </a:schemeClr>
+          </a:lnRef>
+          <a:fillRef idx="1">
+            <a:schemeClr val="accent1"/>
+          </a:fillRef>
+          <a:effectRef idx="0">
+            <a:schemeClr val="accent1"/>
+          </a:effectRef>
+          <a:fontRef idx="minor">
+            <a:schemeClr val="lt1"/>
+          </a:fontRef>
+        </p:style>
+        <p:txBody>
+          <a:bodyPr rtlCol="0" anchor="ctr"/>
+          <a:lstStyle/>
+          <a:p>
+            <a:pPr algn="ctr"/>
+            <a:r>
+              <a:rPr lang="en-US" sz="1000" dirty="0">
+                <a:solidFill>
+                  <a:schemeClr val="tx1"/>
+                </a:solidFill>
+              </a:rPr>
+              <a:t>8</a:t>
+            </a:r>
+            <a:r>
+              <a:rPr lang="en-US" sz="1000" baseline="-25000" dirty="0">
+                <a:solidFill>
+                  <a:schemeClr val="tx1"/>
+                </a:solidFill>
+              </a:rPr>
+              <a:t>0,</a:t>
+            </a:r>
+            <a:r>
+              <a:rPr lang="en-US" sz="1000" baseline="-25000" dirty="0">
+                <a:solidFill>
+                  <a:srgbClr val="FF0000"/>
+                </a:solidFill>
+              </a:rPr>
+              <a:t>1</a:t>
+            </a:r>
+            <a:endParaRPr lang="en-US" sz="1000" dirty="0">
+              <a:solidFill>
+                <a:srgbClr val="FF0000"/>
+              </a:solidFill>
+            </a:endParaRPr>
+          </a:p>
+        </p:txBody>
+      </p:sp>
+      <p:sp>
+        <p:nvSpPr>
+          <p:cNvPr id="130" name="Rectangle 129">
+            <a:extLst>
+              <a:ext uri="{FF2B5EF4-FFF2-40B4-BE49-F238E27FC236}">
+                <a16:creationId xmlns:a16="http://schemas.microsoft.com/office/drawing/2014/main" id="{C7E1023E-E69C-3697-FB3F-B4D9A37158EA}"/>
+              </a:ext>
+            </a:extLst>
+          </p:cNvPr>
+          <p:cNvSpPr/>
+          <p:nvPr/>
+        </p:nvSpPr>
+        <p:spPr>
+          <a:xfrm>
+            <a:off x="4394143" y="3284101"/>
+            <a:ext cx="497338" cy="262831"/>
+          </a:xfrm>
+          <a:prstGeom prst="rect">
+            <a:avLst/>
+          </a:prstGeom>
+          <a:noFill/>
+        </p:spPr>
+        <p:style>
+          <a:lnRef idx="2">
+            <a:schemeClr val="accent1">
+              <a:shade val="15000"/>
+            </a:schemeClr>
+          </a:lnRef>
+          <a:fillRef idx="1">
+            <a:schemeClr val="accent1"/>
+          </a:fillRef>
+          <a:effectRef idx="0">
+            <a:schemeClr val="accent1"/>
+          </a:effectRef>
+          <a:fontRef idx="minor">
+            <a:schemeClr val="lt1"/>
+          </a:fontRef>
+        </p:style>
+        <p:txBody>
+          <a:bodyPr rtlCol="0" anchor="ctr"/>
+          <a:lstStyle/>
+          <a:p>
+            <a:pPr algn="ctr"/>
+            <a:r>
+              <a:rPr lang="en-US" sz="1000" dirty="0">
+                <a:solidFill>
+                  <a:schemeClr val="tx1"/>
+                </a:solidFill>
+              </a:rPr>
+              <a:t>0</a:t>
+            </a:r>
+            <a:r>
+              <a:rPr lang="en-US" sz="1000" baseline="-25000" dirty="0">
+                <a:solidFill>
+                  <a:schemeClr val="tx1"/>
+                </a:solidFill>
+              </a:rPr>
+              <a:t>0,</a:t>
+            </a:r>
+            <a:r>
+              <a:rPr lang="en-US" sz="1000" baseline="-25000" dirty="0">
+                <a:solidFill>
+                  <a:srgbClr val="FF0000"/>
+                </a:solidFill>
+              </a:rPr>
+              <a:t>0</a:t>
+            </a:r>
+            <a:endParaRPr lang="en-US" sz="1000" dirty="0">
+              <a:solidFill>
+                <a:srgbClr val="FF0000"/>
+              </a:solidFill>
+            </a:endParaRPr>
+          </a:p>
+        </p:txBody>
+      </p:sp>
+      <p:sp>
+        <p:nvSpPr>
+          <p:cNvPr id="131" name="Rectangle 130">
+            <a:extLst>
+              <a:ext uri="{FF2B5EF4-FFF2-40B4-BE49-F238E27FC236}">
+                <a16:creationId xmlns:a16="http://schemas.microsoft.com/office/drawing/2014/main" id="{40429A6A-A6D4-9EAA-CB15-B706E9DD3A67}"/>
+              </a:ext>
+            </a:extLst>
+          </p:cNvPr>
+          <p:cNvSpPr/>
+          <p:nvPr/>
+        </p:nvSpPr>
+        <p:spPr>
+          <a:xfrm>
+            <a:off x="5388819" y="3284101"/>
+            <a:ext cx="497338" cy="262831"/>
+          </a:xfrm>
+          <a:prstGeom prst="rect">
+            <a:avLst/>
+          </a:prstGeom>
+          <a:noFill/>
+        </p:spPr>
+        <p:style>
+          <a:lnRef idx="2">
+            <a:schemeClr val="accent1">
+              <a:shade val="15000"/>
+            </a:schemeClr>
+          </a:lnRef>
+          <a:fillRef idx="1">
+            <a:schemeClr val="accent1"/>
+          </a:fillRef>
+          <a:effectRef idx="0">
+            <a:schemeClr val="accent1"/>
+          </a:effectRef>
+          <a:fontRef idx="minor">
+            <a:schemeClr val="lt1"/>
+          </a:fontRef>
+        </p:style>
+        <p:txBody>
+          <a:bodyPr rtlCol="0" anchor="ctr"/>
+          <a:lstStyle/>
+          <a:p>
+            <a:pPr algn="ctr"/>
+            <a:r>
+              <a:rPr lang="en-US" sz="1000" dirty="0">
+                <a:solidFill>
+                  <a:schemeClr val="tx1"/>
+                </a:solidFill>
+              </a:rPr>
+              <a:t>73</a:t>
+            </a:r>
+            <a:r>
+              <a:rPr lang="en-US" sz="1000" baseline="-25000" dirty="0">
+                <a:solidFill>
+                  <a:schemeClr val="tx1"/>
+                </a:solidFill>
+              </a:rPr>
+              <a:t>1,</a:t>
+            </a:r>
+            <a:r>
+              <a:rPr lang="en-US" sz="1000" baseline="-25000" dirty="0">
+                <a:solidFill>
+                  <a:srgbClr val="FF0000"/>
+                </a:solidFill>
+              </a:rPr>
+              <a:t>9</a:t>
+            </a:r>
+            <a:endParaRPr lang="en-US" sz="1000" dirty="0">
+              <a:solidFill>
+                <a:srgbClr val="FF0000"/>
+              </a:solidFill>
+            </a:endParaRPr>
+          </a:p>
+        </p:txBody>
+      </p:sp>
+      <p:sp>
+        <p:nvSpPr>
+          <p:cNvPr id="132" name="Rectangle 131">
+            <a:extLst>
+              <a:ext uri="{FF2B5EF4-FFF2-40B4-BE49-F238E27FC236}">
+                <a16:creationId xmlns:a16="http://schemas.microsoft.com/office/drawing/2014/main" id="{3F1C5E0E-59F9-6357-4EB5-C725A8CBE708}"/>
+              </a:ext>
+            </a:extLst>
+          </p:cNvPr>
+          <p:cNvSpPr/>
+          <p:nvPr/>
+        </p:nvSpPr>
+        <p:spPr>
+          <a:xfrm>
+            <a:off x="5886157" y="3284100"/>
+            <a:ext cx="497338" cy="262831"/>
+          </a:xfrm>
+          <a:prstGeom prst="rect">
+            <a:avLst/>
+          </a:prstGeom>
+          <a:noFill/>
+        </p:spPr>
+        <p:style>
+          <a:lnRef idx="2">
+            <a:schemeClr val="accent1">
+              <a:shade val="15000"/>
+            </a:schemeClr>
+          </a:lnRef>
+          <a:fillRef idx="1">
+            <a:schemeClr val="accent1"/>
+          </a:fillRef>
+          <a:effectRef idx="0">
+            <a:schemeClr val="accent1"/>
+          </a:effectRef>
+          <a:fontRef idx="minor">
+            <a:schemeClr val="lt1"/>
+          </a:fontRef>
+        </p:style>
+        <p:txBody>
+          <a:bodyPr rtlCol="0" anchor="ctr"/>
+          <a:lstStyle/>
+          <a:p>
+            <a:pPr algn="ctr"/>
+            <a:r>
+              <a:rPr lang="en-US" sz="1000" dirty="0">
+                <a:solidFill>
+                  <a:schemeClr val="tx1"/>
+                </a:solidFill>
+              </a:rPr>
+              <a:t>42</a:t>
+            </a:r>
+            <a:r>
+              <a:rPr lang="en-US" sz="1000" baseline="-25000" dirty="0">
+                <a:solidFill>
+                  <a:schemeClr val="tx1"/>
+                </a:solidFill>
+              </a:rPr>
+              <a:t>2,</a:t>
+            </a:r>
+            <a:r>
+              <a:rPr lang="en-US" sz="1000" baseline="-25000" dirty="0">
+                <a:solidFill>
+                  <a:srgbClr val="FF0000"/>
+                </a:solidFill>
+              </a:rPr>
+              <a:t>5</a:t>
+            </a:r>
+            <a:endParaRPr lang="en-US" sz="1000" dirty="0">
+              <a:solidFill>
+                <a:srgbClr val="FF0000"/>
+              </a:solidFill>
+            </a:endParaRPr>
+          </a:p>
+        </p:txBody>
+      </p:sp>
+      <p:sp>
+        <p:nvSpPr>
+          <p:cNvPr id="133" name="Rectangle 132">
+            <a:extLst>
+              <a:ext uri="{FF2B5EF4-FFF2-40B4-BE49-F238E27FC236}">
+                <a16:creationId xmlns:a16="http://schemas.microsoft.com/office/drawing/2014/main" id="{E013A7CD-676D-4BF7-9DAB-8481E94AA837}"/>
+              </a:ext>
+            </a:extLst>
+          </p:cNvPr>
+          <p:cNvSpPr/>
+          <p:nvPr/>
+        </p:nvSpPr>
+        <p:spPr>
+          <a:xfrm>
+            <a:off x="6383495" y="3284101"/>
+            <a:ext cx="497338" cy="262831"/>
+          </a:xfrm>
+          <a:prstGeom prst="rect">
+            <a:avLst/>
+          </a:prstGeom>
+          <a:noFill/>
+        </p:spPr>
+        <p:style>
+          <a:lnRef idx="2">
+            <a:schemeClr val="accent1">
+              <a:shade val="15000"/>
+            </a:schemeClr>
+          </a:lnRef>
+          <a:fillRef idx="1">
+            <a:schemeClr val="accent1"/>
+          </a:fillRef>
+          <a:effectRef idx="0">
+            <a:schemeClr val="accent1"/>
+          </a:effectRef>
+          <a:fontRef idx="minor">
+            <a:schemeClr val="lt1"/>
+          </a:fontRef>
+        </p:style>
+        <p:txBody>
+          <a:bodyPr rtlCol="0" anchor="ctr"/>
+          <a:lstStyle/>
+          <a:p>
+            <a:pPr algn="ctr"/>
+            <a:r>
+              <a:rPr lang="en-US" sz="1000" dirty="0">
+                <a:solidFill>
+                  <a:schemeClr val="tx1"/>
+                </a:solidFill>
+              </a:rPr>
+              <a:t>35</a:t>
+            </a:r>
+            <a:r>
+              <a:rPr lang="en-US" sz="1000" baseline="-25000" dirty="0">
+                <a:solidFill>
+                  <a:schemeClr val="tx1"/>
+                </a:solidFill>
+              </a:rPr>
+              <a:t>3,</a:t>
+            </a:r>
+            <a:r>
+              <a:rPr lang="en-US" sz="1000" baseline="-25000" dirty="0">
+                <a:solidFill>
+                  <a:srgbClr val="FF0000"/>
+                </a:solidFill>
+              </a:rPr>
+              <a:t>4</a:t>
+            </a:r>
+            <a:endParaRPr lang="en-US" sz="1000" dirty="0">
+              <a:solidFill>
+                <a:srgbClr val="FF0000"/>
+              </a:solidFill>
+            </a:endParaRPr>
+          </a:p>
+        </p:txBody>
+      </p:sp>
+      <p:sp>
+        <p:nvSpPr>
+          <p:cNvPr id="134" name="Rectangle 133">
+            <a:extLst>
+              <a:ext uri="{FF2B5EF4-FFF2-40B4-BE49-F238E27FC236}">
+                <a16:creationId xmlns:a16="http://schemas.microsoft.com/office/drawing/2014/main" id="{F20C1A44-28FB-D908-672F-53E5E239E1FA}"/>
+              </a:ext>
+            </a:extLst>
+          </p:cNvPr>
+          <p:cNvSpPr/>
+          <p:nvPr/>
+        </p:nvSpPr>
+        <p:spPr>
+          <a:xfrm>
+            <a:off x="6880833" y="3284100"/>
+            <a:ext cx="497338" cy="262831"/>
+          </a:xfrm>
+          <a:prstGeom prst="rect">
+            <a:avLst/>
+          </a:prstGeom>
+          <a:noFill/>
+        </p:spPr>
+        <p:style>
+          <a:lnRef idx="2">
+            <a:schemeClr val="accent1">
+              <a:shade val="15000"/>
+            </a:schemeClr>
+          </a:lnRef>
+          <a:fillRef idx="1">
+            <a:schemeClr val="accent1"/>
+          </a:fillRef>
+          <a:effectRef idx="0">
+            <a:schemeClr val="accent1"/>
+          </a:effectRef>
+          <a:fontRef idx="minor">
+            <a:schemeClr val="lt1"/>
+          </a:fontRef>
+        </p:style>
+        <p:txBody>
+          <a:bodyPr rtlCol="0" anchor="ctr"/>
+          <a:lstStyle/>
+          <a:p>
+            <a:pPr algn="ctr"/>
+            <a:r>
+              <a:rPr lang="en-US" sz="1000" dirty="0">
+                <a:solidFill>
+                  <a:schemeClr val="tx1"/>
+                </a:solidFill>
+              </a:rPr>
+              <a:t>19</a:t>
+            </a:r>
+            <a:r>
+              <a:rPr lang="en-US" sz="1000" baseline="-25000" dirty="0">
+                <a:solidFill>
+                  <a:schemeClr val="tx1"/>
+                </a:solidFill>
+              </a:rPr>
+              <a:t>3,</a:t>
+            </a:r>
+            <a:r>
+              <a:rPr lang="en-US" sz="1000" baseline="-25000" dirty="0">
+                <a:solidFill>
+                  <a:srgbClr val="FF0000"/>
+                </a:solidFill>
+              </a:rPr>
+              <a:t>2</a:t>
+            </a:r>
+            <a:endParaRPr lang="en-US" sz="1000" dirty="0">
+              <a:solidFill>
+                <a:srgbClr val="FF0000"/>
+              </a:solidFill>
+            </a:endParaRPr>
+          </a:p>
+        </p:txBody>
+      </p:sp>
+      <p:sp>
+        <p:nvSpPr>
+          <p:cNvPr id="135" name="Rectangle 134">
+            <a:extLst>
+              <a:ext uri="{FF2B5EF4-FFF2-40B4-BE49-F238E27FC236}">
+                <a16:creationId xmlns:a16="http://schemas.microsoft.com/office/drawing/2014/main" id="{23DA0564-EAE0-90EA-0A22-1467B6407EF6}"/>
+              </a:ext>
+            </a:extLst>
+          </p:cNvPr>
+          <p:cNvSpPr/>
+          <p:nvPr/>
+        </p:nvSpPr>
+        <p:spPr>
+          <a:xfrm>
+            <a:off x="7378171" y="3284101"/>
+            <a:ext cx="497338" cy="262831"/>
+          </a:xfrm>
+          <a:prstGeom prst="rect">
+            <a:avLst/>
+          </a:prstGeom>
+          <a:noFill/>
+        </p:spPr>
+        <p:style>
+          <a:lnRef idx="2">
+            <a:schemeClr val="accent1">
+              <a:shade val="15000"/>
+            </a:schemeClr>
+          </a:lnRef>
+          <a:fillRef idx="1">
+            <a:schemeClr val="accent1"/>
+          </a:fillRef>
+          <a:effectRef idx="0">
+            <a:schemeClr val="accent1"/>
+          </a:effectRef>
+          <a:fontRef idx="minor">
+            <a:schemeClr val="lt1"/>
+          </a:fontRef>
+        </p:style>
+        <p:txBody>
+          <a:bodyPr rtlCol="0" anchor="ctr"/>
+          <a:lstStyle/>
+          <a:p>
+            <a:pPr algn="ctr"/>
+            <a:r>
+              <a:rPr lang="en-US" sz="1000" dirty="0">
+                <a:solidFill>
+                  <a:schemeClr val="tx1"/>
+                </a:solidFill>
+              </a:rPr>
+              <a:t>53</a:t>
+            </a:r>
+            <a:r>
+              <a:rPr lang="en-US" sz="1000" baseline="-25000" dirty="0">
+                <a:solidFill>
+                  <a:schemeClr val="tx1"/>
+                </a:solidFill>
+              </a:rPr>
+              <a:t>5,</a:t>
+            </a:r>
+            <a:r>
+              <a:rPr lang="en-US" sz="1000" baseline="-25000" dirty="0">
+                <a:solidFill>
+                  <a:srgbClr val="FF0000"/>
+                </a:solidFill>
+              </a:rPr>
+              <a:t>6</a:t>
+            </a:r>
+            <a:endParaRPr lang="en-US" sz="1000" dirty="0">
+              <a:solidFill>
+                <a:srgbClr val="FF0000"/>
+              </a:solidFill>
+            </a:endParaRPr>
+          </a:p>
+        </p:txBody>
+      </p:sp>
+      <p:sp>
+        <p:nvSpPr>
+          <p:cNvPr id="136" name="Rectangle 135">
+            <a:extLst>
+              <a:ext uri="{FF2B5EF4-FFF2-40B4-BE49-F238E27FC236}">
+                <a16:creationId xmlns:a16="http://schemas.microsoft.com/office/drawing/2014/main" id="{B074A155-EED5-9937-401D-B9542BB2BB51}"/>
+              </a:ext>
+            </a:extLst>
+          </p:cNvPr>
+          <p:cNvSpPr/>
+          <p:nvPr/>
+        </p:nvSpPr>
+        <p:spPr>
+          <a:xfrm>
+            <a:off x="4891481" y="3284101"/>
+            <a:ext cx="497338" cy="262831"/>
+          </a:xfrm>
+          <a:prstGeom prst="rect">
+            <a:avLst/>
+          </a:prstGeom>
+          <a:noFill/>
+        </p:spPr>
+        <p:style>
+          <a:lnRef idx="2">
+            <a:schemeClr val="accent1">
+              <a:shade val="15000"/>
+            </a:schemeClr>
+          </a:lnRef>
+          <a:fillRef idx="1">
+            <a:schemeClr val="accent1"/>
+          </a:fillRef>
+          <a:effectRef idx="0">
+            <a:schemeClr val="accent1"/>
+          </a:effectRef>
+          <a:fontRef idx="minor">
+            <a:schemeClr val="lt1"/>
+          </a:fontRef>
+        </p:style>
+        <p:txBody>
+          <a:bodyPr rtlCol="0" anchor="ctr"/>
+          <a:lstStyle/>
+          <a:p>
+            <a:pPr algn="ctr"/>
+            <a:r>
+              <a:rPr lang="en-US" sz="1000" dirty="0">
+                <a:solidFill>
+                  <a:schemeClr val="tx1"/>
+                </a:solidFill>
+              </a:rPr>
+              <a:t>81</a:t>
+            </a:r>
+            <a:r>
+              <a:rPr lang="en-US" sz="1000" baseline="-25000" dirty="0">
+                <a:solidFill>
+                  <a:schemeClr val="tx1"/>
+                </a:solidFill>
+              </a:rPr>
+              <a:t>1,</a:t>
+            </a:r>
+            <a:r>
+              <a:rPr lang="en-US" sz="1000" baseline="-25000" dirty="0">
+                <a:solidFill>
+                  <a:srgbClr val="FF0000"/>
+                </a:solidFill>
+              </a:rPr>
+              <a:t>10</a:t>
+            </a:r>
+            <a:endParaRPr lang="en-US" sz="1000" dirty="0">
+              <a:solidFill>
+                <a:srgbClr val="FF0000"/>
+              </a:solidFill>
+            </a:endParaRPr>
+          </a:p>
+        </p:txBody>
+      </p:sp>
+      <p:sp>
+        <p:nvSpPr>
+          <p:cNvPr id="145" name="Rectangle 144">
+            <a:extLst>
+              <a:ext uri="{FF2B5EF4-FFF2-40B4-BE49-F238E27FC236}">
+                <a16:creationId xmlns:a16="http://schemas.microsoft.com/office/drawing/2014/main" id="{112F40F3-BEF8-6F81-9513-ADBCC01ACC2D}"/>
+              </a:ext>
+            </a:extLst>
+          </p:cNvPr>
+          <p:cNvSpPr/>
+          <p:nvPr/>
+        </p:nvSpPr>
+        <p:spPr>
+          <a:xfrm>
+            <a:off x="3896805" y="3711614"/>
+            <a:ext cx="497338" cy="262831"/>
+          </a:xfrm>
+          <a:prstGeom prst="rect">
+            <a:avLst/>
+          </a:prstGeom>
+          <a:noFill/>
+        </p:spPr>
+        <p:style>
+          <a:lnRef idx="2">
+            <a:schemeClr val="accent1">
+              <a:shade val="15000"/>
+            </a:schemeClr>
+          </a:lnRef>
+          <a:fillRef idx="1">
+            <a:schemeClr val="accent1"/>
+          </a:fillRef>
+          <a:effectRef idx="0">
+            <a:schemeClr val="accent1"/>
+          </a:effectRef>
+          <a:fontRef idx="minor">
+            <a:schemeClr val="lt1"/>
+          </a:fontRef>
+        </p:style>
+        <p:txBody>
+          <a:bodyPr rtlCol="0" anchor="ctr"/>
+          <a:lstStyle/>
+          <a:p>
+            <a:pPr algn="ctr"/>
+            <a:r>
+              <a:rPr lang="en-US" sz="1000" dirty="0">
+                <a:solidFill>
+                  <a:schemeClr val="tx1"/>
+                </a:solidFill>
+              </a:rPr>
+              <a:t>0</a:t>
+            </a:r>
+            <a:r>
+              <a:rPr lang="en-US" sz="1000" baseline="-25000" dirty="0">
+                <a:solidFill>
+                  <a:schemeClr val="tx1"/>
+                </a:solidFill>
+              </a:rPr>
+              <a:t>0,</a:t>
+            </a:r>
+            <a:r>
+              <a:rPr lang="en-US" sz="1000" baseline="-25000" dirty="0">
+                <a:solidFill>
+                  <a:srgbClr val="FF0000"/>
+                </a:solidFill>
+              </a:rPr>
+              <a:t>0</a:t>
+            </a:r>
+          </a:p>
+        </p:txBody>
+      </p:sp>
+      <p:sp>
+        <p:nvSpPr>
+          <p:cNvPr id="146" name="Rectangle 145">
+            <a:extLst>
+              <a:ext uri="{FF2B5EF4-FFF2-40B4-BE49-F238E27FC236}">
+                <a16:creationId xmlns:a16="http://schemas.microsoft.com/office/drawing/2014/main" id="{9C03AB92-83CE-91EC-21B2-BBCB0E1E77FB}"/>
+              </a:ext>
+            </a:extLst>
+          </p:cNvPr>
+          <p:cNvSpPr/>
+          <p:nvPr/>
+        </p:nvSpPr>
+        <p:spPr>
+          <a:xfrm>
+            <a:off x="4394143" y="3711613"/>
+            <a:ext cx="497338" cy="262831"/>
+          </a:xfrm>
+          <a:prstGeom prst="rect">
+            <a:avLst/>
+          </a:prstGeom>
+          <a:noFill/>
+        </p:spPr>
+        <p:style>
+          <a:lnRef idx="2">
+            <a:schemeClr val="accent1">
+              <a:shade val="15000"/>
+            </a:schemeClr>
+          </a:lnRef>
+          <a:fillRef idx="1">
+            <a:schemeClr val="accent1"/>
+          </a:fillRef>
+          <a:effectRef idx="0">
+            <a:schemeClr val="accent1"/>
+          </a:effectRef>
+          <a:fontRef idx="minor">
+            <a:schemeClr val="lt1"/>
+          </a:fontRef>
+        </p:style>
+        <p:txBody>
+          <a:bodyPr rtlCol="0" anchor="ctr"/>
+          <a:lstStyle/>
+          <a:p>
+            <a:pPr algn="ctr"/>
+            <a:r>
+              <a:rPr lang="en-US" sz="1000" dirty="0">
+                <a:solidFill>
+                  <a:schemeClr val="tx1"/>
+                </a:solidFill>
+              </a:rPr>
+              <a:t>8</a:t>
+            </a:r>
+            <a:r>
+              <a:rPr lang="en-US" sz="1000" baseline="-25000" dirty="0">
+                <a:solidFill>
+                  <a:schemeClr val="tx1"/>
+                </a:solidFill>
+              </a:rPr>
+              <a:t>0,</a:t>
+            </a:r>
+            <a:r>
+              <a:rPr lang="en-US" sz="1000" baseline="-25000" dirty="0">
+                <a:solidFill>
+                  <a:srgbClr val="FF0000"/>
+                </a:solidFill>
+              </a:rPr>
+              <a:t>1</a:t>
+            </a:r>
+          </a:p>
+        </p:txBody>
+      </p:sp>
+      <p:sp>
+        <p:nvSpPr>
+          <p:cNvPr id="147" name="Rectangle 146">
+            <a:extLst>
+              <a:ext uri="{FF2B5EF4-FFF2-40B4-BE49-F238E27FC236}">
+                <a16:creationId xmlns:a16="http://schemas.microsoft.com/office/drawing/2014/main" id="{40A59FA1-F7DE-9E63-474B-4F985868A448}"/>
+              </a:ext>
+            </a:extLst>
+          </p:cNvPr>
+          <p:cNvSpPr/>
+          <p:nvPr/>
+        </p:nvSpPr>
+        <p:spPr>
+          <a:xfrm>
+            <a:off x="5388819" y="3711613"/>
+            <a:ext cx="497338" cy="262831"/>
+          </a:xfrm>
+          <a:prstGeom prst="rect">
+            <a:avLst/>
+          </a:prstGeom>
+          <a:noFill/>
+        </p:spPr>
+        <p:style>
+          <a:lnRef idx="2">
+            <a:schemeClr val="accent1">
+              <a:shade val="15000"/>
+            </a:schemeClr>
+          </a:lnRef>
+          <a:fillRef idx="1">
+            <a:schemeClr val="accent1"/>
+          </a:fillRef>
+          <a:effectRef idx="0">
+            <a:schemeClr val="accent1"/>
+          </a:effectRef>
+          <a:fontRef idx="minor">
+            <a:schemeClr val="lt1"/>
+          </a:fontRef>
+        </p:style>
+        <p:txBody>
+          <a:bodyPr rtlCol="0" anchor="ctr"/>
+          <a:lstStyle/>
+          <a:p>
+            <a:pPr algn="ctr"/>
+            <a:r>
+              <a:rPr lang="en-US" sz="1000" dirty="0">
+                <a:solidFill>
+                  <a:schemeClr val="tx1"/>
+                </a:solidFill>
+              </a:rPr>
+              <a:t>35</a:t>
+            </a:r>
+            <a:r>
+              <a:rPr lang="en-US" sz="1000" baseline="-25000" dirty="0">
+                <a:solidFill>
+                  <a:schemeClr val="tx1"/>
+                </a:solidFill>
+              </a:rPr>
+              <a:t>3,</a:t>
+            </a:r>
+            <a:r>
+              <a:rPr lang="en-US" sz="1000" baseline="-25000" dirty="0">
+                <a:solidFill>
+                  <a:srgbClr val="FF0000"/>
+                </a:solidFill>
+              </a:rPr>
+              <a:t>4</a:t>
+            </a:r>
+            <a:endParaRPr lang="en-US" sz="1000" dirty="0">
+              <a:solidFill>
+                <a:srgbClr val="FF0000"/>
+              </a:solidFill>
+            </a:endParaRPr>
+          </a:p>
+        </p:txBody>
+      </p:sp>
+      <p:sp>
+        <p:nvSpPr>
+          <p:cNvPr id="148" name="Rectangle 147">
+            <a:extLst>
+              <a:ext uri="{FF2B5EF4-FFF2-40B4-BE49-F238E27FC236}">
+                <a16:creationId xmlns:a16="http://schemas.microsoft.com/office/drawing/2014/main" id="{33B39C67-CF9D-B27E-7B4A-8FF72FD68A03}"/>
+              </a:ext>
+            </a:extLst>
+          </p:cNvPr>
+          <p:cNvSpPr/>
+          <p:nvPr/>
+        </p:nvSpPr>
+        <p:spPr>
+          <a:xfrm>
+            <a:off x="5886157" y="3711612"/>
+            <a:ext cx="497338" cy="262831"/>
+          </a:xfrm>
+          <a:prstGeom prst="rect">
+            <a:avLst/>
+          </a:prstGeom>
+          <a:noFill/>
+        </p:spPr>
+        <p:style>
+          <a:lnRef idx="2">
+            <a:schemeClr val="accent1">
+              <a:shade val="15000"/>
+            </a:schemeClr>
+          </a:lnRef>
+          <a:fillRef idx="1">
+            <a:schemeClr val="accent1"/>
+          </a:fillRef>
+          <a:effectRef idx="0">
+            <a:schemeClr val="accent1"/>
+          </a:effectRef>
+          <a:fontRef idx="minor">
+            <a:schemeClr val="lt1"/>
+          </a:fontRef>
+        </p:style>
+        <p:txBody>
+          <a:bodyPr rtlCol="0" anchor="ctr"/>
+          <a:lstStyle/>
+          <a:p>
+            <a:pPr algn="ctr"/>
+            <a:r>
+              <a:rPr lang="en-US" sz="1000" dirty="0">
+                <a:solidFill>
+                  <a:schemeClr val="tx1"/>
+                </a:solidFill>
+              </a:rPr>
+              <a:t>42</a:t>
+            </a:r>
+            <a:r>
+              <a:rPr lang="en-US" sz="1000" baseline="-25000" dirty="0">
+                <a:solidFill>
+                  <a:schemeClr val="tx1"/>
+                </a:solidFill>
+              </a:rPr>
+              <a:t>2,</a:t>
+            </a:r>
+            <a:r>
+              <a:rPr lang="en-US" sz="1000" baseline="-25000" dirty="0">
+                <a:solidFill>
+                  <a:srgbClr val="FF0000"/>
+                </a:solidFill>
+              </a:rPr>
+              <a:t>5</a:t>
+            </a:r>
+            <a:endParaRPr lang="en-US" sz="1000" dirty="0">
+              <a:solidFill>
+                <a:srgbClr val="FF0000"/>
+              </a:solidFill>
+            </a:endParaRPr>
+          </a:p>
+        </p:txBody>
+      </p:sp>
+      <p:sp>
+        <p:nvSpPr>
+          <p:cNvPr id="149" name="Rectangle 148">
+            <a:extLst>
+              <a:ext uri="{FF2B5EF4-FFF2-40B4-BE49-F238E27FC236}">
+                <a16:creationId xmlns:a16="http://schemas.microsoft.com/office/drawing/2014/main" id="{7E9BA62E-0A57-306C-8E94-B543058BFABA}"/>
+              </a:ext>
+            </a:extLst>
+          </p:cNvPr>
+          <p:cNvSpPr/>
+          <p:nvPr/>
+        </p:nvSpPr>
+        <p:spPr>
+          <a:xfrm>
+            <a:off x="6383495" y="3711613"/>
+            <a:ext cx="497338" cy="262831"/>
+          </a:xfrm>
+          <a:prstGeom prst="rect">
+            <a:avLst/>
+          </a:prstGeom>
+          <a:noFill/>
+        </p:spPr>
+        <p:style>
+          <a:lnRef idx="2">
+            <a:schemeClr val="accent1">
+              <a:shade val="15000"/>
+            </a:schemeClr>
+          </a:lnRef>
+          <a:fillRef idx="1">
+            <a:schemeClr val="accent1"/>
+          </a:fillRef>
+          <a:effectRef idx="0">
+            <a:schemeClr val="accent1"/>
+          </a:effectRef>
+          <a:fontRef idx="minor">
+            <a:schemeClr val="lt1"/>
+          </a:fontRef>
+        </p:style>
+        <p:txBody>
+          <a:bodyPr rtlCol="0" anchor="ctr"/>
+          <a:lstStyle/>
+          <a:p>
+            <a:pPr algn="ctr"/>
+            <a:r>
+              <a:rPr lang="en-US" sz="1000" dirty="0">
+                <a:solidFill>
+                  <a:schemeClr val="tx1"/>
+                </a:solidFill>
+              </a:rPr>
+              <a:t>53</a:t>
+            </a:r>
+            <a:r>
+              <a:rPr lang="en-US" sz="1000" baseline="-25000" dirty="0">
+                <a:solidFill>
+                  <a:schemeClr val="tx1"/>
+                </a:solidFill>
+              </a:rPr>
+              <a:t>5,</a:t>
+            </a:r>
+            <a:r>
+              <a:rPr lang="en-US" sz="1000" baseline="-25000" dirty="0">
+                <a:solidFill>
+                  <a:srgbClr val="FF0000"/>
+                </a:solidFill>
+              </a:rPr>
+              <a:t>6</a:t>
+            </a:r>
+            <a:endParaRPr lang="en-US" sz="1000" dirty="0">
+              <a:solidFill>
+                <a:srgbClr val="FF0000"/>
+              </a:solidFill>
+            </a:endParaRPr>
+          </a:p>
+        </p:txBody>
+      </p:sp>
+      <p:sp>
+        <p:nvSpPr>
+          <p:cNvPr id="150" name="Rectangle 149">
+            <a:extLst>
+              <a:ext uri="{FF2B5EF4-FFF2-40B4-BE49-F238E27FC236}">
+                <a16:creationId xmlns:a16="http://schemas.microsoft.com/office/drawing/2014/main" id="{BB9E8B25-6CDE-F34F-9CC5-7C3859365041}"/>
+              </a:ext>
+            </a:extLst>
+          </p:cNvPr>
+          <p:cNvSpPr/>
+          <p:nvPr/>
+        </p:nvSpPr>
+        <p:spPr>
+          <a:xfrm>
+            <a:off x="6880833" y="3711612"/>
+            <a:ext cx="497338" cy="262831"/>
+          </a:xfrm>
+          <a:prstGeom prst="rect">
+            <a:avLst/>
+          </a:prstGeom>
+          <a:noFill/>
+        </p:spPr>
+        <p:style>
+          <a:lnRef idx="2">
+            <a:schemeClr val="accent1">
+              <a:shade val="15000"/>
+            </a:schemeClr>
+          </a:lnRef>
+          <a:fillRef idx="1">
+            <a:schemeClr val="accent1"/>
+          </a:fillRef>
+          <a:effectRef idx="0">
+            <a:schemeClr val="accent1"/>
+          </a:effectRef>
+          <a:fontRef idx="minor">
+            <a:schemeClr val="lt1"/>
+          </a:fontRef>
+        </p:style>
+        <p:txBody>
+          <a:bodyPr rtlCol="0" anchor="ctr"/>
+          <a:lstStyle/>
+          <a:p>
+            <a:pPr algn="ctr"/>
+            <a:r>
+              <a:rPr lang="en-US" sz="1000" dirty="0">
+                <a:solidFill>
+                  <a:schemeClr val="tx1"/>
+                </a:solidFill>
+              </a:rPr>
+              <a:t>73</a:t>
+            </a:r>
+            <a:r>
+              <a:rPr lang="en-US" sz="1000" baseline="-25000" dirty="0">
+                <a:solidFill>
+                  <a:schemeClr val="tx1"/>
+                </a:solidFill>
+              </a:rPr>
+              <a:t>1,</a:t>
+            </a:r>
+            <a:r>
+              <a:rPr lang="en-US" sz="1000" baseline="-25000" dirty="0">
+                <a:solidFill>
+                  <a:srgbClr val="FF0000"/>
+                </a:solidFill>
+              </a:rPr>
+              <a:t>9</a:t>
+            </a:r>
+            <a:endParaRPr lang="en-US" sz="1000" dirty="0">
+              <a:solidFill>
+                <a:srgbClr val="FF0000"/>
+              </a:solidFill>
+            </a:endParaRPr>
+          </a:p>
+        </p:txBody>
+      </p:sp>
+      <p:sp>
+        <p:nvSpPr>
+          <p:cNvPr id="151" name="Rectangle 150">
+            <a:extLst>
+              <a:ext uri="{FF2B5EF4-FFF2-40B4-BE49-F238E27FC236}">
+                <a16:creationId xmlns:a16="http://schemas.microsoft.com/office/drawing/2014/main" id="{B75DAB3D-DCCA-C8B9-A631-4FCEF5CC67C5}"/>
+              </a:ext>
+            </a:extLst>
+          </p:cNvPr>
+          <p:cNvSpPr/>
+          <p:nvPr/>
+        </p:nvSpPr>
+        <p:spPr>
+          <a:xfrm>
+            <a:off x="7378171" y="3711613"/>
+            <a:ext cx="497338" cy="262831"/>
+          </a:xfrm>
+          <a:prstGeom prst="rect">
+            <a:avLst/>
+          </a:prstGeom>
+          <a:noFill/>
+        </p:spPr>
+        <p:style>
+          <a:lnRef idx="2">
+            <a:schemeClr val="accent1">
+              <a:shade val="15000"/>
+            </a:schemeClr>
+          </a:lnRef>
+          <a:fillRef idx="1">
+            <a:schemeClr val="accent1"/>
+          </a:fillRef>
+          <a:effectRef idx="0">
+            <a:schemeClr val="accent1"/>
+          </a:effectRef>
+          <a:fontRef idx="minor">
+            <a:schemeClr val="lt1"/>
+          </a:fontRef>
+        </p:style>
+        <p:txBody>
+          <a:bodyPr rtlCol="0" anchor="ctr"/>
+          <a:lstStyle/>
+          <a:p>
+            <a:pPr algn="ctr"/>
+            <a:r>
+              <a:rPr lang="en-US" sz="1000" dirty="0">
+                <a:solidFill>
+                  <a:schemeClr val="tx1"/>
+                </a:solidFill>
+              </a:rPr>
+              <a:t>81</a:t>
+            </a:r>
+            <a:r>
+              <a:rPr lang="en-US" sz="1000" baseline="-25000" dirty="0">
+                <a:solidFill>
+                  <a:schemeClr val="tx1"/>
+                </a:solidFill>
+              </a:rPr>
+              <a:t>1,</a:t>
+            </a:r>
+            <a:r>
+              <a:rPr lang="en-US" sz="1000" baseline="-25000" dirty="0">
+                <a:solidFill>
+                  <a:srgbClr val="FF0000"/>
+                </a:solidFill>
+              </a:rPr>
+              <a:t>10</a:t>
+            </a:r>
+            <a:endParaRPr lang="en-US" sz="1000" dirty="0">
+              <a:solidFill>
+                <a:srgbClr val="FF0000"/>
+              </a:solidFill>
+            </a:endParaRPr>
+          </a:p>
+        </p:txBody>
+      </p:sp>
+      <p:sp>
+        <p:nvSpPr>
+          <p:cNvPr id="152" name="Rectangle 151">
+            <a:extLst>
+              <a:ext uri="{FF2B5EF4-FFF2-40B4-BE49-F238E27FC236}">
+                <a16:creationId xmlns:a16="http://schemas.microsoft.com/office/drawing/2014/main" id="{D2CC42A9-0D17-6B26-0E85-9757B6CDF450}"/>
+              </a:ext>
+            </a:extLst>
+          </p:cNvPr>
+          <p:cNvSpPr/>
+          <p:nvPr/>
+        </p:nvSpPr>
+        <p:spPr>
+          <a:xfrm>
+            <a:off x="4891481" y="3711613"/>
+            <a:ext cx="497338" cy="262831"/>
+          </a:xfrm>
+          <a:prstGeom prst="rect">
+            <a:avLst/>
+          </a:prstGeom>
+          <a:noFill/>
+        </p:spPr>
+        <p:style>
+          <a:lnRef idx="2">
+            <a:schemeClr val="accent1">
+              <a:shade val="15000"/>
+            </a:schemeClr>
+          </a:lnRef>
+          <a:fillRef idx="1">
+            <a:schemeClr val="accent1"/>
+          </a:fillRef>
+          <a:effectRef idx="0">
+            <a:schemeClr val="accent1"/>
+          </a:effectRef>
+          <a:fontRef idx="minor">
+            <a:schemeClr val="lt1"/>
+          </a:fontRef>
+        </p:style>
+        <p:txBody>
+          <a:bodyPr rtlCol="0" anchor="ctr"/>
+          <a:lstStyle/>
+          <a:p>
+            <a:pPr algn="ctr"/>
+            <a:r>
+              <a:rPr lang="en-US" sz="1000" dirty="0">
+                <a:solidFill>
+                  <a:schemeClr val="tx1"/>
+                </a:solidFill>
+              </a:rPr>
+              <a:t>19</a:t>
+            </a:r>
+            <a:r>
+              <a:rPr lang="en-US" sz="1000" baseline="-25000" dirty="0">
+                <a:solidFill>
+                  <a:schemeClr val="tx1"/>
+                </a:solidFill>
+              </a:rPr>
+              <a:t>3,</a:t>
+            </a:r>
+            <a:r>
+              <a:rPr lang="en-US" sz="1000" baseline="-25000" dirty="0">
+                <a:solidFill>
+                  <a:srgbClr val="FF0000"/>
+                </a:solidFill>
+              </a:rPr>
+              <a:t>2</a:t>
+            </a:r>
+          </a:p>
+        </p:txBody>
+      </p:sp>
+      <p:sp>
+        <p:nvSpPr>
+          <p:cNvPr id="153" name="Rectangle 152">
+            <a:extLst>
+              <a:ext uri="{FF2B5EF4-FFF2-40B4-BE49-F238E27FC236}">
+                <a16:creationId xmlns:a16="http://schemas.microsoft.com/office/drawing/2014/main" id="{BF1B9976-AE11-F12F-45D6-37ABF3D0014C}"/>
+              </a:ext>
+            </a:extLst>
+          </p:cNvPr>
+          <p:cNvSpPr/>
+          <p:nvPr/>
+        </p:nvSpPr>
+        <p:spPr>
+          <a:xfrm>
+            <a:off x="3893634" y="4309789"/>
+            <a:ext cx="497338" cy="262831"/>
+          </a:xfrm>
+          <a:prstGeom prst="rect">
+            <a:avLst/>
+          </a:prstGeom>
+          <a:noFill/>
+        </p:spPr>
+        <p:style>
+          <a:lnRef idx="2">
+            <a:schemeClr val="accent1">
+              <a:shade val="15000"/>
+            </a:schemeClr>
+          </a:lnRef>
+          <a:fillRef idx="1">
+            <a:schemeClr val="accent1"/>
+          </a:fillRef>
+          <a:effectRef idx="0">
+            <a:schemeClr val="accent1"/>
+          </a:effectRef>
+          <a:fontRef idx="minor">
+            <a:schemeClr val="lt1"/>
+          </a:fontRef>
+        </p:style>
+        <p:txBody>
+          <a:bodyPr rtlCol="0" anchor="ctr"/>
+          <a:lstStyle/>
+          <a:p>
+            <a:pPr algn="ctr"/>
+            <a:r>
+              <a:rPr lang="en-US" sz="1000" dirty="0">
+                <a:solidFill>
+                  <a:schemeClr val="tx1"/>
+                </a:solidFill>
+              </a:rPr>
+              <a:t>0</a:t>
+            </a:r>
+            <a:endParaRPr lang="en-US" sz="1000" baseline="-25000" dirty="0">
+              <a:solidFill>
+                <a:schemeClr val="tx1"/>
+              </a:solidFill>
+            </a:endParaRPr>
+          </a:p>
+        </p:txBody>
+      </p:sp>
+      <p:sp>
+        <p:nvSpPr>
+          <p:cNvPr id="154" name="Rectangle 153">
+            <a:extLst>
+              <a:ext uri="{FF2B5EF4-FFF2-40B4-BE49-F238E27FC236}">
+                <a16:creationId xmlns:a16="http://schemas.microsoft.com/office/drawing/2014/main" id="{1AE725DC-D42C-4C4C-ECAF-6BE792D4C90E}"/>
+              </a:ext>
+            </a:extLst>
+          </p:cNvPr>
+          <p:cNvSpPr/>
+          <p:nvPr/>
+        </p:nvSpPr>
+        <p:spPr>
+          <a:xfrm>
+            <a:off x="4390972" y="4309788"/>
+            <a:ext cx="497338" cy="262831"/>
+          </a:xfrm>
+          <a:prstGeom prst="rect">
+            <a:avLst/>
+          </a:prstGeom>
+          <a:noFill/>
+        </p:spPr>
+        <p:style>
+          <a:lnRef idx="2">
+            <a:schemeClr val="accent1">
+              <a:shade val="15000"/>
+            </a:schemeClr>
+          </a:lnRef>
+          <a:fillRef idx="1">
+            <a:schemeClr val="accent1"/>
+          </a:fillRef>
+          <a:effectRef idx="0">
+            <a:schemeClr val="accent1"/>
+          </a:effectRef>
+          <a:fontRef idx="minor">
+            <a:schemeClr val="lt1"/>
+          </a:fontRef>
+        </p:style>
+        <p:txBody>
+          <a:bodyPr rtlCol="0" anchor="ctr"/>
+          <a:lstStyle/>
+          <a:p>
+            <a:pPr algn="ctr"/>
+            <a:r>
+              <a:rPr lang="en-US" sz="1000" dirty="0">
+                <a:solidFill>
+                  <a:schemeClr val="tx1"/>
+                </a:solidFill>
+              </a:rPr>
+              <a:t>8</a:t>
+            </a:r>
+            <a:endParaRPr lang="en-US" sz="1000" baseline="-25000" dirty="0">
+              <a:solidFill>
+                <a:schemeClr val="tx1"/>
+              </a:solidFill>
+            </a:endParaRPr>
+          </a:p>
+        </p:txBody>
+      </p:sp>
+      <p:sp>
+        <p:nvSpPr>
+          <p:cNvPr id="155" name="Rectangle 154">
+            <a:extLst>
+              <a:ext uri="{FF2B5EF4-FFF2-40B4-BE49-F238E27FC236}">
+                <a16:creationId xmlns:a16="http://schemas.microsoft.com/office/drawing/2014/main" id="{AE64BD2F-E94D-CBB7-CFCA-FBBECB6B2A2C}"/>
+              </a:ext>
+            </a:extLst>
+          </p:cNvPr>
+          <p:cNvSpPr/>
+          <p:nvPr/>
+        </p:nvSpPr>
+        <p:spPr>
+          <a:xfrm>
+            <a:off x="5385648" y="4309788"/>
+            <a:ext cx="497338" cy="262831"/>
+          </a:xfrm>
+          <a:prstGeom prst="rect">
+            <a:avLst/>
+          </a:prstGeom>
+          <a:noFill/>
+        </p:spPr>
+        <p:style>
+          <a:lnRef idx="2">
+            <a:schemeClr val="accent1">
+              <a:shade val="15000"/>
+            </a:schemeClr>
+          </a:lnRef>
+          <a:fillRef idx="1">
+            <a:schemeClr val="accent1"/>
+          </a:fillRef>
+          <a:effectRef idx="0">
+            <a:schemeClr val="accent1"/>
+          </a:effectRef>
+          <a:fontRef idx="minor">
+            <a:schemeClr val="lt1"/>
+          </a:fontRef>
+        </p:style>
+        <p:txBody>
+          <a:bodyPr rtlCol="0" anchor="ctr"/>
+          <a:lstStyle/>
+          <a:p>
+            <a:pPr algn="ctr"/>
+            <a:r>
+              <a:rPr lang="en-US" sz="1000" dirty="0">
+                <a:solidFill>
+                  <a:schemeClr val="tx1"/>
+                </a:solidFill>
+              </a:rPr>
+              <a:t>35</a:t>
+            </a:r>
+          </a:p>
+        </p:txBody>
+      </p:sp>
+      <p:sp>
+        <p:nvSpPr>
+          <p:cNvPr id="156" name="Rectangle 155">
+            <a:extLst>
+              <a:ext uri="{FF2B5EF4-FFF2-40B4-BE49-F238E27FC236}">
+                <a16:creationId xmlns:a16="http://schemas.microsoft.com/office/drawing/2014/main" id="{81BB5A47-81EA-45DD-6289-7C036585E292}"/>
+              </a:ext>
+            </a:extLst>
+          </p:cNvPr>
+          <p:cNvSpPr/>
+          <p:nvPr/>
+        </p:nvSpPr>
+        <p:spPr>
+          <a:xfrm>
+            <a:off x="5882986" y="4309787"/>
+            <a:ext cx="497338" cy="262831"/>
+          </a:xfrm>
+          <a:prstGeom prst="rect">
+            <a:avLst/>
+          </a:prstGeom>
+          <a:noFill/>
+        </p:spPr>
+        <p:style>
+          <a:lnRef idx="2">
+            <a:schemeClr val="accent1">
+              <a:shade val="15000"/>
+            </a:schemeClr>
+          </a:lnRef>
+          <a:fillRef idx="1">
+            <a:schemeClr val="accent1"/>
+          </a:fillRef>
+          <a:effectRef idx="0">
+            <a:schemeClr val="accent1"/>
+          </a:effectRef>
+          <a:fontRef idx="minor">
+            <a:schemeClr val="lt1"/>
+          </a:fontRef>
+        </p:style>
+        <p:txBody>
+          <a:bodyPr rtlCol="0" anchor="ctr"/>
+          <a:lstStyle/>
+          <a:p>
+            <a:pPr algn="ctr"/>
+            <a:r>
+              <a:rPr lang="en-US" sz="1000" dirty="0">
+                <a:solidFill>
+                  <a:schemeClr val="tx1"/>
+                </a:solidFill>
+              </a:rPr>
+              <a:t>42</a:t>
+            </a:r>
+          </a:p>
+        </p:txBody>
+      </p:sp>
+      <p:sp>
+        <p:nvSpPr>
+          <p:cNvPr id="157" name="Rectangle 156">
+            <a:extLst>
+              <a:ext uri="{FF2B5EF4-FFF2-40B4-BE49-F238E27FC236}">
+                <a16:creationId xmlns:a16="http://schemas.microsoft.com/office/drawing/2014/main" id="{30D4E9B2-B5AE-C799-B0FB-808A5676110A}"/>
+              </a:ext>
+            </a:extLst>
+          </p:cNvPr>
+          <p:cNvSpPr/>
+          <p:nvPr/>
+        </p:nvSpPr>
+        <p:spPr>
+          <a:xfrm>
+            <a:off x="6380324" y="4309788"/>
+            <a:ext cx="497338" cy="262831"/>
+          </a:xfrm>
+          <a:prstGeom prst="rect">
+            <a:avLst/>
+          </a:prstGeom>
+          <a:noFill/>
+        </p:spPr>
+        <p:style>
+          <a:lnRef idx="2">
+            <a:schemeClr val="accent1">
+              <a:shade val="15000"/>
+            </a:schemeClr>
+          </a:lnRef>
+          <a:fillRef idx="1">
+            <a:schemeClr val="accent1"/>
+          </a:fillRef>
+          <a:effectRef idx="0">
+            <a:schemeClr val="accent1"/>
+          </a:effectRef>
+          <a:fontRef idx="minor">
+            <a:schemeClr val="lt1"/>
+          </a:fontRef>
+        </p:style>
+        <p:txBody>
+          <a:bodyPr rtlCol="0" anchor="ctr"/>
+          <a:lstStyle/>
+          <a:p>
+            <a:pPr algn="ctr"/>
+            <a:r>
+              <a:rPr lang="en-US" sz="1000" dirty="0">
+                <a:solidFill>
+                  <a:schemeClr val="tx1"/>
+                </a:solidFill>
+              </a:rPr>
+              <a:t>53</a:t>
+            </a:r>
+          </a:p>
+        </p:txBody>
+      </p:sp>
+      <p:sp>
+        <p:nvSpPr>
+          <p:cNvPr id="158" name="Rectangle 157">
+            <a:extLst>
+              <a:ext uri="{FF2B5EF4-FFF2-40B4-BE49-F238E27FC236}">
+                <a16:creationId xmlns:a16="http://schemas.microsoft.com/office/drawing/2014/main" id="{2F4D8B22-C23F-5145-B18D-E59C355BA001}"/>
+              </a:ext>
+            </a:extLst>
+          </p:cNvPr>
+          <p:cNvSpPr/>
+          <p:nvPr/>
+        </p:nvSpPr>
+        <p:spPr>
+          <a:xfrm>
+            <a:off x="6877662" y="4309787"/>
+            <a:ext cx="497338" cy="262831"/>
+          </a:xfrm>
+          <a:prstGeom prst="rect">
+            <a:avLst/>
+          </a:prstGeom>
+          <a:noFill/>
+        </p:spPr>
+        <p:style>
+          <a:lnRef idx="2">
+            <a:schemeClr val="accent1">
+              <a:shade val="15000"/>
+            </a:schemeClr>
+          </a:lnRef>
+          <a:fillRef idx="1">
+            <a:schemeClr val="accent1"/>
+          </a:fillRef>
+          <a:effectRef idx="0">
+            <a:schemeClr val="accent1"/>
+          </a:effectRef>
+          <a:fontRef idx="minor">
+            <a:schemeClr val="lt1"/>
+          </a:fontRef>
+        </p:style>
+        <p:txBody>
+          <a:bodyPr rtlCol="0" anchor="ctr"/>
+          <a:lstStyle/>
+          <a:p>
+            <a:pPr algn="ctr"/>
+            <a:r>
+              <a:rPr lang="en-US" sz="1000" dirty="0">
+                <a:solidFill>
+                  <a:schemeClr val="tx1"/>
+                </a:solidFill>
+              </a:rPr>
+              <a:t>73</a:t>
+            </a:r>
+          </a:p>
+        </p:txBody>
+      </p:sp>
+      <p:sp>
+        <p:nvSpPr>
+          <p:cNvPr id="159" name="Rectangle 158">
+            <a:extLst>
+              <a:ext uri="{FF2B5EF4-FFF2-40B4-BE49-F238E27FC236}">
+                <a16:creationId xmlns:a16="http://schemas.microsoft.com/office/drawing/2014/main" id="{09E42304-2BCC-8FEB-7F34-1AF2F251E0ED}"/>
+              </a:ext>
+            </a:extLst>
+          </p:cNvPr>
+          <p:cNvSpPr/>
+          <p:nvPr/>
+        </p:nvSpPr>
+        <p:spPr>
+          <a:xfrm>
+            <a:off x="7375000" y="4309788"/>
+            <a:ext cx="497338" cy="262831"/>
+          </a:xfrm>
+          <a:prstGeom prst="rect">
+            <a:avLst/>
+          </a:prstGeom>
+          <a:noFill/>
+        </p:spPr>
+        <p:style>
+          <a:lnRef idx="2">
+            <a:schemeClr val="accent1">
+              <a:shade val="15000"/>
+            </a:schemeClr>
+          </a:lnRef>
+          <a:fillRef idx="1">
+            <a:schemeClr val="accent1"/>
+          </a:fillRef>
+          <a:effectRef idx="0">
+            <a:schemeClr val="accent1"/>
+          </a:effectRef>
+          <a:fontRef idx="minor">
+            <a:schemeClr val="lt1"/>
+          </a:fontRef>
+        </p:style>
+        <p:txBody>
+          <a:bodyPr rtlCol="0" anchor="ctr"/>
+          <a:lstStyle/>
+          <a:p>
+            <a:pPr algn="ctr"/>
+            <a:r>
+              <a:rPr lang="en-US" sz="1000" dirty="0">
+                <a:solidFill>
+                  <a:schemeClr val="tx1"/>
+                </a:solidFill>
+              </a:rPr>
+              <a:t>81</a:t>
+            </a:r>
+          </a:p>
+        </p:txBody>
+      </p:sp>
+      <p:sp>
+        <p:nvSpPr>
+          <p:cNvPr id="160" name="Rectangle 159">
+            <a:extLst>
+              <a:ext uri="{FF2B5EF4-FFF2-40B4-BE49-F238E27FC236}">
+                <a16:creationId xmlns:a16="http://schemas.microsoft.com/office/drawing/2014/main" id="{7F0629A3-912A-AA41-4F5B-E2D99638780B}"/>
+              </a:ext>
+            </a:extLst>
+          </p:cNvPr>
+          <p:cNvSpPr/>
+          <p:nvPr/>
+        </p:nvSpPr>
+        <p:spPr>
+          <a:xfrm>
+            <a:off x="4888310" y="4309788"/>
+            <a:ext cx="497338" cy="262831"/>
+          </a:xfrm>
+          <a:prstGeom prst="rect">
+            <a:avLst/>
+          </a:prstGeom>
+          <a:noFill/>
+        </p:spPr>
+        <p:style>
+          <a:lnRef idx="2">
+            <a:schemeClr val="accent1">
+              <a:shade val="15000"/>
+            </a:schemeClr>
+          </a:lnRef>
+          <a:fillRef idx="1">
+            <a:schemeClr val="accent1"/>
+          </a:fillRef>
+          <a:effectRef idx="0">
+            <a:schemeClr val="accent1"/>
+          </a:effectRef>
+          <a:fontRef idx="minor">
+            <a:schemeClr val="lt1"/>
+          </a:fontRef>
+        </p:style>
+        <p:txBody>
+          <a:bodyPr rtlCol="0" anchor="ctr"/>
+          <a:lstStyle/>
+          <a:p>
+            <a:pPr algn="ctr"/>
+            <a:r>
+              <a:rPr lang="en-US" sz="1000" dirty="0">
+                <a:solidFill>
+                  <a:schemeClr val="tx1"/>
+                </a:solidFill>
+              </a:rPr>
+              <a:t>19</a:t>
+            </a:r>
+            <a:endParaRPr lang="en-US" sz="1000" baseline="-25000" dirty="0">
+              <a:solidFill>
+                <a:schemeClr val="tx1"/>
+              </a:solidFill>
+            </a:endParaRPr>
+          </a:p>
+        </p:txBody>
+      </p:sp>
+      <p:cxnSp>
+        <p:nvCxnSpPr>
+          <p:cNvPr id="162" name="Connector: Curved 161">
+            <a:extLst>
+              <a:ext uri="{FF2B5EF4-FFF2-40B4-BE49-F238E27FC236}">
+                <a16:creationId xmlns:a16="http://schemas.microsoft.com/office/drawing/2014/main" id="{F9560FE0-01E1-3EF8-6A89-9B7D43023EB1}"/>
+              </a:ext>
+            </a:extLst>
+          </p:cNvPr>
+          <p:cNvCxnSpPr>
+            <a:cxnSpLocks/>
+          </p:cNvCxnSpPr>
+          <p:nvPr/>
+        </p:nvCxnSpPr>
+        <p:spPr>
+          <a:xfrm rot="10800000" flipV="1">
+            <a:off x="3893636" y="2387600"/>
+            <a:ext cx="12700" cy="428625"/>
+          </a:xfrm>
+          <a:prstGeom prst="curvedConnector3">
+            <a:avLst>
+              <a:gd name="adj1" fmla="val 1800000"/>
+            </a:avLst>
+          </a:prstGeom>
+          <a:ln>
+            <a:solidFill>
+              <a:schemeClr val="tx1"/>
+            </a:solidFill>
+            <a:tailEnd type="triangle"/>
+          </a:ln>
+        </p:spPr>
+        <p:style>
+          <a:lnRef idx="2">
+            <a:schemeClr val="accent1"/>
+          </a:lnRef>
+          <a:fillRef idx="0">
+            <a:schemeClr val="accent1"/>
+          </a:fillRef>
+          <a:effectRef idx="1">
+            <a:schemeClr val="accent1"/>
+          </a:effectRef>
+          <a:fontRef idx="minor">
+            <a:schemeClr val="tx1"/>
+          </a:fontRef>
+        </p:style>
+      </p:cxnSp>
+      <p:cxnSp>
+        <p:nvCxnSpPr>
+          <p:cNvPr id="164" name="Connector: Curved 163">
+            <a:extLst>
+              <a:ext uri="{FF2B5EF4-FFF2-40B4-BE49-F238E27FC236}">
+                <a16:creationId xmlns:a16="http://schemas.microsoft.com/office/drawing/2014/main" id="{DFA68D8E-116D-0533-DA91-4BE66B2D061F}"/>
+              </a:ext>
+            </a:extLst>
+          </p:cNvPr>
+          <p:cNvCxnSpPr>
+            <a:cxnSpLocks/>
+          </p:cNvCxnSpPr>
+          <p:nvPr/>
+        </p:nvCxnSpPr>
+        <p:spPr>
+          <a:xfrm rot="10800000" flipV="1">
+            <a:off x="3893635" y="3414402"/>
+            <a:ext cx="12700" cy="428625"/>
+          </a:xfrm>
+          <a:prstGeom prst="curvedConnector3">
+            <a:avLst>
+              <a:gd name="adj1" fmla="val 1800000"/>
+            </a:avLst>
+          </a:prstGeom>
+          <a:ln>
+            <a:solidFill>
+              <a:schemeClr val="tx1"/>
+            </a:solidFill>
+            <a:tailEnd type="triangle"/>
+          </a:ln>
+        </p:spPr>
+        <p:style>
+          <a:lnRef idx="2">
+            <a:schemeClr val="accent1"/>
+          </a:lnRef>
+          <a:fillRef idx="0">
+            <a:schemeClr val="accent1"/>
+          </a:fillRef>
+          <a:effectRef idx="1">
+            <a:schemeClr val="accent1"/>
+          </a:effectRef>
+          <a:fontRef idx="minor">
+            <a:schemeClr val="tx1"/>
+          </a:fontRef>
+        </p:style>
+      </p:cxnSp>
+      <mc:AlternateContent xmlns:mc="http://schemas.openxmlformats.org/markup-compatibility/2006">
+        <mc:Choice xmlns:a14="http://schemas.microsoft.com/office/drawing/2010/main" Requires="a14">
+          <p:sp>
+            <p:nvSpPr>
+              <p:cNvPr id="165" name="Rectangle 164">
+                <a:extLst>
+                  <a:ext uri="{FF2B5EF4-FFF2-40B4-BE49-F238E27FC236}">
+                    <a16:creationId xmlns:a16="http://schemas.microsoft.com/office/drawing/2014/main" id="{2C7D9595-77DA-8C82-3567-24C60D56A6C8}"/>
+                  </a:ext>
+                </a:extLst>
+              </p:cNvPr>
+              <p:cNvSpPr/>
+              <p:nvPr/>
+            </p:nvSpPr>
+            <p:spPr>
+              <a:xfrm>
+                <a:off x="1368962" y="2470497"/>
+                <a:ext cx="2157601" cy="262831"/>
+              </a:xfrm>
+              <a:prstGeom prst="rect">
+                <a:avLst/>
+              </a:prstGeom>
+              <a:noFill/>
+              <a:ln>
+                <a:noFill/>
+              </a:ln>
+            </p:spPr>
+            <p:style>
+              <a:lnRef idx="2">
+                <a:schemeClr val="accent1">
+                  <a:shade val="15000"/>
+                </a:schemeClr>
+              </a:lnRef>
+              <a:fillRef idx="1">
+                <a:schemeClr val="accent1"/>
+              </a:fillRef>
+              <a:effectRef idx="0">
+                <a:schemeClr val="accent1"/>
+              </a:effectRef>
+              <a:fontRef idx="minor">
+                <a:schemeClr val="lt1"/>
+              </a:fontRef>
+            </p:style>
+            <p:txBody>
+              <a:bodyPr rtlCol="0" anchor="ctr"/>
+              <a:lstStyle/>
+              <a:p>
+                <a:pPr algn="just"/>
+                <a:r>
+                  <a:rPr lang="en-US" sz="1000" b="1" dirty="0">
+                    <a:solidFill>
+                      <a:schemeClr val="tx1"/>
+                    </a:solidFill>
+                  </a:rPr>
+                  <a:t>Step 2: </a:t>
+                </a:r>
+                <a:r>
+                  <a:rPr lang="en-US" sz="1000" dirty="0">
+                    <a:solidFill>
+                      <a:schemeClr val="tx1"/>
+                    </a:solidFill>
+                  </a:rPr>
+                  <a:t>Perform stable sort on each </a:t>
+                </a:r>
+                <a14:m>
+                  <m:oMath xmlns:m="http://schemas.openxmlformats.org/officeDocument/2006/math">
+                    <m:sSub>
+                      <m:sSubPr>
+                        <m:ctrlPr>
+                          <a:rPr lang="en-US" sz="1000" i="1" dirty="0">
+                            <a:solidFill>
+                              <a:schemeClr val="tx1"/>
+                            </a:solidFill>
+                            <a:latin typeface="Cambria Math" panose="02040503050406030204" pitchFamily="18" charset="0"/>
+                          </a:rPr>
+                        </m:ctrlPr>
+                      </m:sSubPr>
+                      <m:e>
+                        <m:r>
+                          <a:rPr lang="en-US" sz="1000" i="1" dirty="0">
+                            <a:solidFill>
+                              <a:schemeClr val="tx1"/>
+                            </a:solidFill>
+                            <a:latin typeface="Cambria Math" panose="02040503050406030204" pitchFamily="18" charset="0"/>
+                          </a:rPr>
+                          <m:t>𝐴</m:t>
+                        </m:r>
+                        <m:r>
+                          <a:rPr lang="en-US" sz="1000" i="1" dirty="0">
+                            <a:solidFill>
+                              <a:schemeClr val="tx1"/>
+                            </a:solidFill>
+                            <a:latin typeface="Cambria Math" panose="02040503050406030204" pitchFamily="18" charset="0"/>
+                          </a:rPr>
+                          <m:t>[</m:t>
+                        </m:r>
+                        <m:r>
+                          <a:rPr lang="en-US" sz="1000" i="1" dirty="0">
+                            <a:solidFill>
+                              <a:schemeClr val="tx1"/>
+                            </a:solidFill>
+                            <a:latin typeface="Cambria Math" panose="02040503050406030204" pitchFamily="18" charset="0"/>
+                          </a:rPr>
+                          <m:t>𝑖</m:t>
+                        </m:r>
+                        <m:r>
+                          <a:rPr lang="en-US" sz="1000" i="1" dirty="0">
+                            <a:solidFill>
+                              <a:schemeClr val="tx1"/>
+                            </a:solidFill>
+                            <a:latin typeface="Cambria Math" panose="02040503050406030204" pitchFamily="18" charset="0"/>
+                          </a:rPr>
+                          <m:t>]</m:t>
+                        </m:r>
+                      </m:e>
+                      <m:sub>
+                        <m:r>
+                          <a:rPr lang="en-US" sz="1000" i="1" dirty="0">
+                            <a:solidFill>
+                              <a:schemeClr val="tx1"/>
+                            </a:solidFill>
+                            <a:latin typeface="Cambria Math" panose="02040503050406030204" pitchFamily="18" charset="0"/>
+                          </a:rPr>
+                          <m:t>𝑟</m:t>
+                        </m:r>
+                        <m:r>
+                          <a:rPr lang="en-US" sz="1000" i="1" dirty="0">
+                            <a:solidFill>
+                              <a:schemeClr val="tx1"/>
+                            </a:solidFill>
+                            <a:latin typeface="Cambria Math" panose="02040503050406030204" pitchFamily="18" charset="0"/>
+                          </a:rPr>
+                          <m:t>,</m:t>
+                        </m:r>
+                        <m:r>
+                          <a:rPr lang="en-US" sz="1000" i="1" dirty="0">
+                            <a:solidFill>
+                              <a:schemeClr val="tx1"/>
+                            </a:solidFill>
+                            <a:latin typeface="Cambria Math" panose="02040503050406030204" pitchFamily="18" charset="0"/>
+                          </a:rPr>
+                          <m:t>𝑞</m:t>
+                        </m:r>
+                      </m:sub>
+                    </m:sSub>
+                  </m:oMath>
+                </a14:m>
+                <a:r>
+                  <a:rPr lang="en-US" sz="1000" dirty="0">
+                    <a:solidFill>
+                      <a:schemeClr val="tx1"/>
+                    </a:solidFill>
+                  </a:rPr>
+                  <a:t> by the remainder keys </a:t>
+                </a:r>
+                <a14:m>
+                  <m:oMath xmlns:m="http://schemas.openxmlformats.org/officeDocument/2006/math">
+                    <m:r>
+                      <a:rPr lang="en-US" sz="1000" i="1" dirty="0" smtClean="0">
+                        <a:solidFill>
+                          <a:schemeClr val="tx1"/>
+                        </a:solidFill>
+                        <a:latin typeface="Cambria Math" panose="02040503050406030204" pitchFamily="18" charset="0"/>
+                      </a:rPr>
+                      <m:t>𝑅</m:t>
+                    </m:r>
+                  </m:oMath>
+                </a14:m>
+                <a:endParaRPr lang="en-US" sz="1000" dirty="0">
+                  <a:solidFill>
+                    <a:schemeClr val="tx1"/>
+                  </a:solidFill>
+                </a:endParaRPr>
+              </a:p>
+            </p:txBody>
+          </p:sp>
+        </mc:Choice>
+        <mc:Fallback>
+          <p:sp>
+            <p:nvSpPr>
+              <p:cNvPr id="165" name="Rectangle 164">
+                <a:extLst>
+                  <a:ext uri="{FF2B5EF4-FFF2-40B4-BE49-F238E27FC236}">
+                    <a16:creationId xmlns:a16="http://schemas.microsoft.com/office/drawing/2014/main" id="{2C7D9595-77DA-8C82-3567-24C60D56A6C8}"/>
+                  </a:ext>
+                </a:extLst>
+              </p:cNvPr>
+              <p:cNvSpPr>
+                <a:spLocks noRot="1" noChangeAspect="1" noMove="1" noResize="1" noEditPoints="1" noAdjustHandles="1" noChangeArrowheads="1" noChangeShapeType="1" noTextEdit="1"/>
+              </p:cNvSpPr>
+              <p:nvPr/>
+            </p:nvSpPr>
+            <p:spPr>
+              <a:xfrm>
+                <a:off x="1368962" y="2470497"/>
+                <a:ext cx="2157601" cy="262831"/>
+              </a:xfrm>
+              <a:prstGeom prst="rect">
+                <a:avLst/>
+              </a:prstGeom>
+              <a:blipFill>
+                <a:blip r:embed="rId3"/>
+                <a:stretch>
+                  <a:fillRect t="-25581" b="-39535"/>
+                </a:stretch>
+              </a:blipFill>
+              <a:ln>
+                <a:noFill/>
+              </a:ln>
+            </p:spPr>
+            <p:txBody>
+              <a:bodyPr/>
+              <a:lstStyle/>
+              <a:p>
+                <a:r>
+                  <a:rPr lang="en-US">
+                    <a:noFill/>
+                  </a:rPr>
+                  <a:t> </a:t>
+                </a:r>
+              </a:p>
+            </p:txBody>
+          </p:sp>
+        </mc:Fallback>
+      </mc:AlternateContent>
+      <mc:AlternateContent xmlns:mc="http://schemas.openxmlformats.org/markup-compatibility/2006">
+        <mc:Choice xmlns:a14="http://schemas.microsoft.com/office/drawing/2010/main" Requires="a14">
+          <p:sp>
+            <p:nvSpPr>
+              <p:cNvPr id="166" name="Rectangle 165">
+                <a:extLst>
+                  <a:ext uri="{FF2B5EF4-FFF2-40B4-BE49-F238E27FC236}">
+                    <a16:creationId xmlns:a16="http://schemas.microsoft.com/office/drawing/2014/main" id="{AB10D646-8E99-8356-2ADD-D3EB7DEA2471}"/>
+                  </a:ext>
+                </a:extLst>
+              </p:cNvPr>
+              <p:cNvSpPr/>
+              <p:nvPr/>
+            </p:nvSpPr>
+            <p:spPr>
+              <a:xfrm>
+                <a:off x="1368962" y="3497299"/>
+                <a:ext cx="2157601" cy="262831"/>
+              </a:xfrm>
+              <a:prstGeom prst="rect">
+                <a:avLst/>
+              </a:prstGeom>
+              <a:noFill/>
+              <a:ln>
+                <a:noFill/>
+              </a:ln>
+            </p:spPr>
+            <p:style>
+              <a:lnRef idx="2">
+                <a:schemeClr val="accent1">
+                  <a:shade val="15000"/>
+                </a:schemeClr>
+              </a:lnRef>
+              <a:fillRef idx="1">
+                <a:schemeClr val="accent1"/>
+              </a:fillRef>
+              <a:effectRef idx="0">
+                <a:schemeClr val="accent1"/>
+              </a:effectRef>
+              <a:fontRef idx="minor">
+                <a:schemeClr val="lt1"/>
+              </a:fontRef>
+            </p:style>
+            <p:txBody>
+              <a:bodyPr rtlCol="0" anchor="ctr"/>
+              <a:lstStyle/>
+              <a:p>
+                <a:pPr algn="just"/>
+                <a:r>
+                  <a:rPr lang="en-US" sz="1000" b="1" dirty="0">
+                    <a:solidFill>
+                      <a:schemeClr val="tx1"/>
+                    </a:solidFill>
+                  </a:rPr>
+                  <a:t>Step 3: </a:t>
+                </a:r>
+                <a:r>
+                  <a:rPr lang="en-US" sz="1000" dirty="0">
+                    <a:solidFill>
+                      <a:schemeClr val="tx1"/>
+                    </a:solidFill>
+                  </a:rPr>
+                  <a:t>Perform stable sort on each </a:t>
+                </a:r>
+                <a14:m>
+                  <m:oMath xmlns:m="http://schemas.openxmlformats.org/officeDocument/2006/math">
+                    <m:sSub>
+                      <m:sSubPr>
+                        <m:ctrlPr>
+                          <a:rPr lang="en-US" sz="1000" i="1" dirty="0" smtClean="0">
+                            <a:solidFill>
+                              <a:schemeClr val="tx1"/>
+                            </a:solidFill>
+                            <a:latin typeface="Cambria Math" panose="02040503050406030204" pitchFamily="18" charset="0"/>
+                          </a:rPr>
+                        </m:ctrlPr>
+                      </m:sSubPr>
+                      <m:e>
+                        <m:r>
+                          <a:rPr lang="en-US" sz="1000" b="0" i="1" dirty="0" smtClean="0">
+                            <a:solidFill>
+                              <a:schemeClr val="tx1"/>
+                            </a:solidFill>
+                            <a:latin typeface="Cambria Math" panose="02040503050406030204" pitchFamily="18" charset="0"/>
+                          </a:rPr>
+                          <m:t>𝐴</m:t>
+                        </m:r>
+                        <m:r>
+                          <a:rPr lang="en-US" sz="1000" b="0" i="1" dirty="0" smtClean="0">
+                            <a:solidFill>
+                              <a:schemeClr val="tx1"/>
+                            </a:solidFill>
+                            <a:latin typeface="Cambria Math" panose="02040503050406030204" pitchFamily="18" charset="0"/>
+                          </a:rPr>
+                          <m:t>[</m:t>
+                        </m:r>
+                        <m:r>
+                          <a:rPr lang="en-US" sz="1000" b="0" i="1" dirty="0" smtClean="0">
+                            <a:solidFill>
+                              <a:schemeClr val="tx1"/>
+                            </a:solidFill>
+                            <a:latin typeface="Cambria Math" panose="02040503050406030204" pitchFamily="18" charset="0"/>
+                          </a:rPr>
+                          <m:t>𝑖</m:t>
+                        </m:r>
+                        <m:r>
+                          <a:rPr lang="en-US" sz="1000" b="0" i="1" dirty="0" smtClean="0">
+                            <a:solidFill>
+                              <a:schemeClr val="tx1"/>
+                            </a:solidFill>
+                            <a:latin typeface="Cambria Math" panose="02040503050406030204" pitchFamily="18" charset="0"/>
+                          </a:rPr>
+                          <m:t>]</m:t>
+                        </m:r>
+                      </m:e>
+                      <m:sub>
+                        <m:r>
+                          <a:rPr lang="en-US" sz="1000" b="0" i="1" dirty="0" smtClean="0">
+                            <a:solidFill>
+                              <a:schemeClr val="tx1"/>
+                            </a:solidFill>
+                            <a:latin typeface="Cambria Math" panose="02040503050406030204" pitchFamily="18" charset="0"/>
+                          </a:rPr>
+                          <m:t>𝑟</m:t>
+                        </m:r>
+                        <m:r>
+                          <a:rPr lang="en-US" sz="1000" b="0" i="1" dirty="0" smtClean="0">
+                            <a:solidFill>
+                              <a:schemeClr val="tx1"/>
+                            </a:solidFill>
+                            <a:latin typeface="Cambria Math" panose="02040503050406030204" pitchFamily="18" charset="0"/>
+                          </a:rPr>
+                          <m:t>,</m:t>
+                        </m:r>
+                        <m:r>
+                          <a:rPr lang="en-US" sz="1000" b="0" i="1" dirty="0" smtClean="0">
+                            <a:solidFill>
+                              <a:schemeClr val="tx1"/>
+                            </a:solidFill>
+                            <a:latin typeface="Cambria Math" panose="02040503050406030204" pitchFamily="18" charset="0"/>
+                          </a:rPr>
+                          <m:t>𝑞</m:t>
+                        </m:r>
+                      </m:sub>
+                    </m:sSub>
+                    <m:r>
+                      <a:rPr lang="en-US" sz="1000" i="1" baseline="-25000" dirty="0" smtClean="0">
+                        <a:solidFill>
+                          <a:schemeClr val="tx1"/>
+                        </a:solidFill>
+                        <a:latin typeface="Cambria Math" panose="02040503050406030204" pitchFamily="18" charset="0"/>
+                      </a:rPr>
+                      <m:t> </m:t>
+                    </m:r>
+                  </m:oMath>
+                </a14:m>
+                <a:r>
+                  <a:rPr lang="en-US" sz="1000" dirty="0">
+                    <a:solidFill>
+                      <a:schemeClr val="tx1"/>
+                    </a:solidFill>
+                  </a:rPr>
+                  <a:t>by the quotient keys </a:t>
+                </a:r>
+                <a14:m>
+                  <m:oMath xmlns:m="http://schemas.openxmlformats.org/officeDocument/2006/math">
+                    <m:r>
+                      <a:rPr lang="en-US" sz="1000" i="1" dirty="0" smtClean="0">
+                        <a:solidFill>
+                          <a:schemeClr val="tx1"/>
+                        </a:solidFill>
+                        <a:latin typeface="Cambria Math" panose="02040503050406030204" pitchFamily="18" charset="0"/>
+                      </a:rPr>
+                      <m:t>𝑄</m:t>
+                    </m:r>
+                  </m:oMath>
+                </a14:m>
+                <a:endParaRPr lang="en-US" sz="1000" dirty="0">
+                  <a:solidFill>
+                    <a:schemeClr val="tx1"/>
+                  </a:solidFill>
+                </a:endParaRPr>
+              </a:p>
+            </p:txBody>
+          </p:sp>
+        </mc:Choice>
+        <mc:Fallback>
+          <p:sp>
+            <p:nvSpPr>
+              <p:cNvPr id="166" name="Rectangle 165">
+                <a:extLst>
+                  <a:ext uri="{FF2B5EF4-FFF2-40B4-BE49-F238E27FC236}">
+                    <a16:creationId xmlns:a16="http://schemas.microsoft.com/office/drawing/2014/main" id="{AB10D646-8E99-8356-2ADD-D3EB7DEA2471}"/>
+                  </a:ext>
+                </a:extLst>
+              </p:cNvPr>
+              <p:cNvSpPr>
+                <a:spLocks noRot="1" noChangeAspect="1" noMove="1" noResize="1" noEditPoints="1" noAdjustHandles="1" noChangeArrowheads="1" noChangeShapeType="1" noTextEdit="1"/>
+              </p:cNvSpPr>
+              <p:nvPr/>
+            </p:nvSpPr>
+            <p:spPr>
+              <a:xfrm>
+                <a:off x="1368962" y="3497299"/>
+                <a:ext cx="2157601" cy="262831"/>
+              </a:xfrm>
+              <a:prstGeom prst="rect">
+                <a:avLst/>
+              </a:prstGeom>
+              <a:blipFill>
+                <a:blip r:embed="rId4"/>
+                <a:stretch>
+                  <a:fillRect t="-25581" b="-37209"/>
+                </a:stretch>
+              </a:blipFill>
+              <a:ln>
+                <a:noFill/>
+              </a:ln>
+            </p:spPr>
+            <p:txBody>
+              <a:bodyPr/>
+              <a:lstStyle/>
+              <a:p>
+                <a:r>
+                  <a:rPr lang="en-US">
+                    <a:noFill/>
+                  </a:rPr>
+                  <a:t> </a:t>
+                </a:r>
+              </a:p>
+            </p:txBody>
+          </p:sp>
+        </mc:Fallback>
+      </mc:AlternateContent>
+      <mc:AlternateContent xmlns:mc="http://schemas.openxmlformats.org/markup-compatibility/2006">
+        <mc:Choice xmlns:a14="http://schemas.microsoft.com/office/drawing/2010/main" Requires="a14">
+          <p:sp>
+            <p:nvSpPr>
+              <p:cNvPr id="167" name="Rectangle 166">
+                <a:extLst>
+                  <a:ext uri="{FF2B5EF4-FFF2-40B4-BE49-F238E27FC236}">
+                    <a16:creationId xmlns:a16="http://schemas.microsoft.com/office/drawing/2014/main" id="{61CD7F31-0346-1B62-9764-094BDFBEEF2C}"/>
+                  </a:ext>
+                </a:extLst>
+              </p:cNvPr>
+              <p:cNvSpPr/>
+              <p:nvPr/>
+            </p:nvSpPr>
+            <p:spPr>
+              <a:xfrm>
+                <a:off x="1368963" y="4309786"/>
+                <a:ext cx="1811278" cy="262831"/>
+              </a:xfrm>
+              <a:prstGeom prst="rect">
+                <a:avLst/>
+              </a:prstGeom>
+              <a:noFill/>
+              <a:ln>
+                <a:noFill/>
+              </a:ln>
+            </p:spPr>
+            <p:style>
+              <a:lnRef idx="2">
+                <a:schemeClr val="accent1">
+                  <a:shade val="15000"/>
+                </a:schemeClr>
+              </a:lnRef>
+              <a:fillRef idx="1">
+                <a:schemeClr val="accent1"/>
+              </a:fillRef>
+              <a:effectRef idx="0">
+                <a:schemeClr val="accent1"/>
+              </a:effectRef>
+              <a:fontRef idx="minor">
+                <a:schemeClr val="lt1"/>
+              </a:fontRef>
+            </p:style>
+            <p:txBody>
+              <a:bodyPr rtlCol="0" anchor="ctr"/>
+              <a:lstStyle/>
+              <a:p>
+                <a:r>
+                  <a:rPr lang="en-US" sz="1000" b="1" i="1" dirty="0">
+                    <a:solidFill>
+                      <a:schemeClr val="tx1"/>
+                    </a:solidFill>
+                  </a:rPr>
+                  <a:t>Sorted Array </a:t>
+                </a:r>
+                <a14:m>
+                  <m:oMath xmlns:m="http://schemas.openxmlformats.org/officeDocument/2006/math">
+                    <m:r>
+                      <a:rPr lang="en-US" sz="1000" b="1" i="1" dirty="0" smtClean="0">
+                        <a:solidFill>
+                          <a:schemeClr val="tx1"/>
+                        </a:solidFill>
+                        <a:latin typeface="Cambria Math" panose="02040503050406030204" pitchFamily="18" charset="0"/>
+                      </a:rPr>
+                      <m:t>𝑨</m:t>
+                    </m:r>
+                    <m:r>
+                      <a:rPr lang="en-US" sz="1000" b="1" i="1" dirty="0" smtClean="0">
+                        <a:solidFill>
+                          <a:schemeClr val="tx1"/>
+                        </a:solidFill>
+                        <a:latin typeface="Cambria Math" panose="02040503050406030204" pitchFamily="18" charset="0"/>
+                      </a:rPr>
+                      <m:t>’</m:t>
+                    </m:r>
+                  </m:oMath>
+                </a14:m>
+                <a:endParaRPr lang="en-US" sz="1000" b="1" i="1" dirty="0">
+                  <a:solidFill>
+                    <a:schemeClr val="tx1"/>
+                  </a:solidFill>
+                </a:endParaRPr>
+              </a:p>
+            </p:txBody>
+          </p:sp>
+        </mc:Choice>
+        <mc:Fallback>
+          <p:sp>
+            <p:nvSpPr>
+              <p:cNvPr id="167" name="Rectangle 166">
+                <a:extLst>
+                  <a:ext uri="{FF2B5EF4-FFF2-40B4-BE49-F238E27FC236}">
+                    <a16:creationId xmlns:a16="http://schemas.microsoft.com/office/drawing/2014/main" id="{61CD7F31-0346-1B62-9764-094BDFBEEF2C}"/>
+                  </a:ext>
+                </a:extLst>
+              </p:cNvPr>
+              <p:cNvSpPr>
+                <a:spLocks noRot="1" noChangeAspect="1" noMove="1" noResize="1" noEditPoints="1" noAdjustHandles="1" noChangeArrowheads="1" noChangeShapeType="1" noTextEdit="1"/>
+              </p:cNvSpPr>
+              <p:nvPr/>
+            </p:nvSpPr>
+            <p:spPr>
+              <a:xfrm>
+                <a:off x="1368963" y="4309786"/>
+                <a:ext cx="1811278" cy="262831"/>
+              </a:xfrm>
+              <a:prstGeom prst="rect">
+                <a:avLst/>
+              </a:prstGeom>
+              <a:blipFill>
+                <a:blip r:embed="rId5"/>
+                <a:stretch>
+                  <a:fillRect b="-9302"/>
+                </a:stretch>
+              </a:blipFill>
+              <a:ln>
+                <a:noFill/>
+              </a:ln>
+            </p:spPr>
+            <p:txBody>
+              <a:bodyPr/>
+              <a:lstStyle/>
+              <a:p>
+                <a:r>
+                  <a:rPr lang="en-US">
+                    <a:noFill/>
+                  </a:rPr>
+                  <a:t> </a:t>
+                </a:r>
+              </a:p>
+            </p:txBody>
+          </p:sp>
+        </mc:Fallback>
+      </mc:AlternateContent>
+      <mc:AlternateContent xmlns:mc="http://schemas.openxmlformats.org/markup-compatibility/2006">
+        <mc:Choice xmlns:a14="http://schemas.microsoft.com/office/drawing/2010/main" Requires="a14">
+          <p:sp>
+            <p:nvSpPr>
+              <p:cNvPr id="169" name="TextBox 168">
+                <a:extLst>
+                  <a:ext uri="{FF2B5EF4-FFF2-40B4-BE49-F238E27FC236}">
+                    <a16:creationId xmlns:a16="http://schemas.microsoft.com/office/drawing/2014/main" id="{E4BE4AA9-7D92-C8B0-460F-5E0C761DE1D2}"/>
+                  </a:ext>
+                </a:extLst>
+              </p:cNvPr>
+              <p:cNvSpPr txBox="1"/>
+              <p:nvPr/>
+            </p:nvSpPr>
+            <p:spPr>
+              <a:xfrm>
+                <a:off x="1386377" y="1487783"/>
+                <a:ext cx="2121997" cy="719749"/>
+              </a:xfrm>
+              <a:prstGeom prst="rect">
+                <a:avLst/>
+              </a:prstGeom>
+              <a:noFill/>
+            </p:spPr>
+            <p:txBody>
+              <a:bodyPr wrap="square" rtlCol="0">
+                <a:spAutoFit/>
+              </a:bodyPr>
+              <a:lstStyle/>
+              <a:p>
+                <a:pPr algn="just"/>
+                <a:r>
+                  <a:rPr lang="en-US" sz="1000" b="1" dirty="0"/>
+                  <a:t>Step 1: </a:t>
+                </a:r>
+                <a:r>
+                  <a:rPr lang="en-US" sz="1000" dirty="0"/>
+                  <a:t>Divide each input array value </a:t>
+                </a:r>
+                <a14:m>
+                  <m:oMath xmlns:m="http://schemas.openxmlformats.org/officeDocument/2006/math">
+                    <m:r>
+                      <a:rPr lang="en-US" sz="1000" b="0" i="1" smtClean="0">
+                        <a:latin typeface="Cambria Math" panose="02040503050406030204" pitchFamily="18" charset="0"/>
+                      </a:rPr>
+                      <m:t>𝐴</m:t>
+                    </m:r>
+                    <m:r>
+                      <a:rPr lang="en-US" sz="1000" b="0" i="1" smtClean="0">
+                        <a:latin typeface="Cambria Math" panose="02040503050406030204" pitchFamily="18" charset="0"/>
+                      </a:rPr>
+                      <m:t>[</m:t>
+                    </m:r>
+                    <m:r>
+                      <a:rPr lang="en-US" sz="1000" b="0" i="1" smtClean="0">
+                        <a:latin typeface="Cambria Math" panose="02040503050406030204" pitchFamily="18" charset="0"/>
+                      </a:rPr>
+                      <m:t>𝑖</m:t>
+                    </m:r>
+                    <m:r>
+                      <a:rPr lang="en-US" sz="1000" b="0" i="1" smtClean="0">
+                        <a:latin typeface="Cambria Math" panose="02040503050406030204" pitchFamily="18" charset="0"/>
+                      </a:rPr>
+                      <m:t>]</m:t>
+                    </m:r>
+                  </m:oMath>
+                </a14:m>
+                <a:r>
+                  <a:rPr lang="en-US" sz="1000" dirty="0"/>
+                  <a:t> by </a:t>
+                </a:r>
+                <a14:m>
+                  <m:oMath xmlns:m="http://schemas.openxmlformats.org/officeDocument/2006/math">
+                    <m:r>
+                      <m:rPr>
+                        <m:sty m:val="p"/>
+                      </m:rPr>
+                      <a:rPr lang="en-US" sz="1000" b="0" i="0" smtClean="0">
+                        <a:latin typeface="Cambria Math" panose="02040503050406030204" pitchFamily="18" charset="0"/>
+                      </a:rPr>
+                      <m:t>d</m:t>
+                    </m:r>
+                    <m:r>
+                      <a:rPr lang="en-US" sz="1000" b="0" i="0" smtClean="0">
+                        <a:latin typeface="Cambria Math" panose="02040503050406030204" pitchFamily="18" charset="0"/>
+                      </a:rPr>
+                      <m:t>=</m:t>
+                    </m:r>
+                    <m:r>
+                      <a:rPr lang="en-US" sz="1000" b="0" i="1" smtClean="0">
+                        <a:latin typeface="Cambria Math" panose="02040503050406030204" pitchFamily="18" charset="0"/>
+                      </a:rPr>
+                      <m:t>𝑛</m:t>
+                    </m:r>
+                  </m:oMath>
+                </a14:m>
+                <a:r>
+                  <a:rPr lang="en-US" sz="1000" dirty="0"/>
+                  <a:t> to acquire the remainder and quotient keys </a:t>
+                </a:r>
+                <a14:m>
+                  <m:oMath xmlns:m="http://schemas.openxmlformats.org/officeDocument/2006/math">
+                    <m:r>
+                      <a:rPr lang="en-US" sz="1000" i="1" dirty="0" smtClean="0">
+                        <a:latin typeface="Cambria Math" panose="02040503050406030204" pitchFamily="18" charset="0"/>
+                      </a:rPr>
+                      <m:t>𝑅</m:t>
+                    </m:r>
+                  </m:oMath>
+                </a14:m>
+                <a:r>
+                  <a:rPr lang="en-US" sz="1000" dirty="0"/>
+                  <a:t> and </a:t>
+                </a:r>
+                <a14:m>
+                  <m:oMath xmlns:m="http://schemas.openxmlformats.org/officeDocument/2006/math">
+                    <m:r>
+                      <a:rPr lang="en-US" sz="1000" i="1" dirty="0" smtClean="0">
+                        <a:latin typeface="Cambria Math" panose="02040503050406030204" pitchFamily="18" charset="0"/>
+                      </a:rPr>
+                      <m:t>𝑄</m:t>
+                    </m:r>
+                  </m:oMath>
+                </a14:m>
+                <a:r>
+                  <a:rPr lang="en-US" sz="1000" dirty="0"/>
+                  <a:t>, formatted as </a:t>
+                </a:r>
+                <a14:m>
+                  <m:oMath xmlns:m="http://schemas.openxmlformats.org/officeDocument/2006/math">
+                    <m:sSub>
+                      <m:sSubPr>
+                        <m:ctrlPr>
+                          <a:rPr lang="en-US" sz="1000" i="1" dirty="0">
+                            <a:latin typeface="Cambria Math" panose="02040503050406030204" pitchFamily="18" charset="0"/>
+                          </a:rPr>
+                        </m:ctrlPr>
+                      </m:sSubPr>
+                      <m:e>
+                        <m:r>
+                          <a:rPr lang="en-US" sz="1000" i="1" dirty="0">
+                            <a:latin typeface="Cambria Math" panose="02040503050406030204" pitchFamily="18" charset="0"/>
+                          </a:rPr>
+                          <m:t>𝐴</m:t>
+                        </m:r>
+                        <m:r>
+                          <a:rPr lang="en-US" sz="1000" i="1" dirty="0">
+                            <a:latin typeface="Cambria Math" panose="02040503050406030204" pitchFamily="18" charset="0"/>
+                          </a:rPr>
+                          <m:t>[</m:t>
+                        </m:r>
+                        <m:r>
+                          <a:rPr lang="en-US" sz="1000" i="1" dirty="0">
+                            <a:latin typeface="Cambria Math" panose="02040503050406030204" pitchFamily="18" charset="0"/>
+                          </a:rPr>
+                          <m:t>𝑖</m:t>
+                        </m:r>
+                        <m:r>
+                          <a:rPr lang="en-US" sz="1000" i="1" dirty="0">
+                            <a:latin typeface="Cambria Math" panose="02040503050406030204" pitchFamily="18" charset="0"/>
+                          </a:rPr>
+                          <m:t>]</m:t>
+                        </m:r>
+                      </m:e>
+                      <m:sub>
+                        <m:r>
+                          <a:rPr lang="en-US" sz="1000" i="1" dirty="0">
+                            <a:latin typeface="Cambria Math" panose="02040503050406030204" pitchFamily="18" charset="0"/>
+                          </a:rPr>
+                          <m:t>𝑟</m:t>
+                        </m:r>
+                        <m:r>
+                          <a:rPr lang="en-US" sz="1000" i="1" dirty="0">
+                            <a:latin typeface="Cambria Math" panose="02040503050406030204" pitchFamily="18" charset="0"/>
+                          </a:rPr>
+                          <m:t>, </m:t>
+                        </m:r>
+                        <m:r>
+                          <a:rPr lang="en-US" sz="1000" i="1" dirty="0">
+                            <a:latin typeface="Cambria Math" panose="02040503050406030204" pitchFamily="18" charset="0"/>
+                          </a:rPr>
+                          <m:t>𝑞</m:t>
+                        </m:r>
+                      </m:sub>
+                    </m:sSub>
+                    <m:r>
+                      <a:rPr lang="en-US" sz="1000" i="1" baseline="-25000" dirty="0">
+                        <a:latin typeface="Cambria Math" panose="02040503050406030204" pitchFamily="18" charset="0"/>
+                      </a:rPr>
+                      <m:t> </m:t>
+                    </m:r>
+                  </m:oMath>
+                </a14:m>
+                <a:r>
+                  <a:rPr lang="en-US" sz="1000" dirty="0"/>
+                  <a:t> </a:t>
+                </a:r>
+              </a:p>
+            </p:txBody>
+          </p:sp>
+        </mc:Choice>
+        <mc:Fallback>
+          <p:sp>
+            <p:nvSpPr>
+              <p:cNvPr id="169" name="TextBox 168">
+                <a:extLst>
+                  <a:ext uri="{FF2B5EF4-FFF2-40B4-BE49-F238E27FC236}">
+                    <a16:creationId xmlns:a16="http://schemas.microsoft.com/office/drawing/2014/main" id="{E4BE4AA9-7D92-C8B0-460F-5E0C761DE1D2}"/>
+                  </a:ext>
+                </a:extLst>
+              </p:cNvPr>
+              <p:cNvSpPr txBox="1">
+                <a:spLocks noRot="1" noChangeAspect="1" noMove="1" noResize="1" noEditPoints="1" noAdjustHandles="1" noChangeArrowheads="1" noChangeShapeType="1" noTextEdit="1"/>
+              </p:cNvSpPr>
+              <p:nvPr/>
+            </p:nvSpPr>
+            <p:spPr>
+              <a:xfrm>
+                <a:off x="1386377" y="1487783"/>
+                <a:ext cx="2121997" cy="719749"/>
+              </a:xfrm>
+              <a:prstGeom prst="rect">
+                <a:avLst/>
+              </a:prstGeom>
+              <a:blipFill>
+                <a:blip r:embed="rId6"/>
+                <a:stretch>
+                  <a:fillRect b="-3390"/>
+                </a:stretch>
+              </a:blipFill>
+            </p:spPr>
+            <p:txBody>
+              <a:bodyPr/>
+              <a:lstStyle/>
+              <a:p>
+                <a:r>
+                  <a:rPr lang="en-US">
+                    <a:noFill/>
+                  </a:rPr>
+                  <a:t> </a:t>
+                </a:r>
+              </a:p>
+            </p:txBody>
+          </p:sp>
+        </mc:Fallback>
+      </mc:AlternateContent>
+      <p:sp>
+        <p:nvSpPr>
+          <p:cNvPr id="170" name="Rectangle 169">
+            <a:extLst>
+              <a:ext uri="{FF2B5EF4-FFF2-40B4-BE49-F238E27FC236}">
+                <a16:creationId xmlns:a16="http://schemas.microsoft.com/office/drawing/2014/main" id="{B838AA45-C74C-30AC-B33F-8AD7B2651422}"/>
+              </a:ext>
+            </a:extLst>
+          </p:cNvPr>
+          <p:cNvSpPr/>
+          <p:nvPr/>
+        </p:nvSpPr>
+        <p:spPr>
+          <a:xfrm>
+            <a:off x="3893636" y="1652188"/>
+            <a:ext cx="497338" cy="262831"/>
+          </a:xfrm>
+          <a:prstGeom prst="rect">
+            <a:avLst/>
+          </a:prstGeom>
+          <a:noFill/>
+        </p:spPr>
+        <p:style>
+          <a:lnRef idx="2">
+            <a:schemeClr val="accent1">
+              <a:shade val="15000"/>
+            </a:schemeClr>
+          </a:lnRef>
+          <a:fillRef idx="1">
+            <a:schemeClr val="accent1"/>
+          </a:fillRef>
+          <a:effectRef idx="0">
+            <a:schemeClr val="accent1"/>
+          </a:effectRef>
+          <a:fontRef idx="minor">
+            <a:schemeClr val="lt1"/>
+          </a:fontRef>
+        </p:style>
+        <p:txBody>
+          <a:bodyPr rtlCol="0" anchor="ctr"/>
+          <a:lstStyle/>
+          <a:p>
+            <a:pPr algn="ctr"/>
+            <a:r>
+              <a:rPr lang="en-US" sz="1000" dirty="0">
+                <a:solidFill>
+                  <a:schemeClr val="tx1"/>
+                </a:solidFill>
+              </a:rPr>
+              <a:t>35</a:t>
+            </a:r>
+            <a:r>
+              <a:rPr lang="en-US" sz="1000" baseline="-25000" dirty="0">
+                <a:solidFill>
+                  <a:schemeClr val="tx1"/>
+                </a:solidFill>
+              </a:rPr>
+              <a:t>3,4</a:t>
+            </a:r>
+          </a:p>
+        </p:txBody>
+      </p:sp>
+      <p:sp>
+        <p:nvSpPr>
+          <p:cNvPr id="171" name="Rectangle 170">
+            <a:extLst>
+              <a:ext uri="{FF2B5EF4-FFF2-40B4-BE49-F238E27FC236}">
+                <a16:creationId xmlns:a16="http://schemas.microsoft.com/office/drawing/2014/main" id="{49879D41-AFDD-E27C-266B-51685840D5F0}"/>
+              </a:ext>
+            </a:extLst>
+          </p:cNvPr>
+          <p:cNvSpPr/>
+          <p:nvPr/>
+        </p:nvSpPr>
+        <p:spPr>
+          <a:xfrm>
+            <a:off x="4390974" y="1652187"/>
+            <a:ext cx="497338" cy="262831"/>
+          </a:xfrm>
+          <a:prstGeom prst="rect">
+            <a:avLst/>
+          </a:prstGeom>
+          <a:noFill/>
+        </p:spPr>
+        <p:style>
+          <a:lnRef idx="2">
+            <a:schemeClr val="accent1">
+              <a:shade val="15000"/>
+            </a:schemeClr>
+          </a:lnRef>
+          <a:fillRef idx="1">
+            <a:schemeClr val="accent1"/>
+          </a:fillRef>
+          <a:effectRef idx="0">
+            <a:schemeClr val="accent1"/>
+          </a:effectRef>
+          <a:fontRef idx="minor">
+            <a:schemeClr val="lt1"/>
+          </a:fontRef>
+        </p:style>
+        <p:txBody>
+          <a:bodyPr rtlCol="0" anchor="ctr"/>
+          <a:lstStyle/>
+          <a:p>
+            <a:pPr algn="ctr"/>
+            <a:r>
+              <a:rPr lang="en-US" sz="1000" dirty="0">
+                <a:solidFill>
+                  <a:schemeClr val="tx1"/>
+                </a:solidFill>
+              </a:rPr>
+              <a:t>42</a:t>
+            </a:r>
+            <a:r>
+              <a:rPr lang="en-US" sz="1000" baseline="-25000" dirty="0">
+                <a:solidFill>
+                  <a:schemeClr val="tx1"/>
+                </a:solidFill>
+              </a:rPr>
+              <a:t>2,5</a:t>
+            </a:r>
+          </a:p>
+        </p:txBody>
+      </p:sp>
+      <p:sp>
+        <p:nvSpPr>
+          <p:cNvPr id="172" name="Rectangle 171">
+            <a:extLst>
+              <a:ext uri="{FF2B5EF4-FFF2-40B4-BE49-F238E27FC236}">
+                <a16:creationId xmlns:a16="http://schemas.microsoft.com/office/drawing/2014/main" id="{DA9924B1-E774-E496-3FDC-AD564CB035B2}"/>
+              </a:ext>
+            </a:extLst>
+          </p:cNvPr>
+          <p:cNvSpPr/>
+          <p:nvPr/>
+        </p:nvSpPr>
+        <p:spPr>
+          <a:xfrm>
+            <a:off x="5385650" y="1652187"/>
+            <a:ext cx="497338" cy="262831"/>
+          </a:xfrm>
+          <a:prstGeom prst="rect">
+            <a:avLst/>
+          </a:prstGeom>
+          <a:noFill/>
+        </p:spPr>
+        <p:style>
+          <a:lnRef idx="2">
+            <a:schemeClr val="accent1">
+              <a:shade val="15000"/>
+            </a:schemeClr>
+          </a:lnRef>
+          <a:fillRef idx="1">
+            <a:schemeClr val="accent1"/>
+          </a:fillRef>
+          <a:effectRef idx="0">
+            <a:schemeClr val="accent1"/>
+          </a:effectRef>
+          <a:fontRef idx="minor">
+            <a:schemeClr val="lt1"/>
+          </a:fontRef>
+        </p:style>
+        <p:txBody>
+          <a:bodyPr rtlCol="0" anchor="ctr"/>
+          <a:lstStyle/>
+          <a:p>
+            <a:pPr algn="ctr"/>
+            <a:r>
+              <a:rPr lang="en-US" sz="1000" dirty="0">
+                <a:solidFill>
+                  <a:schemeClr val="tx1"/>
+                </a:solidFill>
+              </a:rPr>
+              <a:t>0</a:t>
+            </a:r>
+            <a:r>
+              <a:rPr lang="en-US" sz="1000" baseline="-25000" dirty="0">
+                <a:solidFill>
+                  <a:schemeClr val="tx1"/>
+                </a:solidFill>
+              </a:rPr>
+              <a:t>0,0</a:t>
+            </a:r>
+            <a:endParaRPr lang="en-US" sz="1000" dirty="0">
+              <a:solidFill>
+                <a:schemeClr val="tx1"/>
+              </a:solidFill>
+            </a:endParaRPr>
+          </a:p>
+        </p:txBody>
+      </p:sp>
+      <p:sp>
+        <p:nvSpPr>
+          <p:cNvPr id="173" name="Rectangle 172">
+            <a:extLst>
+              <a:ext uri="{FF2B5EF4-FFF2-40B4-BE49-F238E27FC236}">
+                <a16:creationId xmlns:a16="http://schemas.microsoft.com/office/drawing/2014/main" id="{1F7ACBE5-387F-404F-D506-B2B88F27D897}"/>
+              </a:ext>
+            </a:extLst>
+          </p:cNvPr>
+          <p:cNvSpPr/>
+          <p:nvPr/>
+        </p:nvSpPr>
+        <p:spPr>
+          <a:xfrm>
+            <a:off x="5882988" y="1652186"/>
+            <a:ext cx="497338" cy="262831"/>
+          </a:xfrm>
+          <a:prstGeom prst="rect">
+            <a:avLst/>
+          </a:prstGeom>
+          <a:noFill/>
+        </p:spPr>
+        <p:style>
+          <a:lnRef idx="2">
+            <a:schemeClr val="accent1">
+              <a:shade val="15000"/>
+            </a:schemeClr>
+          </a:lnRef>
+          <a:fillRef idx="1">
+            <a:schemeClr val="accent1"/>
+          </a:fillRef>
+          <a:effectRef idx="0">
+            <a:schemeClr val="accent1"/>
+          </a:effectRef>
+          <a:fontRef idx="minor">
+            <a:schemeClr val="lt1"/>
+          </a:fontRef>
+        </p:style>
+        <p:txBody>
+          <a:bodyPr rtlCol="0" anchor="ctr"/>
+          <a:lstStyle/>
+          <a:p>
+            <a:pPr algn="ctr"/>
+            <a:r>
+              <a:rPr lang="en-US" sz="1000" dirty="0">
+                <a:solidFill>
+                  <a:schemeClr val="tx1"/>
+                </a:solidFill>
+              </a:rPr>
+              <a:t>19</a:t>
+            </a:r>
+            <a:r>
+              <a:rPr lang="en-US" sz="1000" baseline="-25000" dirty="0">
+                <a:solidFill>
+                  <a:schemeClr val="tx1"/>
+                </a:solidFill>
+              </a:rPr>
+              <a:t>3,2</a:t>
+            </a:r>
+            <a:endParaRPr lang="en-US" sz="1000" dirty="0">
+              <a:solidFill>
+                <a:schemeClr val="tx1"/>
+              </a:solidFill>
+            </a:endParaRPr>
+          </a:p>
+        </p:txBody>
+      </p:sp>
+      <p:sp>
+        <p:nvSpPr>
+          <p:cNvPr id="174" name="Rectangle 173">
+            <a:extLst>
+              <a:ext uri="{FF2B5EF4-FFF2-40B4-BE49-F238E27FC236}">
+                <a16:creationId xmlns:a16="http://schemas.microsoft.com/office/drawing/2014/main" id="{894C3943-330C-C424-56D0-091B5E895404}"/>
+              </a:ext>
+            </a:extLst>
+          </p:cNvPr>
+          <p:cNvSpPr/>
+          <p:nvPr/>
+        </p:nvSpPr>
+        <p:spPr>
+          <a:xfrm>
+            <a:off x="6380326" y="1652187"/>
+            <a:ext cx="497338" cy="262831"/>
+          </a:xfrm>
+          <a:prstGeom prst="rect">
+            <a:avLst/>
+          </a:prstGeom>
+          <a:noFill/>
+        </p:spPr>
+        <p:style>
+          <a:lnRef idx="2">
+            <a:schemeClr val="accent1">
+              <a:shade val="15000"/>
+            </a:schemeClr>
+          </a:lnRef>
+          <a:fillRef idx="1">
+            <a:schemeClr val="accent1"/>
+          </a:fillRef>
+          <a:effectRef idx="0">
+            <a:schemeClr val="accent1"/>
+          </a:effectRef>
+          <a:fontRef idx="minor">
+            <a:schemeClr val="lt1"/>
+          </a:fontRef>
+        </p:style>
+        <p:txBody>
+          <a:bodyPr rtlCol="0" anchor="ctr"/>
+          <a:lstStyle/>
+          <a:p>
+            <a:pPr algn="ctr"/>
+            <a:r>
+              <a:rPr lang="en-US" sz="1000" dirty="0">
+                <a:solidFill>
+                  <a:schemeClr val="tx1"/>
+                </a:solidFill>
+              </a:rPr>
+              <a:t>81</a:t>
+            </a:r>
+            <a:r>
+              <a:rPr lang="en-US" sz="1000" baseline="-25000" dirty="0">
+                <a:solidFill>
+                  <a:schemeClr val="tx1"/>
+                </a:solidFill>
+              </a:rPr>
+              <a:t>1,10</a:t>
+            </a:r>
+            <a:endParaRPr lang="en-US" sz="1000" dirty="0">
+              <a:solidFill>
+                <a:schemeClr val="tx1"/>
+              </a:solidFill>
+            </a:endParaRPr>
+          </a:p>
+        </p:txBody>
+      </p:sp>
+      <p:sp>
+        <p:nvSpPr>
+          <p:cNvPr id="175" name="Rectangle 174">
+            <a:extLst>
+              <a:ext uri="{FF2B5EF4-FFF2-40B4-BE49-F238E27FC236}">
+                <a16:creationId xmlns:a16="http://schemas.microsoft.com/office/drawing/2014/main" id="{3549C7E1-FA27-C210-5DB3-23813C467161}"/>
+              </a:ext>
+            </a:extLst>
+          </p:cNvPr>
+          <p:cNvSpPr/>
+          <p:nvPr/>
+        </p:nvSpPr>
+        <p:spPr>
+          <a:xfrm>
+            <a:off x="6877664" y="1652186"/>
+            <a:ext cx="497338" cy="262831"/>
+          </a:xfrm>
+          <a:prstGeom prst="rect">
+            <a:avLst/>
+          </a:prstGeom>
+          <a:noFill/>
+        </p:spPr>
+        <p:style>
+          <a:lnRef idx="2">
+            <a:schemeClr val="accent1">
+              <a:shade val="15000"/>
+            </a:schemeClr>
+          </a:lnRef>
+          <a:fillRef idx="1">
+            <a:schemeClr val="accent1"/>
+          </a:fillRef>
+          <a:effectRef idx="0">
+            <a:schemeClr val="accent1"/>
+          </a:effectRef>
+          <a:fontRef idx="minor">
+            <a:schemeClr val="lt1"/>
+          </a:fontRef>
+        </p:style>
+        <p:txBody>
+          <a:bodyPr rtlCol="0" anchor="ctr"/>
+          <a:lstStyle/>
+          <a:p>
+            <a:pPr algn="ctr"/>
+            <a:r>
+              <a:rPr lang="en-US" sz="1000" dirty="0">
+                <a:solidFill>
+                  <a:schemeClr val="tx1"/>
+                </a:solidFill>
+              </a:rPr>
+              <a:t>73</a:t>
+            </a:r>
+            <a:r>
+              <a:rPr lang="en-US" sz="1000" baseline="-25000" dirty="0">
+                <a:solidFill>
+                  <a:schemeClr val="tx1"/>
+                </a:solidFill>
+              </a:rPr>
+              <a:t>1,9</a:t>
+            </a:r>
+            <a:endParaRPr lang="en-US" sz="1000" dirty="0">
+              <a:solidFill>
+                <a:schemeClr val="tx1"/>
+              </a:solidFill>
+            </a:endParaRPr>
+          </a:p>
+        </p:txBody>
+      </p:sp>
+      <p:sp>
+        <p:nvSpPr>
+          <p:cNvPr id="176" name="Rectangle 175">
+            <a:extLst>
+              <a:ext uri="{FF2B5EF4-FFF2-40B4-BE49-F238E27FC236}">
+                <a16:creationId xmlns:a16="http://schemas.microsoft.com/office/drawing/2014/main" id="{01C03EDD-24AA-F673-9ADB-309A79409CB6}"/>
+              </a:ext>
+            </a:extLst>
+          </p:cNvPr>
+          <p:cNvSpPr/>
+          <p:nvPr/>
+        </p:nvSpPr>
+        <p:spPr>
+          <a:xfrm>
+            <a:off x="7375002" y="1652187"/>
+            <a:ext cx="497338" cy="262831"/>
+          </a:xfrm>
+          <a:prstGeom prst="rect">
+            <a:avLst/>
+          </a:prstGeom>
+          <a:noFill/>
+        </p:spPr>
+        <p:style>
+          <a:lnRef idx="2">
+            <a:schemeClr val="accent1">
+              <a:shade val="15000"/>
+            </a:schemeClr>
+          </a:lnRef>
+          <a:fillRef idx="1">
+            <a:schemeClr val="accent1"/>
+          </a:fillRef>
+          <a:effectRef idx="0">
+            <a:schemeClr val="accent1"/>
+          </a:effectRef>
+          <a:fontRef idx="minor">
+            <a:schemeClr val="lt1"/>
+          </a:fontRef>
+        </p:style>
+        <p:txBody>
+          <a:bodyPr rtlCol="0" anchor="ctr"/>
+          <a:lstStyle/>
+          <a:p>
+            <a:pPr algn="ctr"/>
+            <a:r>
+              <a:rPr lang="en-US" sz="1000" dirty="0">
+                <a:solidFill>
+                  <a:schemeClr val="tx1"/>
+                </a:solidFill>
+              </a:rPr>
+              <a:t>53</a:t>
+            </a:r>
+            <a:r>
+              <a:rPr lang="en-US" sz="1000" baseline="-25000" dirty="0">
+                <a:solidFill>
+                  <a:schemeClr val="tx1"/>
+                </a:solidFill>
+              </a:rPr>
+              <a:t>5,6</a:t>
+            </a:r>
+            <a:endParaRPr lang="en-US" sz="1000" dirty="0">
+              <a:solidFill>
+                <a:schemeClr val="tx1"/>
+              </a:solidFill>
+            </a:endParaRPr>
+          </a:p>
+        </p:txBody>
+      </p:sp>
+      <p:sp>
+        <p:nvSpPr>
+          <p:cNvPr id="177" name="Rectangle 176">
+            <a:extLst>
+              <a:ext uri="{FF2B5EF4-FFF2-40B4-BE49-F238E27FC236}">
+                <a16:creationId xmlns:a16="http://schemas.microsoft.com/office/drawing/2014/main" id="{31B16E29-7592-8BBC-2A7A-EDB4BA08BFAE}"/>
+              </a:ext>
+            </a:extLst>
+          </p:cNvPr>
+          <p:cNvSpPr/>
+          <p:nvPr/>
+        </p:nvSpPr>
+        <p:spPr>
+          <a:xfrm>
+            <a:off x="4888312" y="1652187"/>
+            <a:ext cx="497338" cy="262831"/>
+          </a:xfrm>
+          <a:prstGeom prst="rect">
+            <a:avLst/>
+          </a:prstGeom>
+          <a:noFill/>
+        </p:spPr>
+        <p:style>
+          <a:lnRef idx="2">
+            <a:schemeClr val="accent1">
+              <a:shade val="15000"/>
+            </a:schemeClr>
+          </a:lnRef>
+          <a:fillRef idx="1">
+            <a:schemeClr val="accent1"/>
+          </a:fillRef>
+          <a:effectRef idx="0">
+            <a:schemeClr val="accent1"/>
+          </a:effectRef>
+          <a:fontRef idx="minor">
+            <a:schemeClr val="lt1"/>
+          </a:fontRef>
+        </p:style>
+        <p:txBody>
+          <a:bodyPr rtlCol="0" anchor="ctr"/>
+          <a:lstStyle/>
+          <a:p>
+            <a:pPr algn="ctr"/>
+            <a:r>
+              <a:rPr lang="en-US" sz="1000" dirty="0">
+                <a:solidFill>
+                  <a:schemeClr val="tx1"/>
+                </a:solidFill>
+              </a:rPr>
+              <a:t>8</a:t>
+            </a:r>
+            <a:r>
+              <a:rPr lang="en-US" sz="1000" baseline="-25000" dirty="0">
+                <a:solidFill>
+                  <a:schemeClr val="tx1"/>
+                </a:solidFill>
+              </a:rPr>
+              <a:t>0,1</a:t>
+            </a:r>
+          </a:p>
+        </p:txBody>
+      </p:sp>
+    </p:spTree>
+    <p:extLst>
+      <p:ext uri="{BB962C8B-B14F-4D97-AF65-F5344CB8AC3E}">
+        <p14:creationId xmlns:p14="http://schemas.microsoft.com/office/powerpoint/2010/main" val="4277971603"/>
       </p:ext>
     </p:extLst>
   </p:cSld>

--- a/output_figures/Algorithm Figures.pptx
+++ b/output_figures/Algorithm Figures.pptx
@@ -2377,7 +2377,7 @@
           <a:p>
             <a:fld id="{B172FF0F-BF65-4409-ACA3-091EE74CBEF8}" type="datetimeFigureOut">
               <a:rPr lang="en-US" smtClean="0"/>
-              <a:t>3/9/2024</a:t>
+              <a:t>4/16/24</a:t>
             </a:fld>
             <a:endParaRPr lang="en-US"/>
           </a:p>
@@ -2575,7 +2575,7 @@
           <a:p>
             <a:fld id="{B172FF0F-BF65-4409-ACA3-091EE74CBEF8}" type="datetimeFigureOut">
               <a:rPr lang="en-US" smtClean="0"/>
-              <a:t>3/9/2024</a:t>
+              <a:t>4/16/24</a:t>
             </a:fld>
             <a:endParaRPr lang="en-US"/>
           </a:p>
@@ -2783,7 +2783,7 @@
           <a:p>
             <a:fld id="{B172FF0F-BF65-4409-ACA3-091EE74CBEF8}" type="datetimeFigureOut">
               <a:rPr lang="en-US" smtClean="0"/>
-              <a:t>3/9/2024</a:t>
+              <a:t>4/16/24</a:t>
             </a:fld>
             <a:endParaRPr lang="en-US"/>
           </a:p>
@@ -2981,7 +2981,7 @@
           <a:p>
             <a:fld id="{B172FF0F-BF65-4409-ACA3-091EE74CBEF8}" type="datetimeFigureOut">
               <a:rPr lang="en-US" smtClean="0"/>
-              <a:t>3/9/2024</a:t>
+              <a:t>4/16/24</a:t>
             </a:fld>
             <a:endParaRPr lang="en-US"/>
           </a:p>
@@ -3256,7 +3256,7 @@
           <a:p>
             <a:fld id="{B172FF0F-BF65-4409-ACA3-091EE74CBEF8}" type="datetimeFigureOut">
               <a:rPr lang="en-US" smtClean="0"/>
-              <a:t>3/9/2024</a:t>
+              <a:t>4/16/24</a:t>
             </a:fld>
             <a:endParaRPr lang="en-US"/>
           </a:p>
@@ -3521,7 +3521,7 @@
           <a:p>
             <a:fld id="{B172FF0F-BF65-4409-ACA3-091EE74CBEF8}" type="datetimeFigureOut">
               <a:rPr lang="en-US" smtClean="0"/>
-              <a:t>3/9/2024</a:t>
+              <a:t>4/16/24</a:t>
             </a:fld>
             <a:endParaRPr lang="en-US"/>
           </a:p>
@@ -3933,7 +3933,7 @@
           <a:p>
             <a:fld id="{B172FF0F-BF65-4409-ACA3-091EE74CBEF8}" type="datetimeFigureOut">
               <a:rPr lang="en-US" smtClean="0"/>
-              <a:t>3/9/2024</a:t>
+              <a:t>4/16/24</a:t>
             </a:fld>
             <a:endParaRPr lang="en-US"/>
           </a:p>
@@ -4074,7 +4074,7 @@
           <a:p>
             <a:fld id="{B172FF0F-BF65-4409-ACA3-091EE74CBEF8}" type="datetimeFigureOut">
               <a:rPr lang="en-US" smtClean="0"/>
-              <a:t>3/9/2024</a:t>
+              <a:t>4/16/24</a:t>
             </a:fld>
             <a:endParaRPr lang="en-US"/>
           </a:p>
@@ -4187,7 +4187,7 @@
           <a:p>
             <a:fld id="{B172FF0F-BF65-4409-ACA3-091EE74CBEF8}" type="datetimeFigureOut">
               <a:rPr lang="en-US" smtClean="0"/>
-              <a:t>3/9/2024</a:t>
+              <a:t>4/16/24</a:t>
             </a:fld>
             <a:endParaRPr lang="en-US"/>
           </a:p>
@@ -4498,7 +4498,7 @@
           <a:p>
             <a:fld id="{B172FF0F-BF65-4409-ACA3-091EE74CBEF8}" type="datetimeFigureOut">
               <a:rPr lang="en-US" smtClean="0"/>
-              <a:t>3/9/2024</a:t>
+              <a:t>4/16/24</a:t>
             </a:fld>
             <a:endParaRPr lang="en-US"/>
           </a:p>
@@ -4786,7 +4786,7 @@
           <a:p>
             <a:fld id="{B172FF0F-BF65-4409-ACA3-091EE74CBEF8}" type="datetimeFigureOut">
               <a:rPr lang="en-US" smtClean="0"/>
-              <a:t>3/9/2024</a:t>
+              <a:t>4/16/24</a:t>
             </a:fld>
             <a:endParaRPr lang="en-US"/>
           </a:p>
@@ -5027,7 +5027,7 @@
           <a:p>
             <a:fld id="{B172FF0F-BF65-4409-ACA3-091EE74CBEF8}" type="datetimeFigureOut">
               <a:rPr lang="en-US" smtClean="0"/>
-              <a:t>3/9/2024</a:t>
+              <a:t>4/16/24</a:t>
             </a:fld>
             <a:endParaRPr lang="en-US"/>
           </a:p>
@@ -38986,6 +38986,60 @@
       </p:grpSpPr>
       <p:sp>
         <p:nvSpPr>
+          <p:cNvPr id="2" name="Rectangle 1">
+            <a:extLst>
+              <a:ext uri="{FF2B5EF4-FFF2-40B4-BE49-F238E27FC236}">
+                <a16:creationId xmlns:a16="http://schemas.microsoft.com/office/drawing/2014/main" id="{9C911B87-BE61-C562-051D-C2B19AE3BBDB}"/>
+              </a:ext>
+            </a:extLst>
+          </p:cNvPr>
+          <p:cNvSpPr/>
+          <p:nvPr/>
+        </p:nvSpPr>
+        <p:spPr>
+          <a:xfrm>
+            <a:off x="537328" y="443060"/>
+            <a:ext cx="8239027" cy="4685121"/>
+          </a:xfrm>
+          <a:prstGeom prst="rect">
+            <a:avLst/>
+          </a:prstGeom>
+          <a:solidFill>
+            <a:schemeClr val="bg1"/>
+          </a:solidFill>
+          <a:ln>
+            <a:solidFill>
+              <a:schemeClr val="bg1"/>
+            </a:solidFill>
+          </a:ln>
+        </p:spPr>
+        <p:style>
+          <a:lnRef idx="2">
+            <a:schemeClr val="accent1">
+              <a:shade val="15000"/>
+            </a:schemeClr>
+          </a:lnRef>
+          <a:fillRef idx="1">
+            <a:schemeClr val="accent1"/>
+          </a:fillRef>
+          <a:effectRef idx="0">
+            <a:schemeClr val="accent1"/>
+          </a:effectRef>
+          <a:fontRef idx="minor">
+            <a:schemeClr val="lt1"/>
+          </a:fontRef>
+        </p:style>
+        <p:txBody>
+          <a:bodyPr rtlCol="0" anchor="ctr"/>
+          <a:lstStyle/>
+          <a:p>
+            <a:pPr algn="ctr"/>
+            <a:endParaRPr lang="en-US"/>
+          </a:p>
+        </p:txBody>
+      </p:sp>
+      <p:sp>
+        <p:nvSpPr>
           <p:cNvPr id="4" name="Rectangle 3">
             <a:extLst>
               <a:ext uri="{FF2B5EF4-FFF2-40B4-BE49-F238E27FC236}">
@@ -39362,8 +39416,8 @@
           </a:p>
         </p:txBody>
       </p:sp>
-      <mc:AlternateContent xmlns:mc="http://schemas.openxmlformats.org/markup-compatibility/2006">
-        <mc:Choice xmlns:a14="http://schemas.microsoft.com/office/drawing/2010/main" Requires="a14">
+      <mc:AlternateContent xmlns:mc="http://schemas.openxmlformats.org/markup-compatibility/2006" xmlns:a14="http://schemas.microsoft.com/office/drawing/2010/main">
+        <mc:Choice Requires="a14">
           <p:sp>
             <p:nvSpPr>
               <p:cNvPr id="12" name="Rectangle 11">
@@ -39439,7 +39493,7 @@
             </p:txBody>
           </p:sp>
         </mc:Choice>
-        <mc:Fallback>
+        <mc:Fallback xmlns="">
           <p:sp>
             <p:nvSpPr>
               <p:cNvPr id="12" name="Rectangle 11">
@@ -42450,8 +42504,8 @@
           </a:fontRef>
         </p:style>
       </p:cxnSp>
-      <mc:AlternateContent xmlns:mc="http://schemas.openxmlformats.org/markup-compatibility/2006">
-        <mc:Choice xmlns:a14="http://schemas.microsoft.com/office/drawing/2010/main" Requires="a14">
+      <mc:AlternateContent xmlns:mc="http://schemas.openxmlformats.org/markup-compatibility/2006" xmlns:a14="http://schemas.microsoft.com/office/drawing/2010/main">
+        <mc:Choice Requires="a14">
           <p:sp>
             <p:nvSpPr>
               <p:cNvPr id="165" name="Rectangle 164">
@@ -42627,7 +42681,7 @@
             </p:txBody>
           </p:sp>
         </mc:Choice>
-        <mc:Fallback>
+        <mc:Fallback xmlns="">
           <p:sp>
             <p:nvSpPr>
               <p:cNvPr id="165" name="Rectangle 164">
@@ -42675,8 +42729,8 @@
           </p:sp>
         </mc:Fallback>
       </mc:AlternateContent>
-      <mc:AlternateContent xmlns:mc="http://schemas.openxmlformats.org/markup-compatibility/2006">
-        <mc:Choice xmlns:a14="http://schemas.microsoft.com/office/drawing/2010/main" Requires="a14">
+      <mc:AlternateContent xmlns:mc="http://schemas.openxmlformats.org/markup-compatibility/2006" xmlns:a14="http://schemas.microsoft.com/office/drawing/2010/main">
+        <mc:Choice Requires="a14">
           <p:sp>
             <p:nvSpPr>
               <p:cNvPr id="166" name="Rectangle 165">
@@ -42861,7 +42915,7 @@
             </p:txBody>
           </p:sp>
         </mc:Choice>
-        <mc:Fallback>
+        <mc:Fallback xmlns="">
           <p:sp>
             <p:nvSpPr>
               <p:cNvPr id="166" name="Rectangle 165">
@@ -42909,8 +42963,8 @@
           </p:sp>
         </mc:Fallback>
       </mc:AlternateContent>
-      <mc:AlternateContent xmlns:mc="http://schemas.openxmlformats.org/markup-compatibility/2006">
-        <mc:Choice xmlns:a14="http://schemas.microsoft.com/office/drawing/2010/main" Requires="a14">
+      <mc:AlternateContent xmlns:mc="http://schemas.openxmlformats.org/markup-compatibility/2006" xmlns:a14="http://schemas.microsoft.com/office/drawing/2010/main">
+        <mc:Choice Requires="a14">
           <p:sp>
             <p:nvSpPr>
               <p:cNvPr id="167" name="Rectangle 166">
@@ -42995,7 +43049,7 @@
             </p:txBody>
           </p:sp>
         </mc:Choice>
-        <mc:Fallback>
+        <mc:Fallback xmlns="">
           <p:sp>
             <p:nvSpPr>
               <p:cNvPr id="167" name="Rectangle 166">
@@ -43043,8 +43097,8 @@
           </p:sp>
         </mc:Fallback>
       </mc:AlternateContent>
-      <mc:AlternateContent xmlns:mc="http://schemas.openxmlformats.org/markup-compatibility/2006">
-        <mc:Choice xmlns:a14="http://schemas.microsoft.com/office/drawing/2010/main" Requires="a14">
+      <mc:AlternateContent xmlns:mc="http://schemas.openxmlformats.org/markup-compatibility/2006" xmlns:a14="http://schemas.microsoft.com/office/drawing/2010/main">
+        <mc:Choice Requires="a14">
           <p:sp>
             <p:nvSpPr>
               <p:cNvPr id="169" name="TextBox 168">
@@ -43244,7 +43298,7 @@
             </p:txBody>
           </p:sp>
         </mc:Choice>
-        <mc:Fallback>
+        <mc:Fallback xmlns="">
           <p:sp>
             <p:nvSpPr>
               <p:cNvPr id="169" name="TextBox 168">
